--- a/sort/readme/sort.pptx
+++ b/sort/readme/sort.pptx
@@ -9,6 +9,7 @@
     <p:sldId id="258" r:id="rId3"/>
     <p:sldId id="259" r:id="rId4"/>
     <p:sldId id="260" r:id="rId5"/>
+    <p:sldId id="261" r:id="rId6"/>
   </p:sldIdLst>
   <p:sldSz cx="12192000" cy="6858000"/>
   <p:notesSz cx="6858000" cy="9144000"/>
@@ -18166,6 +18167,7333 @@
 </p:sld>
 </file>
 
+<file path=ppt/slides/slide5.xml><?xml version="1.0" encoding="utf-8"?>
+<p:sld xmlns:a="http://schemas.openxmlformats.org/drawingml/2006/main" xmlns:r="http://schemas.openxmlformats.org/officeDocument/2006/relationships" xmlns:p="http://schemas.openxmlformats.org/presentationml/2006/main">
+  <p:cSld>
+    <p:spTree>
+      <p:nvGrpSpPr>
+        <p:cNvPr id="1" name=""/>
+        <p:cNvGrpSpPr/>
+        <p:nvPr/>
+      </p:nvGrpSpPr>
+      <p:grpSpPr>
+        <a:xfrm>
+          <a:off x="0" y="0"/>
+          <a:ext cx="0" cy="0"/>
+          <a:chOff x="0" y="0"/>
+          <a:chExt cx="0" cy="0"/>
+        </a:xfrm>
+      </p:grpSpPr>
+      <p:grpSp>
+        <p:nvGrpSpPr>
+          <p:cNvPr id="317" name="群組 316"/>
+          <p:cNvGrpSpPr/>
+          <p:nvPr/>
+        </p:nvGrpSpPr>
+        <p:grpSpPr>
+          <a:xfrm>
+            <a:off x="3465467" y="270267"/>
+            <a:ext cx="3270795" cy="5120563"/>
+            <a:chOff x="3597422" y="270267"/>
+            <a:chExt cx="3270795" cy="5120563"/>
+          </a:xfrm>
+        </p:grpSpPr>
+        <p:grpSp>
+          <p:nvGrpSpPr>
+            <p:cNvPr id="279" name="群組 278"/>
+            <p:cNvGrpSpPr/>
+            <p:nvPr/>
+          </p:nvGrpSpPr>
+          <p:grpSpPr>
+            <a:xfrm>
+              <a:off x="4186164" y="270268"/>
+              <a:ext cx="2682053" cy="620430"/>
+              <a:chOff x="3413947" y="4778198"/>
+              <a:chExt cx="2682053" cy="620430"/>
+            </a:xfrm>
+          </p:grpSpPr>
+          <p:grpSp>
+            <p:nvGrpSpPr>
+              <p:cNvPr id="147" name="群組 146"/>
+              <p:cNvGrpSpPr/>
+              <p:nvPr/>
+            </p:nvGrpSpPr>
+            <p:grpSpPr>
+              <a:xfrm>
+                <a:off x="3413947" y="4778198"/>
+                <a:ext cx="2682053" cy="369332"/>
+                <a:chOff x="1981199" y="2169459"/>
+                <a:chExt cx="2682053" cy="369332"/>
+              </a:xfrm>
+            </p:grpSpPr>
+            <p:sp>
+              <p:nvSpPr>
+                <p:cNvPr id="148" name="文字方塊 147"/>
+                <p:cNvSpPr txBox="1"/>
+                <p:nvPr/>
+              </p:nvSpPr>
+              <p:spPr>
+                <a:xfrm>
+                  <a:off x="1981199" y="2169459"/>
+                  <a:ext cx="418704" cy="369332"/>
+                </a:xfrm>
+                <a:prstGeom prst="rect">
+                  <a:avLst/>
+                </a:prstGeom>
+                <a:noFill/>
+                <a:ln>
+                  <a:solidFill>
+                    <a:srgbClr val="FF0000"/>
+                  </a:solidFill>
+                </a:ln>
+              </p:spPr>
+              <p:txBody>
+                <a:bodyPr wrap="none" rtlCol="0">
+                  <a:spAutoFit/>
+                </a:bodyPr>
+                <a:lstStyle/>
+                <a:p>
+                  <a:r>
+                    <a:rPr lang="en-US" altLang="zh-TW" dirty="0" smtClean="0"/>
+                    <a:t>10</a:t>
+                  </a:r>
+                  <a:endParaRPr lang="zh-TW" altLang="en-US" dirty="0"/>
+                </a:p>
+              </p:txBody>
+            </p:sp>
+            <p:sp>
+              <p:nvSpPr>
+                <p:cNvPr id="149" name="文字方塊 148"/>
+                <p:cNvSpPr txBox="1"/>
+                <p:nvPr/>
+              </p:nvSpPr>
+              <p:spPr>
+                <a:xfrm>
+                  <a:off x="2634800" y="2169459"/>
+                  <a:ext cx="301686" cy="369332"/>
+                </a:xfrm>
+                <a:prstGeom prst="rect">
+                  <a:avLst/>
+                </a:prstGeom>
+                <a:noFill/>
+              </p:spPr>
+              <p:txBody>
+                <a:bodyPr wrap="none" rtlCol="0">
+                  <a:spAutoFit/>
+                </a:bodyPr>
+                <a:lstStyle/>
+                <a:p>
+                  <a:r>
+                    <a:rPr lang="en-US" altLang="zh-TW" u="sng" dirty="0"/>
+                    <a:t>2</a:t>
+                  </a:r>
+                  <a:endParaRPr lang="zh-TW" altLang="en-US" u="sng" dirty="0"/>
+                </a:p>
+              </p:txBody>
+            </p:sp>
+            <p:sp>
+              <p:nvSpPr>
+                <p:cNvPr id="150" name="文字方塊 149"/>
+                <p:cNvSpPr txBox="1"/>
+                <p:nvPr/>
+              </p:nvSpPr>
+              <p:spPr>
+                <a:xfrm>
+                  <a:off x="3171383" y="2169459"/>
+                  <a:ext cx="301686" cy="369332"/>
+                </a:xfrm>
+                <a:prstGeom prst="rect">
+                  <a:avLst/>
+                </a:prstGeom>
+                <a:noFill/>
+              </p:spPr>
+              <p:txBody>
+                <a:bodyPr wrap="none" rtlCol="0">
+                  <a:spAutoFit/>
+                </a:bodyPr>
+                <a:lstStyle/>
+                <a:p>
+                  <a:r>
+                    <a:rPr lang="en-US" altLang="zh-TW" dirty="0" smtClean="0"/>
+                    <a:t>8</a:t>
+                  </a:r>
+                  <a:endParaRPr lang="zh-TW" altLang="en-US" dirty="0"/>
+                </a:p>
+              </p:txBody>
+            </p:sp>
+            <p:sp>
+              <p:nvSpPr>
+                <p:cNvPr id="151" name="文字方塊 150"/>
+                <p:cNvSpPr txBox="1"/>
+                <p:nvPr/>
+              </p:nvSpPr>
+              <p:spPr>
+                <a:xfrm>
+                  <a:off x="3707966" y="2169459"/>
+                  <a:ext cx="418704" cy="369332"/>
+                </a:xfrm>
+                <a:prstGeom prst="rect">
+                  <a:avLst/>
+                </a:prstGeom>
+                <a:noFill/>
+                <a:ln>
+                  <a:noFill/>
+                </a:ln>
+              </p:spPr>
+              <p:txBody>
+                <a:bodyPr wrap="none" rtlCol="0">
+                  <a:spAutoFit/>
+                </a:bodyPr>
+                <a:lstStyle/>
+                <a:p>
+                  <a:r>
+                    <a:rPr lang="en-US" altLang="zh-TW" b="1" dirty="0" smtClean="0">
+                      <a:solidFill>
+                        <a:srgbClr val="FF0000"/>
+                      </a:solidFill>
+                    </a:rPr>
+                    <a:t>37</a:t>
+                  </a:r>
+                  <a:endParaRPr lang="zh-TW" altLang="en-US" b="1" dirty="0">
+                    <a:solidFill>
+                      <a:srgbClr val="FF0000"/>
+                    </a:solidFill>
+                  </a:endParaRPr>
+                </a:p>
+              </p:txBody>
+            </p:sp>
+            <p:sp>
+              <p:nvSpPr>
+                <p:cNvPr id="152" name="文字方塊 151"/>
+                <p:cNvSpPr txBox="1"/>
+                <p:nvPr/>
+              </p:nvSpPr>
+              <p:spPr>
+                <a:xfrm>
+                  <a:off x="4244548" y="2169459"/>
+                  <a:ext cx="418704" cy="369332"/>
+                </a:xfrm>
+                <a:prstGeom prst="rect">
+                  <a:avLst/>
+                </a:prstGeom>
+                <a:noFill/>
+                <a:ln>
+                  <a:solidFill>
+                    <a:srgbClr val="FF0000"/>
+                  </a:solidFill>
+                </a:ln>
+              </p:spPr>
+              <p:txBody>
+                <a:bodyPr wrap="none" rtlCol="0">
+                  <a:spAutoFit/>
+                </a:bodyPr>
+                <a:lstStyle/>
+                <a:p>
+                  <a:r>
+                    <a:rPr lang="en-US" altLang="zh-TW" dirty="0" smtClean="0"/>
+                    <a:t>85</a:t>
+                  </a:r>
+                  <a:endParaRPr lang="zh-TW" altLang="en-US" dirty="0"/>
+                </a:p>
+              </p:txBody>
+            </p:sp>
+          </p:grpSp>
+          <p:cxnSp>
+            <p:nvCxnSpPr>
+              <p:cNvPr id="153" name="直線單箭頭接點 152"/>
+              <p:cNvCxnSpPr/>
+              <p:nvPr/>
+            </p:nvCxnSpPr>
+            <p:spPr>
+              <a:xfrm>
+                <a:off x="3630070" y="5179298"/>
+                <a:ext cx="0" cy="219330"/>
+              </a:xfrm>
+              <a:prstGeom prst="straightConnector1">
+                <a:avLst/>
+              </a:prstGeom>
+              <a:ln>
+                <a:solidFill>
+                  <a:schemeClr val="tx1"/>
+                </a:solidFill>
+                <a:headEnd type="triangle"/>
+                <a:tailEnd type="none"/>
+              </a:ln>
+            </p:spPr>
+            <p:style>
+              <a:lnRef idx="1">
+                <a:schemeClr val="accent1"/>
+              </a:lnRef>
+              <a:fillRef idx="0">
+                <a:schemeClr val="accent1"/>
+              </a:fillRef>
+              <a:effectRef idx="0">
+                <a:schemeClr val="accent1"/>
+              </a:effectRef>
+              <a:fontRef idx="minor">
+                <a:schemeClr val="tx1"/>
+              </a:fontRef>
+            </p:style>
+          </p:cxnSp>
+          <p:cxnSp>
+            <p:nvCxnSpPr>
+              <p:cNvPr id="154" name="直線單箭頭接點 153"/>
+              <p:cNvCxnSpPr/>
+              <p:nvPr/>
+            </p:nvCxnSpPr>
+            <p:spPr>
+              <a:xfrm>
+                <a:off x="3841887" y="5287792"/>
+                <a:ext cx="234897" cy="0"/>
+              </a:xfrm>
+              <a:prstGeom prst="straightConnector1">
+                <a:avLst/>
+              </a:prstGeom>
+              <a:ln>
+                <a:solidFill>
+                  <a:srgbClr val="00B050"/>
+                </a:solidFill>
+                <a:prstDash val="dash"/>
+                <a:tailEnd type="triangle"/>
+              </a:ln>
+            </p:spPr>
+            <p:style>
+              <a:lnRef idx="1">
+                <a:schemeClr val="accent1"/>
+              </a:lnRef>
+              <a:fillRef idx="0">
+                <a:schemeClr val="accent1"/>
+              </a:fillRef>
+              <a:effectRef idx="0">
+                <a:schemeClr val="accent1"/>
+              </a:effectRef>
+              <a:fontRef idx="minor">
+                <a:schemeClr val="tx1"/>
+              </a:fontRef>
+            </p:style>
+          </p:cxnSp>
+          <p:cxnSp>
+            <p:nvCxnSpPr>
+              <p:cNvPr id="155" name="弧形接點 154"/>
+              <p:cNvCxnSpPr>
+                <a:stCxn id="149" idx="1"/>
+                <a:endCxn id="149" idx="3"/>
+              </p:cNvCxnSpPr>
+              <p:nvPr/>
+            </p:nvCxnSpPr>
+            <p:spPr>
+              <a:xfrm rot="10800000" flipH="1">
+                <a:off x="4067548" y="4962864"/>
+                <a:ext cx="301686" cy="12700"/>
+              </a:xfrm>
+              <a:prstGeom prst="curvedConnector5">
+                <a:avLst>
+                  <a:gd name="adj1" fmla="val -75774"/>
+                  <a:gd name="adj2" fmla="val 3254063"/>
+                  <a:gd name="adj3" fmla="val 175774"/>
+                </a:avLst>
+              </a:prstGeom>
+              <a:ln>
+                <a:tailEnd type="triangle"/>
+              </a:ln>
+            </p:spPr>
+            <p:style>
+              <a:lnRef idx="1">
+                <a:schemeClr val="accent1"/>
+              </a:lnRef>
+              <a:fillRef idx="0">
+                <a:schemeClr val="accent1"/>
+              </a:fillRef>
+              <a:effectRef idx="0">
+                <a:schemeClr val="accent1"/>
+              </a:effectRef>
+              <a:fontRef idx="minor">
+                <a:schemeClr val="tx1"/>
+              </a:fontRef>
+            </p:style>
+          </p:cxnSp>
+        </p:grpSp>
+        <p:grpSp>
+          <p:nvGrpSpPr>
+            <p:cNvPr id="280" name="群組 279"/>
+            <p:cNvGrpSpPr/>
+            <p:nvPr/>
+          </p:nvGrpSpPr>
+          <p:grpSpPr>
+            <a:xfrm>
+              <a:off x="4186164" y="1060023"/>
+              <a:ext cx="2682053" cy="620430"/>
+              <a:chOff x="3413947" y="5685437"/>
+              <a:chExt cx="2682053" cy="620430"/>
+            </a:xfrm>
+          </p:grpSpPr>
+          <p:grpSp>
+            <p:nvGrpSpPr>
+              <p:cNvPr id="158" name="群組 157"/>
+              <p:cNvGrpSpPr/>
+              <p:nvPr/>
+            </p:nvGrpSpPr>
+            <p:grpSpPr>
+              <a:xfrm>
+                <a:off x="3413947" y="5685437"/>
+                <a:ext cx="2682053" cy="369332"/>
+                <a:chOff x="1981199" y="2169459"/>
+                <a:chExt cx="2682053" cy="369332"/>
+              </a:xfrm>
+            </p:grpSpPr>
+            <p:sp>
+              <p:nvSpPr>
+                <p:cNvPr id="159" name="文字方塊 158"/>
+                <p:cNvSpPr txBox="1"/>
+                <p:nvPr/>
+              </p:nvSpPr>
+              <p:spPr>
+                <a:xfrm>
+                  <a:off x="1981199" y="2169459"/>
+                  <a:ext cx="418704" cy="369332"/>
+                </a:xfrm>
+                <a:prstGeom prst="rect">
+                  <a:avLst/>
+                </a:prstGeom>
+                <a:noFill/>
+                <a:ln>
+                  <a:solidFill>
+                    <a:srgbClr val="FF0000"/>
+                  </a:solidFill>
+                </a:ln>
+              </p:spPr>
+              <p:txBody>
+                <a:bodyPr wrap="none" rtlCol="0">
+                  <a:spAutoFit/>
+                </a:bodyPr>
+                <a:lstStyle/>
+                <a:p>
+                  <a:r>
+                    <a:rPr lang="en-US" altLang="zh-TW" dirty="0" smtClean="0"/>
+                    <a:t>10</a:t>
+                  </a:r>
+                  <a:endParaRPr lang="zh-TW" altLang="en-US" dirty="0"/>
+                </a:p>
+              </p:txBody>
+            </p:sp>
+            <p:sp>
+              <p:nvSpPr>
+                <p:cNvPr id="160" name="文字方塊 159"/>
+                <p:cNvSpPr txBox="1"/>
+                <p:nvPr/>
+              </p:nvSpPr>
+              <p:spPr>
+                <a:xfrm>
+                  <a:off x="2634800" y="2169459"/>
+                  <a:ext cx="301686" cy="369332"/>
+                </a:xfrm>
+                <a:prstGeom prst="rect">
+                  <a:avLst/>
+                </a:prstGeom>
+                <a:noFill/>
+              </p:spPr>
+              <p:txBody>
+                <a:bodyPr wrap="none" rtlCol="0">
+                  <a:spAutoFit/>
+                </a:bodyPr>
+                <a:lstStyle/>
+                <a:p>
+                  <a:r>
+                    <a:rPr lang="en-US" altLang="zh-TW" u="sng" dirty="0"/>
+                    <a:t>2</a:t>
+                  </a:r>
+                  <a:endParaRPr lang="zh-TW" altLang="en-US" u="sng" dirty="0"/>
+                </a:p>
+              </p:txBody>
+            </p:sp>
+            <p:sp>
+              <p:nvSpPr>
+                <p:cNvPr id="161" name="文字方塊 160"/>
+                <p:cNvSpPr txBox="1"/>
+                <p:nvPr/>
+              </p:nvSpPr>
+              <p:spPr>
+                <a:xfrm>
+                  <a:off x="3171383" y="2169459"/>
+                  <a:ext cx="301686" cy="369332"/>
+                </a:xfrm>
+                <a:prstGeom prst="rect">
+                  <a:avLst/>
+                </a:prstGeom>
+                <a:noFill/>
+              </p:spPr>
+              <p:txBody>
+                <a:bodyPr wrap="none" rtlCol="0">
+                  <a:spAutoFit/>
+                </a:bodyPr>
+                <a:lstStyle/>
+                <a:p>
+                  <a:r>
+                    <a:rPr lang="en-US" altLang="zh-TW" dirty="0" smtClean="0"/>
+                    <a:t>8</a:t>
+                  </a:r>
+                  <a:endParaRPr lang="zh-TW" altLang="en-US" dirty="0"/>
+                </a:p>
+              </p:txBody>
+            </p:sp>
+            <p:sp>
+              <p:nvSpPr>
+                <p:cNvPr id="162" name="文字方塊 161"/>
+                <p:cNvSpPr txBox="1"/>
+                <p:nvPr/>
+              </p:nvSpPr>
+              <p:spPr>
+                <a:xfrm>
+                  <a:off x="3707966" y="2169459"/>
+                  <a:ext cx="418704" cy="369332"/>
+                </a:xfrm>
+                <a:prstGeom prst="rect">
+                  <a:avLst/>
+                </a:prstGeom>
+                <a:noFill/>
+                <a:ln>
+                  <a:noFill/>
+                </a:ln>
+              </p:spPr>
+              <p:txBody>
+                <a:bodyPr wrap="none" rtlCol="0">
+                  <a:spAutoFit/>
+                </a:bodyPr>
+                <a:lstStyle/>
+                <a:p>
+                  <a:r>
+                    <a:rPr lang="en-US" altLang="zh-TW" b="1" dirty="0" smtClean="0">
+                      <a:solidFill>
+                        <a:srgbClr val="FF0000"/>
+                      </a:solidFill>
+                    </a:rPr>
+                    <a:t>37</a:t>
+                  </a:r>
+                  <a:endParaRPr lang="zh-TW" altLang="en-US" b="1" dirty="0">
+                    <a:solidFill>
+                      <a:srgbClr val="FF0000"/>
+                    </a:solidFill>
+                  </a:endParaRPr>
+                </a:p>
+              </p:txBody>
+            </p:sp>
+            <p:sp>
+              <p:nvSpPr>
+                <p:cNvPr id="163" name="文字方塊 162"/>
+                <p:cNvSpPr txBox="1"/>
+                <p:nvPr/>
+              </p:nvSpPr>
+              <p:spPr>
+                <a:xfrm>
+                  <a:off x="4244548" y="2169459"/>
+                  <a:ext cx="418704" cy="369332"/>
+                </a:xfrm>
+                <a:prstGeom prst="rect">
+                  <a:avLst/>
+                </a:prstGeom>
+                <a:noFill/>
+                <a:ln>
+                  <a:solidFill>
+                    <a:srgbClr val="FF0000"/>
+                  </a:solidFill>
+                </a:ln>
+              </p:spPr>
+              <p:txBody>
+                <a:bodyPr wrap="none" rtlCol="0">
+                  <a:spAutoFit/>
+                </a:bodyPr>
+                <a:lstStyle/>
+                <a:p>
+                  <a:r>
+                    <a:rPr lang="en-US" altLang="zh-TW" dirty="0" smtClean="0"/>
+                    <a:t>85</a:t>
+                  </a:r>
+                  <a:endParaRPr lang="zh-TW" altLang="en-US" dirty="0"/>
+                </a:p>
+              </p:txBody>
+            </p:sp>
+          </p:grpSp>
+          <p:cxnSp>
+            <p:nvCxnSpPr>
+              <p:cNvPr id="164" name="直線單箭頭接點 163"/>
+              <p:cNvCxnSpPr/>
+              <p:nvPr/>
+            </p:nvCxnSpPr>
+            <p:spPr>
+              <a:xfrm>
+                <a:off x="4218569" y="6086537"/>
+                <a:ext cx="0" cy="219330"/>
+              </a:xfrm>
+              <a:prstGeom prst="straightConnector1">
+                <a:avLst/>
+              </a:prstGeom>
+              <a:ln>
+                <a:solidFill>
+                  <a:schemeClr val="tx1"/>
+                </a:solidFill>
+                <a:headEnd type="triangle"/>
+                <a:tailEnd type="none"/>
+              </a:ln>
+            </p:spPr>
+            <p:style>
+              <a:lnRef idx="1">
+                <a:schemeClr val="accent1"/>
+              </a:lnRef>
+              <a:fillRef idx="0">
+                <a:schemeClr val="accent1"/>
+              </a:fillRef>
+              <a:effectRef idx="0">
+                <a:schemeClr val="accent1"/>
+              </a:effectRef>
+              <a:fontRef idx="minor">
+                <a:schemeClr val="tx1"/>
+              </a:fontRef>
+            </p:style>
+          </p:cxnSp>
+        </p:grpSp>
+        <p:grpSp>
+          <p:nvGrpSpPr>
+            <p:cNvPr id="281" name="群組 280"/>
+            <p:cNvGrpSpPr/>
+            <p:nvPr/>
+          </p:nvGrpSpPr>
+          <p:grpSpPr>
+            <a:xfrm>
+              <a:off x="4186164" y="1849778"/>
+              <a:ext cx="2682053" cy="620430"/>
+              <a:chOff x="6546600" y="1683483"/>
+              <a:chExt cx="2682053" cy="620430"/>
+            </a:xfrm>
+          </p:grpSpPr>
+          <p:grpSp>
+            <p:nvGrpSpPr>
+              <p:cNvPr id="167" name="群組 166"/>
+              <p:cNvGrpSpPr/>
+              <p:nvPr/>
+            </p:nvGrpSpPr>
+            <p:grpSpPr>
+              <a:xfrm>
+                <a:off x="6546600" y="1683483"/>
+                <a:ext cx="2682053" cy="369332"/>
+                <a:chOff x="1981199" y="2169459"/>
+                <a:chExt cx="2682053" cy="369332"/>
+              </a:xfrm>
+            </p:grpSpPr>
+            <p:sp>
+              <p:nvSpPr>
+                <p:cNvPr id="168" name="文字方塊 167"/>
+                <p:cNvSpPr txBox="1"/>
+                <p:nvPr/>
+              </p:nvSpPr>
+              <p:spPr>
+                <a:xfrm>
+                  <a:off x="1981199" y="2169459"/>
+                  <a:ext cx="418704" cy="369332"/>
+                </a:xfrm>
+                <a:prstGeom prst="rect">
+                  <a:avLst/>
+                </a:prstGeom>
+                <a:noFill/>
+                <a:ln>
+                  <a:solidFill>
+                    <a:srgbClr val="FF0000"/>
+                  </a:solidFill>
+                </a:ln>
+              </p:spPr>
+              <p:txBody>
+                <a:bodyPr wrap="none" rtlCol="0">
+                  <a:spAutoFit/>
+                </a:bodyPr>
+                <a:lstStyle/>
+                <a:p>
+                  <a:r>
+                    <a:rPr lang="en-US" altLang="zh-TW" dirty="0" smtClean="0"/>
+                    <a:t>10</a:t>
+                  </a:r>
+                  <a:endParaRPr lang="zh-TW" altLang="en-US" dirty="0"/>
+                </a:p>
+              </p:txBody>
+            </p:sp>
+            <p:sp>
+              <p:nvSpPr>
+                <p:cNvPr id="169" name="文字方塊 168"/>
+                <p:cNvSpPr txBox="1"/>
+                <p:nvPr/>
+              </p:nvSpPr>
+              <p:spPr>
+                <a:xfrm>
+                  <a:off x="2634800" y="2169459"/>
+                  <a:ext cx="301686" cy="369332"/>
+                </a:xfrm>
+                <a:prstGeom prst="rect">
+                  <a:avLst/>
+                </a:prstGeom>
+                <a:noFill/>
+              </p:spPr>
+              <p:txBody>
+                <a:bodyPr wrap="none" rtlCol="0">
+                  <a:spAutoFit/>
+                </a:bodyPr>
+                <a:lstStyle/>
+                <a:p>
+                  <a:r>
+                    <a:rPr lang="en-US" altLang="zh-TW" dirty="0"/>
+                    <a:t>2</a:t>
+                  </a:r>
+                  <a:endParaRPr lang="zh-TW" altLang="en-US" dirty="0"/>
+                </a:p>
+              </p:txBody>
+            </p:sp>
+            <p:sp>
+              <p:nvSpPr>
+                <p:cNvPr id="170" name="文字方塊 169"/>
+                <p:cNvSpPr txBox="1"/>
+                <p:nvPr/>
+              </p:nvSpPr>
+              <p:spPr>
+                <a:xfrm>
+                  <a:off x="3171383" y="2169459"/>
+                  <a:ext cx="301686" cy="369332"/>
+                </a:xfrm>
+                <a:prstGeom prst="rect">
+                  <a:avLst/>
+                </a:prstGeom>
+                <a:noFill/>
+              </p:spPr>
+              <p:txBody>
+                <a:bodyPr wrap="none" rtlCol="0">
+                  <a:spAutoFit/>
+                </a:bodyPr>
+                <a:lstStyle/>
+                <a:p>
+                  <a:r>
+                    <a:rPr lang="en-US" altLang="zh-TW" u="sng" dirty="0" smtClean="0"/>
+                    <a:t>8</a:t>
+                  </a:r>
+                  <a:endParaRPr lang="zh-TW" altLang="en-US" u="sng" dirty="0"/>
+                </a:p>
+              </p:txBody>
+            </p:sp>
+            <p:sp>
+              <p:nvSpPr>
+                <p:cNvPr id="171" name="文字方塊 170"/>
+                <p:cNvSpPr txBox="1"/>
+                <p:nvPr/>
+              </p:nvSpPr>
+              <p:spPr>
+                <a:xfrm>
+                  <a:off x="3707966" y="2169459"/>
+                  <a:ext cx="418704" cy="369332"/>
+                </a:xfrm>
+                <a:prstGeom prst="rect">
+                  <a:avLst/>
+                </a:prstGeom>
+                <a:noFill/>
+                <a:ln>
+                  <a:noFill/>
+                </a:ln>
+              </p:spPr>
+              <p:txBody>
+                <a:bodyPr wrap="none" rtlCol="0">
+                  <a:spAutoFit/>
+                </a:bodyPr>
+                <a:lstStyle/>
+                <a:p>
+                  <a:r>
+                    <a:rPr lang="en-US" altLang="zh-TW" b="1" dirty="0" smtClean="0">
+                      <a:solidFill>
+                        <a:srgbClr val="FF0000"/>
+                      </a:solidFill>
+                    </a:rPr>
+                    <a:t>37</a:t>
+                  </a:r>
+                  <a:endParaRPr lang="zh-TW" altLang="en-US" b="1" dirty="0">
+                    <a:solidFill>
+                      <a:srgbClr val="FF0000"/>
+                    </a:solidFill>
+                  </a:endParaRPr>
+                </a:p>
+              </p:txBody>
+            </p:sp>
+            <p:sp>
+              <p:nvSpPr>
+                <p:cNvPr id="172" name="文字方塊 171"/>
+                <p:cNvSpPr txBox="1"/>
+                <p:nvPr/>
+              </p:nvSpPr>
+              <p:spPr>
+                <a:xfrm>
+                  <a:off x="4244548" y="2169459"/>
+                  <a:ext cx="418704" cy="369332"/>
+                </a:xfrm>
+                <a:prstGeom prst="rect">
+                  <a:avLst/>
+                </a:prstGeom>
+                <a:noFill/>
+                <a:ln>
+                  <a:solidFill>
+                    <a:srgbClr val="FF0000"/>
+                  </a:solidFill>
+                </a:ln>
+              </p:spPr>
+              <p:txBody>
+                <a:bodyPr wrap="none" rtlCol="0">
+                  <a:spAutoFit/>
+                </a:bodyPr>
+                <a:lstStyle/>
+                <a:p>
+                  <a:r>
+                    <a:rPr lang="en-US" altLang="zh-TW" dirty="0" smtClean="0"/>
+                    <a:t>85</a:t>
+                  </a:r>
+                  <a:endParaRPr lang="zh-TW" altLang="en-US" dirty="0"/>
+                </a:p>
+              </p:txBody>
+            </p:sp>
+          </p:grpSp>
+          <p:cxnSp>
+            <p:nvCxnSpPr>
+              <p:cNvPr id="173" name="直線單箭頭接點 172"/>
+              <p:cNvCxnSpPr/>
+              <p:nvPr/>
+            </p:nvCxnSpPr>
+            <p:spPr>
+              <a:xfrm>
+                <a:off x="7351222" y="2084583"/>
+                <a:ext cx="0" cy="219330"/>
+              </a:xfrm>
+              <a:prstGeom prst="straightConnector1">
+                <a:avLst/>
+              </a:prstGeom>
+              <a:ln>
+                <a:solidFill>
+                  <a:schemeClr val="tx1"/>
+                </a:solidFill>
+                <a:headEnd type="triangle"/>
+                <a:tailEnd type="none"/>
+              </a:ln>
+            </p:spPr>
+            <p:style>
+              <a:lnRef idx="1">
+                <a:schemeClr val="accent1"/>
+              </a:lnRef>
+              <a:fillRef idx="0">
+                <a:schemeClr val="accent1"/>
+              </a:fillRef>
+              <a:effectRef idx="0">
+                <a:schemeClr val="accent1"/>
+              </a:effectRef>
+              <a:fontRef idx="minor">
+                <a:schemeClr val="tx1"/>
+              </a:fontRef>
+            </p:style>
+          </p:cxnSp>
+          <p:cxnSp>
+            <p:nvCxnSpPr>
+              <p:cNvPr id="174" name="直線單箭頭接點 173"/>
+              <p:cNvCxnSpPr/>
+              <p:nvPr/>
+            </p:nvCxnSpPr>
+            <p:spPr>
+              <a:xfrm>
+                <a:off x="7501887" y="2198253"/>
+                <a:ext cx="234897" cy="0"/>
+              </a:xfrm>
+              <a:prstGeom prst="straightConnector1">
+                <a:avLst/>
+              </a:prstGeom>
+              <a:ln>
+                <a:solidFill>
+                  <a:srgbClr val="00B050"/>
+                </a:solidFill>
+                <a:prstDash val="dash"/>
+                <a:tailEnd type="triangle"/>
+              </a:ln>
+            </p:spPr>
+            <p:style>
+              <a:lnRef idx="1">
+                <a:schemeClr val="accent1"/>
+              </a:lnRef>
+              <a:fillRef idx="0">
+                <a:schemeClr val="accent1"/>
+              </a:fillRef>
+              <a:effectRef idx="0">
+                <a:schemeClr val="accent1"/>
+              </a:effectRef>
+              <a:fontRef idx="minor">
+                <a:schemeClr val="tx1"/>
+              </a:fontRef>
+            </p:style>
+          </p:cxnSp>
+          <p:cxnSp>
+            <p:nvCxnSpPr>
+              <p:cNvPr id="175" name="弧形接點 174"/>
+              <p:cNvCxnSpPr>
+                <a:stCxn id="170" idx="1"/>
+                <a:endCxn id="170" idx="3"/>
+              </p:cNvCxnSpPr>
+              <p:nvPr/>
+            </p:nvCxnSpPr>
+            <p:spPr>
+              <a:xfrm rot="10800000" flipH="1">
+                <a:off x="7736784" y="1868149"/>
+                <a:ext cx="301686" cy="12700"/>
+              </a:xfrm>
+              <a:prstGeom prst="curvedConnector5">
+                <a:avLst>
+                  <a:gd name="adj1" fmla="val -75774"/>
+                  <a:gd name="adj2" fmla="val 3254063"/>
+                  <a:gd name="adj3" fmla="val 175774"/>
+                </a:avLst>
+              </a:prstGeom>
+              <a:ln>
+                <a:tailEnd type="triangle"/>
+              </a:ln>
+            </p:spPr>
+            <p:style>
+              <a:lnRef idx="1">
+                <a:schemeClr val="accent1"/>
+              </a:lnRef>
+              <a:fillRef idx="0">
+                <a:schemeClr val="accent1"/>
+              </a:fillRef>
+              <a:effectRef idx="0">
+                <a:schemeClr val="accent1"/>
+              </a:effectRef>
+              <a:fontRef idx="minor">
+                <a:schemeClr val="tx1"/>
+              </a:fontRef>
+            </p:style>
+          </p:cxnSp>
+        </p:grpSp>
+        <p:grpSp>
+          <p:nvGrpSpPr>
+            <p:cNvPr id="282" name="群組 281"/>
+            <p:cNvGrpSpPr/>
+            <p:nvPr/>
+          </p:nvGrpSpPr>
+          <p:grpSpPr>
+            <a:xfrm>
+              <a:off x="4186164" y="2639533"/>
+              <a:ext cx="2682053" cy="620430"/>
+              <a:chOff x="6546600" y="2659791"/>
+              <a:chExt cx="2682053" cy="620430"/>
+            </a:xfrm>
+          </p:grpSpPr>
+          <p:grpSp>
+            <p:nvGrpSpPr>
+              <p:cNvPr id="178" name="群組 177"/>
+              <p:cNvGrpSpPr/>
+              <p:nvPr/>
+            </p:nvGrpSpPr>
+            <p:grpSpPr>
+              <a:xfrm>
+                <a:off x="6546600" y="2659791"/>
+                <a:ext cx="2682053" cy="369332"/>
+                <a:chOff x="1981199" y="2169459"/>
+                <a:chExt cx="2682053" cy="369332"/>
+              </a:xfrm>
+            </p:grpSpPr>
+            <p:sp>
+              <p:nvSpPr>
+                <p:cNvPr id="179" name="文字方塊 178"/>
+                <p:cNvSpPr txBox="1"/>
+                <p:nvPr/>
+              </p:nvSpPr>
+              <p:spPr>
+                <a:xfrm>
+                  <a:off x="1981199" y="2169459"/>
+                  <a:ext cx="418704" cy="369332"/>
+                </a:xfrm>
+                <a:prstGeom prst="rect">
+                  <a:avLst/>
+                </a:prstGeom>
+                <a:noFill/>
+                <a:ln>
+                  <a:solidFill>
+                    <a:srgbClr val="FF0000"/>
+                  </a:solidFill>
+                </a:ln>
+              </p:spPr>
+              <p:txBody>
+                <a:bodyPr wrap="none" rtlCol="0">
+                  <a:spAutoFit/>
+                </a:bodyPr>
+                <a:lstStyle/>
+                <a:p>
+                  <a:r>
+                    <a:rPr lang="en-US" altLang="zh-TW" dirty="0" smtClean="0"/>
+                    <a:t>10</a:t>
+                  </a:r>
+                  <a:endParaRPr lang="zh-TW" altLang="en-US" dirty="0"/>
+                </a:p>
+              </p:txBody>
+            </p:sp>
+            <p:sp>
+              <p:nvSpPr>
+                <p:cNvPr id="180" name="文字方塊 179"/>
+                <p:cNvSpPr txBox="1"/>
+                <p:nvPr/>
+              </p:nvSpPr>
+              <p:spPr>
+                <a:xfrm>
+                  <a:off x="2634800" y="2169459"/>
+                  <a:ext cx="301686" cy="369332"/>
+                </a:xfrm>
+                <a:prstGeom prst="rect">
+                  <a:avLst/>
+                </a:prstGeom>
+                <a:noFill/>
+              </p:spPr>
+              <p:txBody>
+                <a:bodyPr wrap="none" rtlCol="0">
+                  <a:spAutoFit/>
+                </a:bodyPr>
+                <a:lstStyle/>
+                <a:p>
+                  <a:r>
+                    <a:rPr lang="en-US" altLang="zh-TW" dirty="0"/>
+                    <a:t>2</a:t>
+                  </a:r>
+                  <a:endParaRPr lang="zh-TW" altLang="en-US" dirty="0"/>
+                </a:p>
+              </p:txBody>
+            </p:sp>
+            <p:sp>
+              <p:nvSpPr>
+                <p:cNvPr id="181" name="文字方塊 180"/>
+                <p:cNvSpPr txBox="1"/>
+                <p:nvPr/>
+              </p:nvSpPr>
+              <p:spPr>
+                <a:xfrm>
+                  <a:off x="3171383" y="2169459"/>
+                  <a:ext cx="301686" cy="369332"/>
+                </a:xfrm>
+                <a:prstGeom prst="rect">
+                  <a:avLst/>
+                </a:prstGeom>
+                <a:noFill/>
+              </p:spPr>
+              <p:txBody>
+                <a:bodyPr wrap="none" rtlCol="0">
+                  <a:spAutoFit/>
+                </a:bodyPr>
+                <a:lstStyle/>
+                <a:p>
+                  <a:r>
+                    <a:rPr lang="en-US" altLang="zh-TW" u="sng" dirty="0" smtClean="0"/>
+                    <a:t>8</a:t>
+                  </a:r>
+                  <a:endParaRPr lang="zh-TW" altLang="en-US" u="sng" dirty="0"/>
+                </a:p>
+              </p:txBody>
+            </p:sp>
+            <p:sp>
+              <p:nvSpPr>
+                <p:cNvPr id="182" name="文字方塊 181"/>
+                <p:cNvSpPr txBox="1"/>
+                <p:nvPr/>
+              </p:nvSpPr>
+              <p:spPr>
+                <a:xfrm>
+                  <a:off x="3707966" y="2169459"/>
+                  <a:ext cx="418704" cy="369332"/>
+                </a:xfrm>
+                <a:prstGeom prst="rect">
+                  <a:avLst/>
+                </a:prstGeom>
+                <a:noFill/>
+                <a:ln>
+                  <a:noFill/>
+                </a:ln>
+              </p:spPr>
+              <p:txBody>
+                <a:bodyPr wrap="none" rtlCol="0">
+                  <a:spAutoFit/>
+                </a:bodyPr>
+                <a:lstStyle/>
+                <a:p>
+                  <a:r>
+                    <a:rPr lang="en-US" altLang="zh-TW" b="1" dirty="0" smtClean="0">
+                      <a:solidFill>
+                        <a:srgbClr val="FF0000"/>
+                      </a:solidFill>
+                    </a:rPr>
+                    <a:t>37</a:t>
+                  </a:r>
+                  <a:endParaRPr lang="zh-TW" altLang="en-US" b="1" dirty="0">
+                    <a:solidFill>
+                      <a:srgbClr val="FF0000"/>
+                    </a:solidFill>
+                  </a:endParaRPr>
+                </a:p>
+              </p:txBody>
+            </p:sp>
+            <p:sp>
+              <p:nvSpPr>
+                <p:cNvPr id="183" name="文字方塊 182"/>
+                <p:cNvSpPr txBox="1"/>
+                <p:nvPr/>
+              </p:nvSpPr>
+              <p:spPr>
+                <a:xfrm>
+                  <a:off x="4244548" y="2169459"/>
+                  <a:ext cx="418704" cy="369332"/>
+                </a:xfrm>
+                <a:prstGeom prst="rect">
+                  <a:avLst/>
+                </a:prstGeom>
+                <a:noFill/>
+                <a:ln>
+                  <a:solidFill>
+                    <a:srgbClr val="FF0000"/>
+                  </a:solidFill>
+                </a:ln>
+              </p:spPr>
+              <p:txBody>
+                <a:bodyPr wrap="none" rtlCol="0">
+                  <a:spAutoFit/>
+                </a:bodyPr>
+                <a:lstStyle/>
+                <a:p>
+                  <a:r>
+                    <a:rPr lang="en-US" altLang="zh-TW" dirty="0" smtClean="0"/>
+                    <a:t>85</a:t>
+                  </a:r>
+                  <a:endParaRPr lang="zh-TW" altLang="en-US" dirty="0"/>
+                </a:p>
+              </p:txBody>
+            </p:sp>
+          </p:grpSp>
+          <p:cxnSp>
+            <p:nvCxnSpPr>
+              <p:cNvPr id="184" name="直線單箭頭接點 183"/>
+              <p:cNvCxnSpPr/>
+              <p:nvPr/>
+            </p:nvCxnSpPr>
+            <p:spPr>
+              <a:xfrm>
+                <a:off x="7886931" y="3060891"/>
+                <a:ext cx="0" cy="219330"/>
+              </a:xfrm>
+              <a:prstGeom prst="straightConnector1">
+                <a:avLst/>
+              </a:prstGeom>
+              <a:ln>
+                <a:solidFill>
+                  <a:schemeClr val="tx1"/>
+                </a:solidFill>
+                <a:headEnd type="triangle"/>
+                <a:tailEnd type="none"/>
+              </a:ln>
+            </p:spPr>
+            <p:style>
+              <a:lnRef idx="1">
+                <a:schemeClr val="accent1"/>
+              </a:lnRef>
+              <a:fillRef idx="0">
+                <a:schemeClr val="accent1"/>
+              </a:fillRef>
+              <a:effectRef idx="0">
+                <a:schemeClr val="accent1"/>
+              </a:effectRef>
+              <a:fontRef idx="minor">
+                <a:schemeClr val="tx1"/>
+              </a:fontRef>
+            </p:style>
+          </p:cxnSp>
+        </p:grpSp>
+        <p:grpSp>
+          <p:nvGrpSpPr>
+            <p:cNvPr id="283" name="群組 282"/>
+            <p:cNvGrpSpPr/>
+            <p:nvPr/>
+          </p:nvGrpSpPr>
+          <p:grpSpPr>
+            <a:xfrm>
+              <a:off x="4186164" y="3429288"/>
+              <a:ext cx="2682053" cy="626779"/>
+              <a:chOff x="6546600" y="3594946"/>
+              <a:chExt cx="2682053" cy="626779"/>
+            </a:xfrm>
+          </p:grpSpPr>
+          <p:grpSp>
+            <p:nvGrpSpPr>
+              <p:cNvPr id="187" name="群組 186"/>
+              <p:cNvGrpSpPr/>
+              <p:nvPr/>
+            </p:nvGrpSpPr>
+            <p:grpSpPr>
+              <a:xfrm>
+                <a:off x="6546600" y="3601295"/>
+                <a:ext cx="2682053" cy="369332"/>
+                <a:chOff x="1981199" y="2169459"/>
+                <a:chExt cx="2682053" cy="369332"/>
+              </a:xfrm>
+            </p:grpSpPr>
+            <p:sp>
+              <p:nvSpPr>
+                <p:cNvPr id="188" name="文字方塊 187"/>
+                <p:cNvSpPr txBox="1"/>
+                <p:nvPr/>
+              </p:nvSpPr>
+              <p:spPr>
+                <a:xfrm>
+                  <a:off x="1981199" y="2169459"/>
+                  <a:ext cx="418704" cy="369332"/>
+                </a:xfrm>
+                <a:prstGeom prst="rect">
+                  <a:avLst/>
+                </a:prstGeom>
+                <a:noFill/>
+                <a:ln>
+                  <a:solidFill>
+                    <a:srgbClr val="FF0000"/>
+                  </a:solidFill>
+                </a:ln>
+              </p:spPr>
+              <p:txBody>
+                <a:bodyPr wrap="none" rtlCol="0">
+                  <a:spAutoFit/>
+                </a:bodyPr>
+                <a:lstStyle/>
+                <a:p>
+                  <a:r>
+                    <a:rPr lang="en-US" altLang="zh-TW" dirty="0" smtClean="0"/>
+                    <a:t>10</a:t>
+                  </a:r>
+                  <a:endParaRPr lang="zh-TW" altLang="en-US" dirty="0"/>
+                </a:p>
+              </p:txBody>
+            </p:sp>
+            <p:sp>
+              <p:nvSpPr>
+                <p:cNvPr id="189" name="文字方塊 188"/>
+                <p:cNvSpPr txBox="1"/>
+                <p:nvPr/>
+              </p:nvSpPr>
+              <p:spPr>
+                <a:xfrm>
+                  <a:off x="2634800" y="2169459"/>
+                  <a:ext cx="301686" cy="369332"/>
+                </a:xfrm>
+                <a:prstGeom prst="rect">
+                  <a:avLst/>
+                </a:prstGeom>
+                <a:noFill/>
+              </p:spPr>
+              <p:txBody>
+                <a:bodyPr wrap="none" rtlCol="0">
+                  <a:spAutoFit/>
+                </a:bodyPr>
+                <a:lstStyle/>
+                <a:p>
+                  <a:r>
+                    <a:rPr lang="en-US" altLang="zh-TW" dirty="0"/>
+                    <a:t>2</a:t>
+                  </a:r>
+                  <a:endParaRPr lang="zh-TW" altLang="en-US" dirty="0"/>
+                </a:p>
+              </p:txBody>
+            </p:sp>
+            <p:sp>
+              <p:nvSpPr>
+                <p:cNvPr id="190" name="文字方塊 189"/>
+                <p:cNvSpPr txBox="1"/>
+                <p:nvPr/>
+              </p:nvSpPr>
+              <p:spPr>
+                <a:xfrm>
+                  <a:off x="3171383" y="2169459"/>
+                  <a:ext cx="301686" cy="369332"/>
+                </a:xfrm>
+                <a:prstGeom prst="rect">
+                  <a:avLst/>
+                </a:prstGeom>
+                <a:noFill/>
+              </p:spPr>
+              <p:txBody>
+                <a:bodyPr wrap="none" rtlCol="0">
+                  <a:spAutoFit/>
+                </a:bodyPr>
+                <a:lstStyle/>
+                <a:p>
+                  <a:r>
+                    <a:rPr lang="en-US" altLang="zh-TW" dirty="0" smtClean="0"/>
+                    <a:t>8</a:t>
+                  </a:r>
+                  <a:endParaRPr lang="zh-TW" altLang="en-US" dirty="0"/>
+                </a:p>
+              </p:txBody>
+            </p:sp>
+            <p:sp>
+              <p:nvSpPr>
+                <p:cNvPr id="191" name="文字方塊 190"/>
+                <p:cNvSpPr txBox="1"/>
+                <p:nvPr/>
+              </p:nvSpPr>
+              <p:spPr>
+                <a:xfrm>
+                  <a:off x="3707966" y="2169459"/>
+                  <a:ext cx="418704" cy="369332"/>
+                </a:xfrm>
+                <a:prstGeom prst="rect">
+                  <a:avLst/>
+                </a:prstGeom>
+                <a:noFill/>
+                <a:ln>
+                  <a:noFill/>
+                </a:ln>
+              </p:spPr>
+              <p:txBody>
+                <a:bodyPr wrap="none" rtlCol="0">
+                  <a:spAutoFit/>
+                </a:bodyPr>
+                <a:lstStyle/>
+                <a:p>
+                  <a:r>
+                    <a:rPr lang="en-US" altLang="zh-TW" b="1" dirty="0" smtClean="0">
+                      <a:solidFill>
+                        <a:srgbClr val="FF0000"/>
+                      </a:solidFill>
+                    </a:rPr>
+                    <a:t>37</a:t>
+                  </a:r>
+                  <a:endParaRPr lang="zh-TW" altLang="en-US" b="1" dirty="0">
+                    <a:solidFill>
+                      <a:srgbClr val="FF0000"/>
+                    </a:solidFill>
+                  </a:endParaRPr>
+                </a:p>
+              </p:txBody>
+            </p:sp>
+            <p:sp>
+              <p:nvSpPr>
+                <p:cNvPr id="192" name="文字方塊 191"/>
+                <p:cNvSpPr txBox="1"/>
+                <p:nvPr/>
+              </p:nvSpPr>
+              <p:spPr>
+                <a:xfrm>
+                  <a:off x="4244548" y="2169459"/>
+                  <a:ext cx="418704" cy="369332"/>
+                </a:xfrm>
+                <a:prstGeom prst="rect">
+                  <a:avLst/>
+                </a:prstGeom>
+                <a:noFill/>
+                <a:ln>
+                  <a:solidFill>
+                    <a:srgbClr val="FF0000"/>
+                  </a:solidFill>
+                </a:ln>
+              </p:spPr>
+              <p:txBody>
+                <a:bodyPr wrap="none" rtlCol="0">
+                  <a:spAutoFit/>
+                </a:bodyPr>
+                <a:lstStyle/>
+                <a:p>
+                  <a:r>
+                    <a:rPr lang="en-US" altLang="zh-TW" dirty="0" smtClean="0"/>
+                    <a:t>85</a:t>
+                  </a:r>
+                  <a:endParaRPr lang="zh-TW" altLang="en-US" dirty="0"/>
+                </a:p>
+              </p:txBody>
+            </p:sp>
+          </p:grpSp>
+          <p:cxnSp>
+            <p:nvCxnSpPr>
+              <p:cNvPr id="193" name="直線單箭頭接點 192"/>
+              <p:cNvCxnSpPr/>
+              <p:nvPr/>
+            </p:nvCxnSpPr>
+            <p:spPr>
+              <a:xfrm>
+                <a:off x="7886931" y="4002395"/>
+                <a:ext cx="0" cy="219330"/>
+              </a:xfrm>
+              <a:prstGeom prst="straightConnector1">
+                <a:avLst/>
+              </a:prstGeom>
+              <a:ln>
+                <a:solidFill>
+                  <a:schemeClr val="tx1"/>
+                </a:solidFill>
+                <a:headEnd type="triangle"/>
+                <a:tailEnd type="none"/>
+              </a:ln>
+            </p:spPr>
+            <p:style>
+              <a:lnRef idx="1">
+                <a:schemeClr val="accent1"/>
+              </a:lnRef>
+              <a:fillRef idx="0">
+                <a:schemeClr val="accent1"/>
+              </a:fillRef>
+              <a:effectRef idx="0">
+                <a:schemeClr val="accent1"/>
+              </a:effectRef>
+              <a:fontRef idx="minor">
+                <a:schemeClr val="tx1"/>
+              </a:fontRef>
+            </p:style>
+          </p:cxnSp>
+          <p:cxnSp>
+            <p:nvCxnSpPr>
+              <p:cNvPr id="194" name="弧形接點 193"/>
+              <p:cNvCxnSpPr>
+                <a:stCxn id="188" idx="0"/>
+                <a:endCxn id="190" idx="0"/>
+              </p:cNvCxnSpPr>
+              <p:nvPr/>
+            </p:nvCxnSpPr>
+            <p:spPr>
+              <a:xfrm rot="5400000" flipH="1" flipV="1">
+                <a:off x="7321789" y="3035458"/>
+                <a:ext cx="12700" cy="1131675"/>
+              </a:xfrm>
+              <a:prstGeom prst="curvedConnector3">
+                <a:avLst>
+                  <a:gd name="adj1" fmla="val 1800000"/>
+                </a:avLst>
+              </a:prstGeom>
+              <a:ln>
+                <a:headEnd type="triangle"/>
+                <a:tailEnd type="triangle"/>
+              </a:ln>
+            </p:spPr>
+            <p:style>
+              <a:lnRef idx="1">
+                <a:schemeClr val="accent1"/>
+              </a:lnRef>
+              <a:fillRef idx="0">
+                <a:schemeClr val="accent1"/>
+              </a:fillRef>
+              <a:effectRef idx="0">
+                <a:schemeClr val="accent1"/>
+              </a:effectRef>
+              <a:fontRef idx="minor">
+                <a:schemeClr val="tx1"/>
+              </a:fontRef>
+            </p:style>
+          </p:cxnSp>
+        </p:grpSp>
+        <p:grpSp>
+          <p:nvGrpSpPr>
+            <p:cNvPr id="284" name="群組 283"/>
+            <p:cNvGrpSpPr/>
+            <p:nvPr/>
+          </p:nvGrpSpPr>
+          <p:grpSpPr>
+            <a:xfrm>
+              <a:off x="4186164" y="4225392"/>
+              <a:ext cx="2682053" cy="626779"/>
+              <a:chOff x="6546600" y="4498904"/>
+              <a:chExt cx="2682053" cy="626779"/>
+            </a:xfrm>
+          </p:grpSpPr>
+          <p:grpSp>
+            <p:nvGrpSpPr>
+              <p:cNvPr id="197" name="群組 196"/>
+              <p:cNvGrpSpPr/>
+              <p:nvPr/>
+            </p:nvGrpSpPr>
+            <p:grpSpPr>
+              <a:xfrm>
+                <a:off x="6546600" y="4505253"/>
+                <a:ext cx="2682053" cy="369332"/>
+                <a:chOff x="1981199" y="2169459"/>
+                <a:chExt cx="2682053" cy="369332"/>
+              </a:xfrm>
+            </p:grpSpPr>
+            <p:sp>
+              <p:nvSpPr>
+                <p:cNvPr id="198" name="文字方塊 197"/>
+                <p:cNvSpPr txBox="1"/>
+                <p:nvPr/>
+              </p:nvSpPr>
+              <p:spPr>
+                <a:xfrm>
+                  <a:off x="1981199" y="2169459"/>
+                  <a:ext cx="301686" cy="369332"/>
+                </a:xfrm>
+                <a:prstGeom prst="rect">
+                  <a:avLst/>
+                </a:prstGeom>
+                <a:noFill/>
+                <a:ln>
+                  <a:noFill/>
+                </a:ln>
+              </p:spPr>
+              <p:txBody>
+                <a:bodyPr wrap="none" rtlCol="0">
+                  <a:spAutoFit/>
+                </a:bodyPr>
+                <a:lstStyle/>
+                <a:p>
+                  <a:r>
+                    <a:rPr lang="en-US" altLang="zh-TW" dirty="0" smtClean="0"/>
+                    <a:t>8</a:t>
+                  </a:r>
+                  <a:endParaRPr lang="zh-TW" altLang="en-US" dirty="0"/>
+                </a:p>
+              </p:txBody>
+            </p:sp>
+            <p:sp>
+              <p:nvSpPr>
+                <p:cNvPr id="199" name="文字方塊 198"/>
+                <p:cNvSpPr txBox="1"/>
+                <p:nvPr/>
+              </p:nvSpPr>
+              <p:spPr>
+                <a:xfrm>
+                  <a:off x="2634800" y="2169459"/>
+                  <a:ext cx="301686" cy="369332"/>
+                </a:xfrm>
+                <a:prstGeom prst="rect">
+                  <a:avLst/>
+                </a:prstGeom>
+                <a:noFill/>
+              </p:spPr>
+              <p:txBody>
+                <a:bodyPr wrap="none" rtlCol="0">
+                  <a:spAutoFit/>
+                </a:bodyPr>
+                <a:lstStyle/>
+                <a:p>
+                  <a:r>
+                    <a:rPr lang="en-US" altLang="zh-TW" dirty="0"/>
+                    <a:t>2</a:t>
+                  </a:r>
+                  <a:endParaRPr lang="zh-TW" altLang="en-US" dirty="0"/>
+                </a:p>
+              </p:txBody>
+            </p:sp>
+            <p:sp>
+              <p:nvSpPr>
+                <p:cNvPr id="200" name="文字方塊 199"/>
+                <p:cNvSpPr txBox="1"/>
+                <p:nvPr/>
+              </p:nvSpPr>
+              <p:spPr>
+                <a:xfrm>
+                  <a:off x="3171383" y="2169459"/>
+                  <a:ext cx="418704" cy="369332"/>
+                </a:xfrm>
+                <a:prstGeom prst="rect">
+                  <a:avLst/>
+                </a:prstGeom>
+                <a:noFill/>
+                <a:ln>
+                  <a:solidFill>
+                    <a:srgbClr val="FF0000"/>
+                  </a:solidFill>
+                </a:ln>
+              </p:spPr>
+              <p:txBody>
+                <a:bodyPr wrap="none" rtlCol="0">
+                  <a:spAutoFit/>
+                </a:bodyPr>
+                <a:lstStyle/>
+                <a:p>
+                  <a:r>
+                    <a:rPr lang="en-US" altLang="zh-TW" dirty="0" smtClean="0"/>
+                    <a:t>10</a:t>
+                  </a:r>
+                  <a:endParaRPr lang="zh-TW" altLang="en-US" dirty="0"/>
+                </a:p>
+              </p:txBody>
+            </p:sp>
+            <p:sp>
+              <p:nvSpPr>
+                <p:cNvPr id="201" name="文字方塊 200"/>
+                <p:cNvSpPr txBox="1"/>
+                <p:nvPr/>
+              </p:nvSpPr>
+              <p:spPr>
+                <a:xfrm>
+                  <a:off x="3707966" y="2169459"/>
+                  <a:ext cx="418704" cy="369332"/>
+                </a:xfrm>
+                <a:prstGeom prst="rect">
+                  <a:avLst/>
+                </a:prstGeom>
+                <a:noFill/>
+                <a:ln>
+                  <a:noFill/>
+                </a:ln>
+              </p:spPr>
+              <p:txBody>
+                <a:bodyPr wrap="none" rtlCol="0">
+                  <a:spAutoFit/>
+                </a:bodyPr>
+                <a:lstStyle/>
+                <a:p>
+                  <a:r>
+                    <a:rPr lang="en-US" altLang="zh-TW" b="1" dirty="0" smtClean="0">
+                      <a:solidFill>
+                        <a:srgbClr val="FF0000"/>
+                      </a:solidFill>
+                    </a:rPr>
+                    <a:t>37</a:t>
+                  </a:r>
+                  <a:endParaRPr lang="zh-TW" altLang="en-US" b="1" dirty="0">
+                    <a:solidFill>
+                      <a:srgbClr val="FF0000"/>
+                    </a:solidFill>
+                  </a:endParaRPr>
+                </a:p>
+              </p:txBody>
+            </p:sp>
+            <p:sp>
+              <p:nvSpPr>
+                <p:cNvPr id="202" name="文字方塊 201"/>
+                <p:cNvSpPr txBox="1"/>
+                <p:nvPr/>
+              </p:nvSpPr>
+              <p:spPr>
+                <a:xfrm>
+                  <a:off x="4244548" y="2169459"/>
+                  <a:ext cx="418704" cy="369332"/>
+                </a:xfrm>
+                <a:prstGeom prst="rect">
+                  <a:avLst/>
+                </a:prstGeom>
+                <a:noFill/>
+                <a:ln>
+                  <a:solidFill>
+                    <a:srgbClr val="FF0000"/>
+                  </a:solidFill>
+                </a:ln>
+              </p:spPr>
+              <p:txBody>
+                <a:bodyPr wrap="none" rtlCol="0">
+                  <a:spAutoFit/>
+                </a:bodyPr>
+                <a:lstStyle/>
+                <a:p>
+                  <a:r>
+                    <a:rPr lang="en-US" altLang="zh-TW" dirty="0" smtClean="0"/>
+                    <a:t>85</a:t>
+                  </a:r>
+                  <a:endParaRPr lang="zh-TW" altLang="en-US" dirty="0"/>
+                </a:p>
+              </p:txBody>
+            </p:sp>
+          </p:grpSp>
+          <p:cxnSp>
+            <p:nvCxnSpPr>
+              <p:cNvPr id="203" name="直線單箭頭接點 202"/>
+              <p:cNvCxnSpPr/>
+              <p:nvPr/>
+            </p:nvCxnSpPr>
+            <p:spPr>
+              <a:xfrm>
+                <a:off x="7951583" y="4906353"/>
+                <a:ext cx="0" cy="219330"/>
+              </a:xfrm>
+              <a:prstGeom prst="straightConnector1">
+                <a:avLst/>
+              </a:prstGeom>
+              <a:ln>
+                <a:solidFill>
+                  <a:schemeClr val="tx1"/>
+                </a:solidFill>
+                <a:headEnd type="triangle"/>
+                <a:tailEnd type="none"/>
+              </a:ln>
+            </p:spPr>
+            <p:style>
+              <a:lnRef idx="1">
+                <a:schemeClr val="accent1"/>
+              </a:lnRef>
+              <a:fillRef idx="0">
+                <a:schemeClr val="accent1"/>
+              </a:fillRef>
+              <a:effectRef idx="0">
+                <a:schemeClr val="accent1"/>
+              </a:effectRef>
+              <a:fontRef idx="minor">
+                <a:schemeClr val="tx1"/>
+              </a:fontRef>
+            </p:style>
+          </p:cxnSp>
+          <p:cxnSp>
+            <p:nvCxnSpPr>
+              <p:cNvPr id="204" name="弧形接點 203"/>
+              <p:cNvCxnSpPr>
+                <a:stCxn id="198" idx="0"/>
+                <a:endCxn id="200" idx="0"/>
+              </p:cNvCxnSpPr>
+              <p:nvPr/>
+            </p:nvCxnSpPr>
+            <p:spPr>
+              <a:xfrm rot="5400000" flipH="1" flipV="1">
+                <a:off x="7321789" y="3880907"/>
+                <a:ext cx="12700" cy="1248693"/>
+              </a:xfrm>
+              <a:prstGeom prst="curvedConnector3">
+                <a:avLst>
+                  <a:gd name="adj1" fmla="val 1800000"/>
+                </a:avLst>
+              </a:prstGeom>
+              <a:ln>
+                <a:headEnd type="triangle"/>
+                <a:tailEnd type="triangle"/>
+              </a:ln>
+            </p:spPr>
+            <p:style>
+              <a:lnRef idx="1">
+                <a:schemeClr val="accent1"/>
+              </a:lnRef>
+              <a:fillRef idx="0">
+                <a:schemeClr val="accent1"/>
+              </a:fillRef>
+              <a:effectRef idx="0">
+                <a:schemeClr val="accent1"/>
+              </a:effectRef>
+              <a:fontRef idx="minor">
+                <a:schemeClr val="tx1"/>
+              </a:fontRef>
+            </p:style>
+          </p:cxnSp>
+        </p:grpSp>
+        <p:grpSp>
+          <p:nvGrpSpPr>
+            <p:cNvPr id="205" name="群組 204"/>
+            <p:cNvGrpSpPr/>
+            <p:nvPr/>
+          </p:nvGrpSpPr>
+          <p:grpSpPr>
+            <a:xfrm>
+              <a:off x="4186164" y="5021498"/>
+              <a:ext cx="2682053" cy="369332"/>
+              <a:chOff x="1981199" y="2169459"/>
+              <a:chExt cx="2682053" cy="369332"/>
+            </a:xfrm>
+          </p:grpSpPr>
+          <p:sp>
+            <p:nvSpPr>
+              <p:cNvPr id="206" name="文字方塊 205"/>
+              <p:cNvSpPr txBox="1"/>
+              <p:nvPr/>
+            </p:nvSpPr>
+            <p:spPr>
+              <a:xfrm>
+                <a:off x="1981199" y="2169459"/>
+                <a:ext cx="301686" cy="369332"/>
+              </a:xfrm>
+              <a:prstGeom prst="rect">
+                <a:avLst/>
+              </a:prstGeom>
+              <a:noFill/>
+              <a:ln>
+                <a:solidFill>
+                  <a:srgbClr val="FF0000"/>
+                </a:solidFill>
+              </a:ln>
+            </p:spPr>
+            <p:txBody>
+              <a:bodyPr wrap="none" rtlCol="0">
+                <a:spAutoFit/>
+              </a:bodyPr>
+              <a:lstStyle/>
+              <a:p>
+                <a:r>
+                  <a:rPr lang="en-US" altLang="zh-TW" dirty="0" smtClean="0"/>
+                  <a:t>8</a:t>
+                </a:r>
+                <a:endParaRPr lang="zh-TW" altLang="en-US" dirty="0"/>
+              </a:p>
+            </p:txBody>
+          </p:sp>
+          <p:sp>
+            <p:nvSpPr>
+              <p:cNvPr id="207" name="文字方塊 206"/>
+              <p:cNvSpPr txBox="1"/>
+              <p:nvPr/>
+            </p:nvSpPr>
+            <p:spPr>
+              <a:xfrm>
+                <a:off x="2634800" y="2169459"/>
+                <a:ext cx="301686" cy="369332"/>
+              </a:xfrm>
+              <a:prstGeom prst="rect">
+                <a:avLst/>
+              </a:prstGeom>
+              <a:noFill/>
+            </p:spPr>
+            <p:txBody>
+              <a:bodyPr wrap="none" rtlCol="0">
+                <a:spAutoFit/>
+              </a:bodyPr>
+              <a:lstStyle/>
+              <a:p>
+                <a:r>
+                  <a:rPr lang="en-US" altLang="zh-TW" dirty="0"/>
+                  <a:t>2</a:t>
+                </a:r>
+                <a:endParaRPr lang="zh-TW" altLang="en-US" dirty="0"/>
+              </a:p>
+            </p:txBody>
+          </p:sp>
+          <p:sp>
+            <p:nvSpPr>
+              <p:cNvPr id="208" name="文字方塊 207"/>
+              <p:cNvSpPr txBox="1"/>
+              <p:nvPr/>
+            </p:nvSpPr>
+            <p:spPr>
+              <a:xfrm>
+                <a:off x="3171383" y="2169459"/>
+                <a:ext cx="418704" cy="369332"/>
+              </a:xfrm>
+              <a:prstGeom prst="rect">
+                <a:avLst/>
+              </a:prstGeom>
+              <a:noFill/>
+              <a:ln>
+                <a:noFill/>
+              </a:ln>
+            </p:spPr>
+            <p:txBody>
+              <a:bodyPr wrap="none" rtlCol="0">
+                <a:spAutoFit/>
+              </a:bodyPr>
+              <a:lstStyle/>
+              <a:p>
+                <a:r>
+                  <a:rPr lang="en-US" altLang="zh-TW" b="1" dirty="0" smtClean="0">
+                    <a:solidFill>
+                      <a:srgbClr val="FF0000"/>
+                    </a:solidFill>
+                  </a:rPr>
+                  <a:t>10</a:t>
+                </a:r>
+                <a:endParaRPr lang="zh-TW" altLang="en-US" b="1" dirty="0">
+                  <a:solidFill>
+                    <a:srgbClr val="FF0000"/>
+                  </a:solidFill>
+                </a:endParaRPr>
+              </a:p>
+            </p:txBody>
+          </p:sp>
+          <p:sp>
+            <p:nvSpPr>
+              <p:cNvPr id="209" name="文字方塊 208"/>
+              <p:cNvSpPr txBox="1"/>
+              <p:nvPr/>
+            </p:nvSpPr>
+            <p:spPr>
+              <a:xfrm>
+                <a:off x="3707966" y="2169459"/>
+                <a:ext cx="418704" cy="369332"/>
+              </a:xfrm>
+              <a:prstGeom prst="rect">
+                <a:avLst/>
+              </a:prstGeom>
+              <a:noFill/>
+              <a:ln>
+                <a:noFill/>
+              </a:ln>
+            </p:spPr>
+            <p:txBody>
+              <a:bodyPr wrap="none" rtlCol="0">
+                <a:spAutoFit/>
+              </a:bodyPr>
+              <a:lstStyle/>
+              <a:p>
+                <a:r>
+                  <a:rPr lang="en-US" altLang="zh-TW" b="1" dirty="0" smtClean="0">
+                    <a:solidFill>
+                      <a:srgbClr val="FF0000"/>
+                    </a:solidFill>
+                  </a:rPr>
+                  <a:t>37</a:t>
+                </a:r>
+                <a:endParaRPr lang="zh-TW" altLang="en-US" b="1" dirty="0">
+                  <a:solidFill>
+                    <a:srgbClr val="FF0000"/>
+                  </a:solidFill>
+                </a:endParaRPr>
+              </a:p>
+            </p:txBody>
+          </p:sp>
+          <p:sp>
+            <p:nvSpPr>
+              <p:cNvPr id="210" name="文字方塊 209"/>
+              <p:cNvSpPr txBox="1"/>
+              <p:nvPr/>
+            </p:nvSpPr>
+            <p:spPr>
+              <a:xfrm>
+                <a:off x="4244548" y="2169459"/>
+                <a:ext cx="418704" cy="369332"/>
+              </a:xfrm>
+              <a:prstGeom prst="rect">
+                <a:avLst/>
+              </a:prstGeom>
+              <a:noFill/>
+              <a:ln>
+                <a:solidFill>
+                  <a:srgbClr val="FF0000"/>
+                </a:solidFill>
+              </a:ln>
+            </p:spPr>
+            <p:txBody>
+              <a:bodyPr wrap="none" rtlCol="0">
+                <a:spAutoFit/>
+              </a:bodyPr>
+              <a:lstStyle/>
+              <a:p>
+                <a:r>
+                  <a:rPr lang="en-US" altLang="zh-TW" dirty="0" smtClean="0"/>
+                  <a:t>85</a:t>
+                </a:r>
+                <a:endParaRPr lang="zh-TW" altLang="en-US" dirty="0"/>
+              </a:p>
+            </p:txBody>
+          </p:sp>
+        </p:grpSp>
+        <p:sp>
+          <p:nvSpPr>
+            <p:cNvPr id="301" name="文字方塊 300"/>
+            <p:cNvSpPr txBox="1"/>
+            <p:nvPr/>
+          </p:nvSpPr>
+          <p:spPr>
+            <a:xfrm>
+              <a:off x="3626672" y="270267"/>
+              <a:ext cx="418704" cy="369332"/>
+            </a:xfrm>
+            <a:prstGeom prst="rect">
+              <a:avLst/>
+            </a:prstGeom>
+            <a:solidFill>
+              <a:schemeClr val="tx1"/>
+            </a:solidFill>
+          </p:spPr>
+          <p:txBody>
+            <a:bodyPr wrap="none" rtlCol="0">
+              <a:spAutoFit/>
+            </a:bodyPr>
+            <a:lstStyle/>
+            <a:p>
+              <a:r>
+                <a:rPr lang="en-US" altLang="zh-TW" u="sng" dirty="0" smtClean="0">
+                  <a:solidFill>
+                    <a:schemeClr val="bg1"/>
+                  </a:solidFill>
+                </a:rPr>
+                <a:t>11</a:t>
+              </a:r>
+              <a:endParaRPr lang="zh-TW" altLang="en-US" u="sng" dirty="0">
+                <a:solidFill>
+                  <a:schemeClr val="bg1"/>
+                </a:solidFill>
+              </a:endParaRPr>
+            </a:p>
+          </p:txBody>
+        </p:sp>
+        <p:sp>
+          <p:nvSpPr>
+            <p:cNvPr id="302" name="文字方塊 301"/>
+            <p:cNvSpPr txBox="1"/>
+            <p:nvPr/>
+          </p:nvSpPr>
+          <p:spPr>
+            <a:xfrm>
+              <a:off x="3623311" y="1057855"/>
+              <a:ext cx="418704" cy="369332"/>
+            </a:xfrm>
+            <a:prstGeom prst="rect">
+              <a:avLst/>
+            </a:prstGeom>
+            <a:solidFill>
+              <a:schemeClr val="tx1"/>
+            </a:solidFill>
+          </p:spPr>
+          <p:txBody>
+            <a:bodyPr wrap="none" rtlCol="0">
+              <a:spAutoFit/>
+            </a:bodyPr>
+            <a:lstStyle/>
+            <a:p>
+              <a:r>
+                <a:rPr lang="en-US" altLang="zh-TW" u="sng" dirty="0" smtClean="0">
+                  <a:solidFill>
+                    <a:schemeClr val="bg1"/>
+                  </a:solidFill>
+                </a:rPr>
+                <a:t>12</a:t>
+              </a:r>
+              <a:endParaRPr lang="zh-TW" altLang="en-US" u="sng" dirty="0">
+                <a:solidFill>
+                  <a:schemeClr val="bg1"/>
+                </a:solidFill>
+              </a:endParaRPr>
+            </a:p>
+          </p:txBody>
+        </p:sp>
+        <p:sp>
+          <p:nvSpPr>
+            <p:cNvPr id="303" name="文字方塊 302"/>
+            <p:cNvSpPr txBox="1"/>
+            <p:nvPr/>
+          </p:nvSpPr>
+          <p:spPr>
+            <a:xfrm>
+              <a:off x="3627317" y="1850884"/>
+              <a:ext cx="418704" cy="369332"/>
+            </a:xfrm>
+            <a:prstGeom prst="rect">
+              <a:avLst/>
+            </a:prstGeom>
+            <a:solidFill>
+              <a:schemeClr val="tx1"/>
+            </a:solidFill>
+          </p:spPr>
+          <p:txBody>
+            <a:bodyPr wrap="none" rtlCol="0">
+              <a:spAutoFit/>
+            </a:bodyPr>
+            <a:lstStyle/>
+            <a:p>
+              <a:r>
+                <a:rPr lang="en-US" altLang="zh-TW" u="sng" dirty="0" smtClean="0">
+                  <a:solidFill>
+                    <a:schemeClr val="bg1"/>
+                  </a:solidFill>
+                </a:rPr>
+                <a:t>13</a:t>
+              </a:r>
+              <a:endParaRPr lang="zh-TW" altLang="en-US" u="sng" dirty="0">
+                <a:solidFill>
+                  <a:schemeClr val="bg1"/>
+                </a:solidFill>
+              </a:endParaRPr>
+            </a:p>
+          </p:txBody>
+        </p:sp>
+        <p:sp>
+          <p:nvSpPr>
+            <p:cNvPr id="304" name="文字方塊 303"/>
+            <p:cNvSpPr txBox="1"/>
+            <p:nvPr/>
+          </p:nvSpPr>
+          <p:spPr>
+            <a:xfrm>
+              <a:off x="3598844" y="2639533"/>
+              <a:ext cx="418704" cy="369332"/>
+            </a:xfrm>
+            <a:prstGeom prst="rect">
+              <a:avLst/>
+            </a:prstGeom>
+            <a:solidFill>
+              <a:schemeClr val="tx1"/>
+            </a:solidFill>
+          </p:spPr>
+          <p:txBody>
+            <a:bodyPr wrap="none" rtlCol="0">
+              <a:spAutoFit/>
+            </a:bodyPr>
+            <a:lstStyle/>
+            <a:p>
+              <a:r>
+                <a:rPr lang="en-US" altLang="zh-TW" u="sng" dirty="0" smtClean="0">
+                  <a:solidFill>
+                    <a:schemeClr val="bg1"/>
+                  </a:solidFill>
+                </a:rPr>
+                <a:t>14</a:t>
+              </a:r>
+              <a:endParaRPr lang="zh-TW" altLang="en-US" u="sng" dirty="0">
+                <a:solidFill>
+                  <a:schemeClr val="bg1"/>
+                </a:solidFill>
+              </a:endParaRPr>
+            </a:p>
+          </p:txBody>
+        </p:sp>
+        <p:sp>
+          <p:nvSpPr>
+            <p:cNvPr id="305" name="文字方塊 304"/>
+            <p:cNvSpPr txBox="1"/>
+            <p:nvPr/>
+          </p:nvSpPr>
+          <p:spPr>
+            <a:xfrm>
+              <a:off x="3597422" y="3431990"/>
+              <a:ext cx="418704" cy="369332"/>
+            </a:xfrm>
+            <a:prstGeom prst="rect">
+              <a:avLst/>
+            </a:prstGeom>
+            <a:solidFill>
+              <a:schemeClr val="tx1"/>
+            </a:solidFill>
+          </p:spPr>
+          <p:txBody>
+            <a:bodyPr wrap="none" rtlCol="0">
+              <a:spAutoFit/>
+            </a:bodyPr>
+            <a:lstStyle/>
+            <a:p>
+              <a:r>
+                <a:rPr lang="en-US" altLang="zh-TW" u="sng" dirty="0" smtClean="0">
+                  <a:solidFill>
+                    <a:schemeClr val="bg1"/>
+                  </a:solidFill>
+                </a:rPr>
+                <a:t>15</a:t>
+              </a:r>
+              <a:endParaRPr lang="zh-TW" altLang="en-US" u="sng" dirty="0">
+                <a:solidFill>
+                  <a:schemeClr val="bg1"/>
+                </a:solidFill>
+              </a:endParaRPr>
+            </a:p>
+          </p:txBody>
+        </p:sp>
+        <p:sp>
+          <p:nvSpPr>
+            <p:cNvPr id="306" name="文字方塊 305"/>
+            <p:cNvSpPr txBox="1"/>
+            <p:nvPr/>
+          </p:nvSpPr>
+          <p:spPr>
+            <a:xfrm>
+              <a:off x="3600608" y="4231741"/>
+              <a:ext cx="418704" cy="369332"/>
+            </a:xfrm>
+            <a:prstGeom prst="rect">
+              <a:avLst/>
+            </a:prstGeom>
+            <a:solidFill>
+              <a:schemeClr val="tx1"/>
+            </a:solidFill>
+          </p:spPr>
+          <p:txBody>
+            <a:bodyPr wrap="none" rtlCol="0">
+              <a:spAutoFit/>
+            </a:bodyPr>
+            <a:lstStyle/>
+            <a:p>
+              <a:r>
+                <a:rPr lang="en-US" altLang="zh-TW" u="sng" dirty="0" smtClean="0">
+                  <a:solidFill>
+                    <a:schemeClr val="bg1"/>
+                  </a:solidFill>
+                </a:rPr>
+                <a:t>16</a:t>
+              </a:r>
+              <a:endParaRPr lang="zh-TW" altLang="en-US" u="sng" dirty="0">
+                <a:solidFill>
+                  <a:schemeClr val="bg1"/>
+                </a:solidFill>
+              </a:endParaRPr>
+            </a:p>
+          </p:txBody>
+        </p:sp>
+        <p:sp>
+          <p:nvSpPr>
+            <p:cNvPr id="307" name="文字方塊 306"/>
+            <p:cNvSpPr txBox="1"/>
+            <p:nvPr/>
+          </p:nvSpPr>
+          <p:spPr>
+            <a:xfrm>
+              <a:off x="3597422" y="5021498"/>
+              <a:ext cx="418704" cy="369332"/>
+            </a:xfrm>
+            <a:prstGeom prst="rect">
+              <a:avLst/>
+            </a:prstGeom>
+            <a:solidFill>
+              <a:schemeClr val="tx1"/>
+            </a:solidFill>
+          </p:spPr>
+          <p:txBody>
+            <a:bodyPr wrap="none" rtlCol="0">
+              <a:spAutoFit/>
+            </a:bodyPr>
+            <a:lstStyle/>
+            <a:p>
+              <a:r>
+                <a:rPr lang="en-US" altLang="zh-TW" u="sng" dirty="0" smtClean="0">
+                  <a:solidFill>
+                    <a:schemeClr val="bg1"/>
+                  </a:solidFill>
+                </a:rPr>
+                <a:t>17</a:t>
+              </a:r>
+              <a:endParaRPr lang="zh-TW" altLang="en-US" u="sng" dirty="0">
+                <a:solidFill>
+                  <a:schemeClr val="bg1"/>
+                </a:solidFill>
+              </a:endParaRPr>
+            </a:p>
+          </p:txBody>
+        </p:sp>
+      </p:grpSp>
+      <p:grpSp>
+        <p:nvGrpSpPr>
+          <p:cNvPr id="318" name="群組 317"/>
+          <p:cNvGrpSpPr/>
+          <p:nvPr/>
+        </p:nvGrpSpPr>
+        <p:grpSpPr>
+          <a:xfrm>
+            <a:off x="7216049" y="270267"/>
+            <a:ext cx="3198750" cy="3548256"/>
+            <a:chOff x="7233731" y="270267"/>
+            <a:chExt cx="3198750" cy="3548256"/>
+          </a:xfrm>
+        </p:grpSpPr>
+        <p:grpSp>
+          <p:nvGrpSpPr>
+            <p:cNvPr id="285" name="群組 284"/>
+            <p:cNvGrpSpPr/>
+            <p:nvPr/>
+          </p:nvGrpSpPr>
+          <p:grpSpPr>
+            <a:xfrm>
+              <a:off x="7750428" y="270267"/>
+              <a:ext cx="2682053" cy="588662"/>
+              <a:chOff x="6546600" y="5981383"/>
+              <a:chExt cx="2682053" cy="588662"/>
+            </a:xfrm>
+          </p:grpSpPr>
+          <p:grpSp>
+            <p:nvGrpSpPr>
+              <p:cNvPr id="213" name="群組 212"/>
+              <p:cNvGrpSpPr/>
+              <p:nvPr/>
+            </p:nvGrpSpPr>
+            <p:grpSpPr>
+              <a:xfrm>
+                <a:off x="6546600" y="5981383"/>
+                <a:ext cx="2682053" cy="369332"/>
+                <a:chOff x="1981199" y="2169459"/>
+                <a:chExt cx="2682053" cy="369332"/>
+              </a:xfrm>
+            </p:grpSpPr>
+            <p:sp>
+              <p:nvSpPr>
+                <p:cNvPr id="214" name="文字方塊 213"/>
+                <p:cNvSpPr txBox="1"/>
+                <p:nvPr/>
+              </p:nvSpPr>
+              <p:spPr>
+                <a:xfrm>
+                  <a:off x="1981199" y="2169459"/>
+                  <a:ext cx="301686" cy="369332"/>
+                </a:xfrm>
+                <a:prstGeom prst="rect">
+                  <a:avLst/>
+                </a:prstGeom>
+                <a:noFill/>
+                <a:ln>
+                  <a:solidFill>
+                    <a:srgbClr val="FF0000"/>
+                  </a:solidFill>
+                </a:ln>
+              </p:spPr>
+              <p:txBody>
+                <a:bodyPr wrap="none" rtlCol="0">
+                  <a:spAutoFit/>
+                </a:bodyPr>
+                <a:lstStyle/>
+                <a:p>
+                  <a:r>
+                    <a:rPr lang="en-US" altLang="zh-TW" dirty="0" smtClean="0"/>
+                    <a:t>8</a:t>
+                  </a:r>
+                  <a:endParaRPr lang="zh-TW" altLang="en-US" dirty="0"/>
+                </a:p>
+              </p:txBody>
+            </p:sp>
+            <p:sp>
+              <p:nvSpPr>
+                <p:cNvPr id="215" name="文字方塊 214"/>
+                <p:cNvSpPr txBox="1"/>
+                <p:nvPr/>
+              </p:nvSpPr>
+              <p:spPr>
+                <a:xfrm>
+                  <a:off x="2634800" y="2169459"/>
+                  <a:ext cx="301686" cy="369332"/>
+                </a:xfrm>
+                <a:prstGeom prst="rect">
+                  <a:avLst/>
+                </a:prstGeom>
+                <a:noFill/>
+              </p:spPr>
+              <p:txBody>
+                <a:bodyPr wrap="none" rtlCol="0">
+                  <a:spAutoFit/>
+                </a:bodyPr>
+                <a:lstStyle/>
+                <a:p>
+                  <a:r>
+                    <a:rPr lang="en-US" altLang="zh-TW" u="sng" dirty="0"/>
+                    <a:t>2</a:t>
+                  </a:r>
+                  <a:endParaRPr lang="zh-TW" altLang="en-US" u="sng" dirty="0"/>
+                </a:p>
+              </p:txBody>
+            </p:sp>
+            <p:sp>
+              <p:nvSpPr>
+                <p:cNvPr id="216" name="文字方塊 215"/>
+                <p:cNvSpPr txBox="1"/>
+                <p:nvPr/>
+              </p:nvSpPr>
+              <p:spPr>
+                <a:xfrm>
+                  <a:off x="3171383" y="2169459"/>
+                  <a:ext cx="418704" cy="369332"/>
+                </a:xfrm>
+                <a:prstGeom prst="rect">
+                  <a:avLst/>
+                </a:prstGeom>
+                <a:noFill/>
+                <a:ln>
+                  <a:noFill/>
+                </a:ln>
+              </p:spPr>
+              <p:txBody>
+                <a:bodyPr wrap="none" rtlCol="0">
+                  <a:spAutoFit/>
+                </a:bodyPr>
+                <a:lstStyle/>
+                <a:p>
+                  <a:r>
+                    <a:rPr lang="en-US" altLang="zh-TW" b="1" dirty="0" smtClean="0">
+                      <a:solidFill>
+                        <a:srgbClr val="FF0000"/>
+                      </a:solidFill>
+                    </a:rPr>
+                    <a:t>10</a:t>
+                  </a:r>
+                  <a:endParaRPr lang="zh-TW" altLang="en-US" b="1" dirty="0">
+                    <a:solidFill>
+                      <a:srgbClr val="FF0000"/>
+                    </a:solidFill>
+                  </a:endParaRPr>
+                </a:p>
+              </p:txBody>
+            </p:sp>
+            <p:sp>
+              <p:nvSpPr>
+                <p:cNvPr id="217" name="文字方塊 216"/>
+                <p:cNvSpPr txBox="1"/>
+                <p:nvPr/>
+              </p:nvSpPr>
+              <p:spPr>
+                <a:xfrm>
+                  <a:off x="3707966" y="2169459"/>
+                  <a:ext cx="418704" cy="369332"/>
+                </a:xfrm>
+                <a:prstGeom prst="rect">
+                  <a:avLst/>
+                </a:prstGeom>
+                <a:noFill/>
+                <a:ln>
+                  <a:noFill/>
+                </a:ln>
+              </p:spPr>
+              <p:txBody>
+                <a:bodyPr wrap="none" rtlCol="0">
+                  <a:spAutoFit/>
+                </a:bodyPr>
+                <a:lstStyle/>
+                <a:p>
+                  <a:r>
+                    <a:rPr lang="en-US" altLang="zh-TW" b="1" dirty="0" smtClean="0">
+                      <a:solidFill>
+                        <a:srgbClr val="FF0000"/>
+                      </a:solidFill>
+                    </a:rPr>
+                    <a:t>37</a:t>
+                  </a:r>
+                  <a:endParaRPr lang="zh-TW" altLang="en-US" b="1" dirty="0">
+                    <a:solidFill>
+                      <a:srgbClr val="FF0000"/>
+                    </a:solidFill>
+                  </a:endParaRPr>
+                </a:p>
+              </p:txBody>
+            </p:sp>
+            <p:sp>
+              <p:nvSpPr>
+                <p:cNvPr id="218" name="文字方塊 217"/>
+                <p:cNvSpPr txBox="1"/>
+                <p:nvPr/>
+              </p:nvSpPr>
+              <p:spPr>
+                <a:xfrm>
+                  <a:off x="4244548" y="2169459"/>
+                  <a:ext cx="418704" cy="369332"/>
+                </a:xfrm>
+                <a:prstGeom prst="rect">
+                  <a:avLst/>
+                </a:prstGeom>
+                <a:noFill/>
+                <a:ln>
+                  <a:solidFill>
+                    <a:srgbClr val="FF0000"/>
+                  </a:solidFill>
+                </a:ln>
+              </p:spPr>
+              <p:txBody>
+                <a:bodyPr wrap="none" rtlCol="0">
+                  <a:spAutoFit/>
+                </a:bodyPr>
+                <a:lstStyle/>
+                <a:p>
+                  <a:r>
+                    <a:rPr lang="en-US" altLang="zh-TW" dirty="0" smtClean="0"/>
+                    <a:t>85</a:t>
+                  </a:r>
+                  <a:endParaRPr lang="zh-TW" altLang="en-US" dirty="0"/>
+                </a:p>
+              </p:txBody>
+            </p:sp>
+          </p:grpSp>
+          <p:cxnSp>
+            <p:nvCxnSpPr>
+              <p:cNvPr id="219" name="直線單箭頭接點 218"/>
+              <p:cNvCxnSpPr/>
+              <p:nvPr/>
+            </p:nvCxnSpPr>
+            <p:spPr>
+              <a:xfrm>
+                <a:off x="6678044" y="6350715"/>
+                <a:ext cx="0" cy="219330"/>
+              </a:xfrm>
+              <a:prstGeom prst="straightConnector1">
+                <a:avLst/>
+              </a:prstGeom>
+              <a:ln>
+                <a:solidFill>
+                  <a:schemeClr val="tx1"/>
+                </a:solidFill>
+                <a:headEnd type="triangle"/>
+                <a:tailEnd type="none"/>
+              </a:ln>
+            </p:spPr>
+            <p:style>
+              <a:lnRef idx="1">
+                <a:schemeClr val="accent1"/>
+              </a:lnRef>
+              <a:fillRef idx="0">
+                <a:schemeClr val="accent1"/>
+              </a:fillRef>
+              <a:effectRef idx="0">
+                <a:schemeClr val="accent1"/>
+              </a:effectRef>
+              <a:fontRef idx="minor">
+                <a:schemeClr val="tx1"/>
+              </a:fontRef>
+            </p:style>
+          </p:cxnSp>
+          <p:cxnSp>
+            <p:nvCxnSpPr>
+              <p:cNvPr id="220" name="直線單箭頭接點 219"/>
+              <p:cNvCxnSpPr/>
+              <p:nvPr/>
+            </p:nvCxnSpPr>
+            <p:spPr>
+              <a:xfrm>
+                <a:off x="6789373" y="6460380"/>
+                <a:ext cx="234897" cy="0"/>
+              </a:xfrm>
+              <a:prstGeom prst="straightConnector1">
+                <a:avLst/>
+              </a:prstGeom>
+              <a:ln>
+                <a:solidFill>
+                  <a:srgbClr val="00B050"/>
+                </a:solidFill>
+                <a:prstDash val="dash"/>
+                <a:tailEnd type="triangle"/>
+              </a:ln>
+            </p:spPr>
+            <p:style>
+              <a:lnRef idx="1">
+                <a:schemeClr val="accent1"/>
+              </a:lnRef>
+              <a:fillRef idx="0">
+                <a:schemeClr val="accent1"/>
+              </a:fillRef>
+              <a:effectRef idx="0">
+                <a:schemeClr val="accent1"/>
+              </a:effectRef>
+              <a:fontRef idx="minor">
+                <a:schemeClr val="tx1"/>
+              </a:fontRef>
+            </p:style>
+          </p:cxnSp>
+          <p:cxnSp>
+            <p:nvCxnSpPr>
+              <p:cNvPr id="221" name="弧形接點 220"/>
+              <p:cNvCxnSpPr>
+                <a:stCxn id="215" idx="1"/>
+                <a:endCxn id="215" idx="3"/>
+              </p:cNvCxnSpPr>
+              <p:nvPr/>
+            </p:nvCxnSpPr>
+            <p:spPr>
+              <a:xfrm rot="10800000" flipH="1">
+                <a:off x="7200201" y="6166049"/>
+                <a:ext cx="301686" cy="12700"/>
+              </a:xfrm>
+              <a:prstGeom prst="curvedConnector5">
+                <a:avLst>
+                  <a:gd name="adj1" fmla="val -75774"/>
+                  <a:gd name="adj2" fmla="val 3254063"/>
+                  <a:gd name="adj3" fmla="val 175774"/>
+                </a:avLst>
+              </a:prstGeom>
+              <a:ln>
+                <a:tailEnd type="triangle"/>
+              </a:ln>
+            </p:spPr>
+            <p:style>
+              <a:lnRef idx="1">
+                <a:schemeClr val="accent1"/>
+              </a:lnRef>
+              <a:fillRef idx="0">
+                <a:schemeClr val="accent1"/>
+              </a:fillRef>
+              <a:effectRef idx="0">
+                <a:schemeClr val="accent1"/>
+              </a:effectRef>
+              <a:fontRef idx="minor">
+                <a:schemeClr val="tx1"/>
+              </a:fontRef>
+            </p:style>
+          </p:cxnSp>
+        </p:grpSp>
+        <p:grpSp>
+          <p:nvGrpSpPr>
+            <p:cNvPr id="286" name="群組 285"/>
+            <p:cNvGrpSpPr/>
+            <p:nvPr/>
+          </p:nvGrpSpPr>
+          <p:grpSpPr>
+            <a:xfrm>
+              <a:off x="7750428" y="1060446"/>
+              <a:ext cx="2682053" cy="588662"/>
+              <a:chOff x="9542302" y="1683483"/>
+              <a:chExt cx="2682053" cy="588662"/>
+            </a:xfrm>
+          </p:grpSpPr>
+          <p:grpSp>
+            <p:nvGrpSpPr>
+              <p:cNvPr id="224" name="群組 223"/>
+              <p:cNvGrpSpPr/>
+              <p:nvPr/>
+            </p:nvGrpSpPr>
+            <p:grpSpPr>
+              <a:xfrm>
+                <a:off x="9542302" y="1683483"/>
+                <a:ext cx="2682053" cy="369332"/>
+                <a:chOff x="1981199" y="2169459"/>
+                <a:chExt cx="2682053" cy="369332"/>
+              </a:xfrm>
+            </p:grpSpPr>
+            <p:sp>
+              <p:nvSpPr>
+                <p:cNvPr id="225" name="文字方塊 224"/>
+                <p:cNvSpPr txBox="1"/>
+                <p:nvPr/>
+              </p:nvSpPr>
+              <p:spPr>
+                <a:xfrm>
+                  <a:off x="1981199" y="2169459"/>
+                  <a:ext cx="301686" cy="369332"/>
+                </a:xfrm>
+                <a:prstGeom prst="rect">
+                  <a:avLst/>
+                </a:prstGeom>
+                <a:noFill/>
+                <a:ln>
+                  <a:solidFill>
+                    <a:srgbClr val="FF0000"/>
+                  </a:solidFill>
+                </a:ln>
+              </p:spPr>
+              <p:txBody>
+                <a:bodyPr wrap="none" rtlCol="0">
+                  <a:spAutoFit/>
+                </a:bodyPr>
+                <a:lstStyle/>
+                <a:p>
+                  <a:r>
+                    <a:rPr lang="en-US" altLang="zh-TW" dirty="0" smtClean="0"/>
+                    <a:t>8</a:t>
+                  </a:r>
+                  <a:endParaRPr lang="zh-TW" altLang="en-US" dirty="0"/>
+                </a:p>
+              </p:txBody>
+            </p:sp>
+            <p:sp>
+              <p:nvSpPr>
+                <p:cNvPr id="226" name="文字方塊 225"/>
+                <p:cNvSpPr txBox="1"/>
+                <p:nvPr/>
+              </p:nvSpPr>
+              <p:spPr>
+                <a:xfrm>
+                  <a:off x="2634800" y="2169459"/>
+                  <a:ext cx="301686" cy="369332"/>
+                </a:xfrm>
+                <a:prstGeom prst="rect">
+                  <a:avLst/>
+                </a:prstGeom>
+                <a:noFill/>
+              </p:spPr>
+              <p:txBody>
+                <a:bodyPr wrap="none" rtlCol="0">
+                  <a:spAutoFit/>
+                </a:bodyPr>
+                <a:lstStyle/>
+                <a:p>
+                  <a:r>
+                    <a:rPr lang="en-US" altLang="zh-TW" u="sng" dirty="0"/>
+                    <a:t>2</a:t>
+                  </a:r>
+                  <a:endParaRPr lang="zh-TW" altLang="en-US" u="sng" dirty="0"/>
+                </a:p>
+              </p:txBody>
+            </p:sp>
+            <p:sp>
+              <p:nvSpPr>
+                <p:cNvPr id="227" name="文字方塊 226"/>
+                <p:cNvSpPr txBox="1"/>
+                <p:nvPr/>
+              </p:nvSpPr>
+              <p:spPr>
+                <a:xfrm>
+                  <a:off x="3171383" y="2169459"/>
+                  <a:ext cx="418704" cy="369332"/>
+                </a:xfrm>
+                <a:prstGeom prst="rect">
+                  <a:avLst/>
+                </a:prstGeom>
+                <a:noFill/>
+                <a:ln>
+                  <a:noFill/>
+                </a:ln>
+              </p:spPr>
+              <p:txBody>
+                <a:bodyPr wrap="none" rtlCol="0">
+                  <a:spAutoFit/>
+                </a:bodyPr>
+                <a:lstStyle/>
+                <a:p>
+                  <a:r>
+                    <a:rPr lang="en-US" altLang="zh-TW" b="1" dirty="0" smtClean="0">
+                      <a:solidFill>
+                        <a:srgbClr val="FF0000"/>
+                      </a:solidFill>
+                    </a:rPr>
+                    <a:t>10</a:t>
+                  </a:r>
+                  <a:endParaRPr lang="zh-TW" altLang="en-US" b="1" dirty="0">
+                    <a:solidFill>
+                      <a:srgbClr val="FF0000"/>
+                    </a:solidFill>
+                  </a:endParaRPr>
+                </a:p>
+              </p:txBody>
+            </p:sp>
+            <p:sp>
+              <p:nvSpPr>
+                <p:cNvPr id="228" name="文字方塊 227"/>
+                <p:cNvSpPr txBox="1"/>
+                <p:nvPr/>
+              </p:nvSpPr>
+              <p:spPr>
+                <a:xfrm>
+                  <a:off x="3707966" y="2169459"/>
+                  <a:ext cx="418704" cy="369332"/>
+                </a:xfrm>
+                <a:prstGeom prst="rect">
+                  <a:avLst/>
+                </a:prstGeom>
+                <a:noFill/>
+                <a:ln>
+                  <a:noFill/>
+                </a:ln>
+              </p:spPr>
+              <p:txBody>
+                <a:bodyPr wrap="none" rtlCol="0">
+                  <a:spAutoFit/>
+                </a:bodyPr>
+                <a:lstStyle/>
+                <a:p>
+                  <a:r>
+                    <a:rPr lang="en-US" altLang="zh-TW" b="1" dirty="0" smtClean="0">
+                      <a:solidFill>
+                        <a:srgbClr val="FF0000"/>
+                      </a:solidFill>
+                    </a:rPr>
+                    <a:t>37</a:t>
+                  </a:r>
+                  <a:endParaRPr lang="zh-TW" altLang="en-US" b="1" dirty="0">
+                    <a:solidFill>
+                      <a:srgbClr val="FF0000"/>
+                    </a:solidFill>
+                  </a:endParaRPr>
+                </a:p>
+              </p:txBody>
+            </p:sp>
+            <p:sp>
+              <p:nvSpPr>
+                <p:cNvPr id="229" name="文字方塊 228"/>
+                <p:cNvSpPr txBox="1"/>
+                <p:nvPr/>
+              </p:nvSpPr>
+              <p:spPr>
+                <a:xfrm>
+                  <a:off x="4244548" y="2169459"/>
+                  <a:ext cx="418704" cy="369332"/>
+                </a:xfrm>
+                <a:prstGeom prst="rect">
+                  <a:avLst/>
+                </a:prstGeom>
+                <a:noFill/>
+                <a:ln>
+                  <a:solidFill>
+                    <a:srgbClr val="FF0000"/>
+                  </a:solidFill>
+                </a:ln>
+              </p:spPr>
+              <p:txBody>
+                <a:bodyPr wrap="none" rtlCol="0">
+                  <a:spAutoFit/>
+                </a:bodyPr>
+                <a:lstStyle/>
+                <a:p>
+                  <a:r>
+                    <a:rPr lang="en-US" altLang="zh-TW" dirty="0" smtClean="0"/>
+                    <a:t>85</a:t>
+                  </a:r>
+                  <a:endParaRPr lang="zh-TW" altLang="en-US" dirty="0"/>
+                </a:p>
+              </p:txBody>
+            </p:sp>
+          </p:grpSp>
+          <p:cxnSp>
+            <p:nvCxnSpPr>
+              <p:cNvPr id="230" name="直線單箭頭接點 229"/>
+              <p:cNvCxnSpPr/>
+              <p:nvPr/>
+            </p:nvCxnSpPr>
+            <p:spPr>
+              <a:xfrm>
+                <a:off x="10357237" y="2052815"/>
+                <a:ext cx="0" cy="219330"/>
+              </a:xfrm>
+              <a:prstGeom prst="straightConnector1">
+                <a:avLst/>
+              </a:prstGeom>
+              <a:ln>
+                <a:solidFill>
+                  <a:schemeClr val="tx1"/>
+                </a:solidFill>
+                <a:headEnd type="triangle"/>
+                <a:tailEnd type="none"/>
+              </a:ln>
+            </p:spPr>
+            <p:style>
+              <a:lnRef idx="1">
+                <a:schemeClr val="accent1"/>
+              </a:lnRef>
+              <a:fillRef idx="0">
+                <a:schemeClr val="accent1"/>
+              </a:fillRef>
+              <a:effectRef idx="0">
+                <a:schemeClr val="accent1"/>
+              </a:effectRef>
+              <a:fontRef idx="minor">
+                <a:schemeClr val="tx1"/>
+              </a:fontRef>
+            </p:style>
+          </p:cxnSp>
+        </p:grpSp>
+        <p:grpSp>
+          <p:nvGrpSpPr>
+            <p:cNvPr id="287" name="群組 286"/>
+            <p:cNvGrpSpPr/>
+            <p:nvPr/>
+          </p:nvGrpSpPr>
+          <p:grpSpPr>
+            <a:xfrm>
+              <a:off x="7750428" y="1850625"/>
+              <a:ext cx="2682053" cy="595011"/>
+              <a:chOff x="9542302" y="2653442"/>
+              <a:chExt cx="2682053" cy="595011"/>
+            </a:xfrm>
+          </p:grpSpPr>
+          <p:grpSp>
+            <p:nvGrpSpPr>
+              <p:cNvPr id="233" name="群組 232"/>
+              <p:cNvGrpSpPr/>
+              <p:nvPr/>
+            </p:nvGrpSpPr>
+            <p:grpSpPr>
+              <a:xfrm>
+                <a:off x="9542302" y="2659791"/>
+                <a:ext cx="2682053" cy="369332"/>
+                <a:chOff x="1981199" y="2169459"/>
+                <a:chExt cx="2682053" cy="369332"/>
+              </a:xfrm>
+            </p:grpSpPr>
+            <p:sp>
+              <p:nvSpPr>
+                <p:cNvPr id="234" name="文字方塊 233"/>
+                <p:cNvSpPr txBox="1"/>
+                <p:nvPr/>
+              </p:nvSpPr>
+              <p:spPr>
+                <a:xfrm>
+                  <a:off x="1981199" y="2169459"/>
+                  <a:ext cx="301686" cy="369332"/>
+                </a:xfrm>
+                <a:prstGeom prst="rect">
+                  <a:avLst/>
+                </a:prstGeom>
+                <a:noFill/>
+                <a:ln>
+                  <a:solidFill>
+                    <a:srgbClr val="FF0000"/>
+                  </a:solidFill>
+                </a:ln>
+              </p:spPr>
+              <p:txBody>
+                <a:bodyPr wrap="none" rtlCol="0">
+                  <a:spAutoFit/>
+                </a:bodyPr>
+                <a:lstStyle/>
+                <a:p>
+                  <a:r>
+                    <a:rPr lang="en-US" altLang="zh-TW" dirty="0" smtClean="0"/>
+                    <a:t>8</a:t>
+                  </a:r>
+                  <a:endParaRPr lang="zh-TW" altLang="en-US" dirty="0"/>
+                </a:p>
+              </p:txBody>
+            </p:sp>
+            <p:sp>
+              <p:nvSpPr>
+                <p:cNvPr id="235" name="文字方塊 234"/>
+                <p:cNvSpPr txBox="1"/>
+                <p:nvPr/>
+              </p:nvSpPr>
+              <p:spPr>
+                <a:xfrm>
+                  <a:off x="2634800" y="2169459"/>
+                  <a:ext cx="301686" cy="369332"/>
+                </a:xfrm>
+                <a:prstGeom prst="rect">
+                  <a:avLst/>
+                </a:prstGeom>
+                <a:noFill/>
+              </p:spPr>
+              <p:txBody>
+                <a:bodyPr wrap="none" rtlCol="0">
+                  <a:spAutoFit/>
+                </a:bodyPr>
+                <a:lstStyle/>
+                <a:p>
+                  <a:r>
+                    <a:rPr lang="en-US" altLang="zh-TW" dirty="0"/>
+                    <a:t>2</a:t>
+                  </a:r>
+                  <a:endParaRPr lang="zh-TW" altLang="en-US" dirty="0"/>
+                </a:p>
+              </p:txBody>
+            </p:sp>
+            <p:sp>
+              <p:nvSpPr>
+                <p:cNvPr id="236" name="文字方塊 235"/>
+                <p:cNvSpPr txBox="1"/>
+                <p:nvPr/>
+              </p:nvSpPr>
+              <p:spPr>
+                <a:xfrm>
+                  <a:off x="3171383" y="2169459"/>
+                  <a:ext cx="418704" cy="369332"/>
+                </a:xfrm>
+                <a:prstGeom prst="rect">
+                  <a:avLst/>
+                </a:prstGeom>
+                <a:noFill/>
+                <a:ln>
+                  <a:noFill/>
+                </a:ln>
+              </p:spPr>
+              <p:txBody>
+                <a:bodyPr wrap="none" rtlCol="0">
+                  <a:spAutoFit/>
+                </a:bodyPr>
+                <a:lstStyle/>
+                <a:p>
+                  <a:r>
+                    <a:rPr lang="en-US" altLang="zh-TW" b="1" dirty="0" smtClean="0">
+                      <a:solidFill>
+                        <a:srgbClr val="FF0000"/>
+                      </a:solidFill>
+                    </a:rPr>
+                    <a:t>10</a:t>
+                  </a:r>
+                  <a:endParaRPr lang="zh-TW" altLang="en-US" b="1" dirty="0">
+                    <a:solidFill>
+                      <a:srgbClr val="FF0000"/>
+                    </a:solidFill>
+                  </a:endParaRPr>
+                </a:p>
+              </p:txBody>
+            </p:sp>
+            <p:sp>
+              <p:nvSpPr>
+                <p:cNvPr id="237" name="文字方塊 236"/>
+                <p:cNvSpPr txBox="1"/>
+                <p:nvPr/>
+              </p:nvSpPr>
+              <p:spPr>
+                <a:xfrm>
+                  <a:off x="3707966" y="2169459"/>
+                  <a:ext cx="418704" cy="369332"/>
+                </a:xfrm>
+                <a:prstGeom prst="rect">
+                  <a:avLst/>
+                </a:prstGeom>
+                <a:noFill/>
+                <a:ln>
+                  <a:noFill/>
+                </a:ln>
+              </p:spPr>
+              <p:txBody>
+                <a:bodyPr wrap="none" rtlCol="0">
+                  <a:spAutoFit/>
+                </a:bodyPr>
+                <a:lstStyle/>
+                <a:p>
+                  <a:r>
+                    <a:rPr lang="en-US" altLang="zh-TW" b="1" dirty="0" smtClean="0">
+                      <a:solidFill>
+                        <a:srgbClr val="FF0000"/>
+                      </a:solidFill>
+                    </a:rPr>
+                    <a:t>37</a:t>
+                  </a:r>
+                  <a:endParaRPr lang="zh-TW" altLang="en-US" b="1" dirty="0">
+                    <a:solidFill>
+                      <a:srgbClr val="FF0000"/>
+                    </a:solidFill>
+                  </a:endParaRPr>
+                </a:p>
+              </p:txBody>
+            </p:sp>
+            <p:sp>
+              <p:nvSpPr>
+                <p:cNvPr id="238" name="文字方塊 237"/>
+                <p:cNvSpPr txBox="1"/>
+                <p:nvPr/>
+              </p:nvSpPr>
+              <p:spPr>
+                <a:xfrm>
+                  <a:off x="4244548" y="2169459"/>
+                  <a:ext cx="418704" cy="369332"/>
+                </a:xfrm>
+                <a:prstGeom prst="rect">
+                  <a:avLst/>
+                </a:prstGeom>
+                <a:noFill/>
+                <a:ln>
+                  <a:solidFill>
+                    <a:srgbClr val="FF0000"/>
+                  </a:solidFill>
+                </a:ln>
+              </p:spPr>
+              <p:txBody>
+                <a:bodyPr wrap="none" rtlCol="0">
+                  <a:spAutoFit/>
+                </a:bodyPr>
+                <a:lstStyle/>
+                <a:p>
+                  <a:r>
+                    <a:rPr lang="en-US" altLang="zh-TW" dirty="0" smtClean="0"/>
+                    <a:t>85</a:t>
+                  </a:r>
+                  <a:endParaRPr lang="zh-TW" altLang="en-US" dirty="0"/>
+                </a:p>
+              </p:txBody>
+            </p:sp>
+          </p:grpSp>
+          <p:cxnSp>
+            <p:nvCxnSpPr>
+              <p:cNvPr id="239" name="直線單箭頭接點 238"/>
+              <p:cNvCxnSpPr/>
+              <p:nvPr/>
+            </p:nvCxnSpPr>
+            <p:spPr>
+              <a:xfrm>
+                <a:off x="10357237" y="3029123"/>
+                <a:ext cx="0" cy="219330"/>
+              </a:xfrm>
+              <a:prstGeom prst="straightConnector1">
+                <a:avLst/>
+              </a:prstGeom>
+              <a:ln>
+                <a:solidFill>
+                  <a:schemeClr val="tx1"/>
+                </a:solidFill>
+                <a:headEnd type="triangle"/>
+                <a:tailEnd type="none"/>
+              </a:ln>
+            </p:spPr>
+            <p:style>
+              <a:lnRef idx="1">
+                <a:schemeClr val="accent1"/>
+              </a:lnRef>
+              <a:fillRef idx="0">
+                <a:schemeClr val="accent1"/>
+              </a:fillRef>
+              <a:effectRef idx="0">
+                <a:schemeClr val="accent1"/>
+              </a:effectRef>
+              <a:fontRef idx="minor">
+                <a:schemeClr val="tx1"/>
+              </a:fontRef>
+            </p:style>
+          </p:cxnSp>
+          <p:cxnSp>
+            <p:nvCxnSpPr>
+              <p:cNvPr id="240" name="弧形接點 239"/>
+              <p:cNvCxnSpPr>
+                <a:stCxn id="234" idx="0"/>
+                <a:endCxn id="235" idx="0"/>
+              </p:cNvCxnSpPr>
+              <p:nvPr/>
+            </p:nvCxnSpPr>
+            <p:spPr>
+              <a:xfrm rot="5400000" flipH="1" flipV="1">
+                <a:off x="10019945" y="2332991"/>
+                <a:ext cx="12700" cy="653601"/>
+              </a:xfrm>
+              <a:prstGeom prst="curvedConnector3">
+                <a:avLst>
+                  <a:gd name="adj1" fmla="val 1800000"/>
+                </a:avLst>
+              </a:prstGeom>
+              <a:ln>
+                <a:headEnd type="triangle"/>
+                <a:tailEnd type="triangle"/>
+              </a:ln>
+            </p:spPr>
+            <p:style>
+              <a:lnRef idx="1">
+                <a:schemeClr val="accent1"/>
+              </a:lnRef>
+              <a:fillRef idx="0">
+                <a:schemeClr val="accent1"/>
+              </a:fillRef>
+              <a:effectRef idx="0">
+                <a:schemeClr val="accent1"/>
+              </a:effectRef>
+              <a:fontRef idx="minor">
+                <a:schemeClr val="tx1"/>
+              </a:fontRef>
+            </p:style>
+          </p:cxnSp>
+        </p:grpSp>
+        <p:grpSp>
+          <p:nvGrpSpPr>
+            <p:cNvPr id="288" name="群組 287"/>
+            <p:cNvGrpSpPr/>
+            <p:nvPr/>
+          </p:nvGrpSpPr>
+          <p:grpSpPr>
+            <a:xfrm>
+              <a:off x="7750428" y="2647153"/>
+              <a:ext cx="2682053" cy="588662"/>
+              <a:chOff x="9542302" y="3613995"/>
+              <a:chExt cx="2682053" cy="588662"/>
+            </a:xfrm>
+          </p:grpSpPr>
+          <p:grpSp>
+            <p:nvGrpSpPr>
+              <p:cNvPr id="243" name="群組 242"/>
+              <p:cNvGrpSpPr/>
+              <p:nvPr/>
+            </p:nvGrpSpPr>
+            <p:grpSpPr>
+              <a:xfrm>
+                <a:off x="9542302" y="3613995"/>
+                <a:ext cx="2682053" cy="369332"/>
+                <a:chOff x="1981199" y="2169459"/>
+                <a:chExt cx="2682053" cy="369332"/>
+              </a:xfrm>
+            </p:grpSpPr>
+            <p:sp>
+              <p:nvSpPr>
+                <p:cNvPr id="244" name="文字方塊 243"/>
+                <p:cNvSpPr txBox="1"/>
+                <p:nvPr/>
+              </p:nvSpPr>
+              <p:spPr>
+                <a:xfrm>
+                  <a:off x="1981199" y="2169459"/>
+                  <a:ext cx="301686" cy="369332"/>
+                </a:xfrm>
+                <a:prstGeom prst="rect">
+                  <a:avLst/>
+                </a:prstGeom>
+                <a:noFill/>
+                <a:ln>
+                  <a:noFill/>
+                </a:ln>
+              </p:spPr>
+              <p:txBody>
+                <a:bodyPr wrap="none" rtlCol="0">
+                  <a:spAutoFit/>
+                </a:bodyPr>
+                <a:lstStyle/>
+                <a:p>
+                  <a:r>
+                    <a:rPr lang="en-US" altLang="zh-TW" dirty="0"/>
+                    <a:t>2</a:t>
+                  </a:r>
+                  <a:endParaRPr lang="zh-TW" altLang="en-US" dirty="0"/>
+                </a:p>
+              </p:txBody>
+            </p:sp>
+            <p:sp>
+              <p:nvSpPr>
+                <p:cNvPr id="245" name="文字方塊 244"/>
+                <p:cNvSpPr txBox="1"/>
+                <p:nvPr/>
+              </p:nvSpPr>
+              <p:spPr>
+                <a:xfrm>
+                  <a:off x="2634800" y="2169459"/>
+                  <a:ext cx="301686" cy="369332"/>
+                </a:xfrm>
+                <a:prstGeom prst="rect">
+                  <a:avLst/>
+                </a:prstGeom>
+                <a:noFill/>
+                <a:ln>
+                  <a:solidFill>
+                    <a:srgbClr val="FF0000"/>
+                  </a:solidFill>
+                </a:ln>
+              </p:spPr>
+              <p:txBody>
+                <a:bodyPr wrap="none" rtlCol="0">
+                  <a:spAutoFit/>
+                </a:bodyPr>
+                <a:lstStyle/>
+                <a:p>
+                  <a:r>
+                    <a:rPr lang="en-US" altLang="zh-TW" dirty="0" smtClean="0"/>
+                    <a:t>8</a:t>
+                  </a:r>
+                  <a:endParaRPr lang="zh-TW" altLang="en-US" dirty="0"/>
+                </a:p>
+              </p:txBody>
+            </p:sp>
+            <p:sp>
+              <p:nvSpPr>
+                <p:cNvPr id="246" name="文字方塊 245"/>
+                <p:cNvSpPr txBox="1"/>
+                <p:nvPr/>
+              </p:nvSpPr>
+              <p:spPr>
+                <a:xfrm>
+                  <a:off x="3171383" y="2169459"/>
+                  <a:ext cx="418704" cy="369332"/>
+                </a:xfrm>
+                <a:prstGeom prst="rect">
+                  <a:avLst/>
+                </a:prstGeom>
+                <a:noFill/>
+                <a:ln>
+                  <a:noFill/>
+                </a:ln>
+              </p:spPr>
+              <p:txBody>
+                <a:bodyPr wrap="none" rtlCol="0">
+                  <a:spAutoFit/>
+                </a:bodyPr>
+                <a:lstStyle/>
+                <a:p>
+                  <a:r>
+                    <a:rPr lang="en-US" altLang="zh-TW" b="1" dirty="0" smtClean="0">
+                      <a:solidFill>
+                        <a:srgbClr val="FF0000"/>
+                      </a:solidFill>
+                    </a:rPr>
+                    <a:t>10</a:t>
+                  </a:r>
+                  <a:endParaRPr lang="zh-TW" altLang="en-US" b="1" dirty="0">
+                    <a:solidFill>
+                      <a:srgbClr val="FF0000"/>
+                    </a:solidFill>
+                  </a:endParaRPr>
+                </a:p>
+              </p:txBody>
+            </p:sp>
+            <p:sp>
+              <p:nvSpPr>
+                <p:cNvPr id="247" name="文字方塊 246"/>
+                <p:cNvSpPr txBox="1"/>
+                <p:nvPr/>
+              </p:nvSpPr>
+              <p:spPr>
+                <a:xfrm>
+                  <a:off x="3707966" y="2169459"/>
+                  <a:ext cx="418704" cy="369332"/>
+                </a:xfrm>
+                <a:prstGeom prst="rect">
+                  <a:avLst/>
+                </a:prstGeom>
+                <a:noFill/>
+                <a:ln>
+                  <a:noFill/>
+                </a:ln>
+              </p:spPr>
+              <p:txBody>
+                <a:bodyPr wrap="none" rtlCol="0">
+                  <a:spAutoFit/>
+                </a:bodyPr>
+                <a:lstStyle/>
+                <a:p>
+                  <a:r>
+                    <a:rPr lang="en-US" altLang="zh-TW" b="1" dirty="0" smtClean="0">
+                      <a:solidFill>
+                        <a:srgbClr val="FF0000"/>
+                      </a:solidFill>
+                    </a:rPr>
+                    <a:t>37</a:t>
+                  </a:r>
+                  <a:endParaRPr lang="zh-TW" altLang="en-US" b="1" dirty="0">
+                    <a:solidFill>
+                      <a:srgbClr val="FF0000"/>
+                    </a:solidFill>
+                  </a:endParaRPr>
+                </a:p>
+              </p:txBody>
+            </p:sp>
+            <p:sp>
+              <p:nvSpPr>
+                <p:cNvPr id="248" name="文字方塊 247"/>
+                <p:cNvSpPr txBox="1"/>
+                <p:nvPr/>
+              </p:nvSpPr>
+              <p:spPr>
+                <a:xfrm>
+                  <a:off x="4244548" y="2169459"/>
+                  <a:ext cx="418704" cy="369332"/>
+                </a:xfrm>
+                <a:prstGeom prst="rect">
+                  <a:avLst/>
+                </a:prstGeom>
+                <a:noFill/>
+                <a:ln>
+                  <a:solidFill>
+                    <a:srgbClr val="FF0000"/>
+                  </a:solidFill>
+                </a:ln>
+              </p:spPr>
+              <p:txBody>
+                <a:bodyPr wrap="none" rtlCol="0">
+                  <a:spAutoFit/>
+                </a:bodyPr>
+                <a:lstStyle/>
+                <a:p>
+                  <a:r>
+                    <a:rPr lang="en-US" altLang="zh-TW" dirty="0" smtClean="0"/>
+                    <a:t>85</a:t>
+                  </a:r>
+                  <a:endParaRPr lang="zh-TW" altLang="en-US" dirty="0"/>
+                </a:p>
+              </p:txBody>
+            </p:sp>
+          </p:grpSp>
+          <p:cxnSp>
+            <p:nvCxnSpPr>
+              <p:cNvPr id="249" name="直線單箭頭接點 248"/>
+              <p:cNvCxnSpPr/>
+              <p:nvPr/>
+            </p:nvCxnSpPr>
+            <p:spPr>
+              <a:xfrm>
+                <a:off x="10357237" y="3983327"/>
+                <a:ext cx="0" cy="219330"/>
+              </a:xfrm>
+              <a:prstGeom prst="straightConnector1">
+                <a:avLst/>
+              </a:prstGeom>
+              <a:ln>
+                <a:solidFill>
+                  <a:schemeClr val="tx1"/>
+                </a:solidFill>
+                <a:headEnd type="triangle"/>
+                <a:tailEnd type="none"/>
+              </a:ln>
+            </p:spPr>
+            <p:style>
+              <a:lnRef idx="1">
+                <a:schemeClr val="accent1"/>
+              </a:lnRef>
+              <a:fillRef idx="0">
+                <a:schemeClr val="accent1"/>
+              </a:fillRef>
+              <a:effectRef idx="0">
+                <a:schemeClr val="accent1"/>
+              </a:effectRef>
+              <a:fontRef idx="minor">
+                <a:schemeClr val="tx1"/>
+              </a:fontRef>
+            </p:style>
+          </p:cxnSp>
+        </p:grpSp>
+        <p:grpSp>
+          <p:nvGrpSpPr>
+            <p:cNvPr id="251" name="群組 250"/>
+            <p:cNvGrpSpPr/>
+            <p:nvPr/>
+          </p:nvGrpSpPr>
+          <p:grpSpPr>
+            <a:xfrm>
+              <a:off x="7750428" y="3437332"/>
+              <a:ext cx="2682053" cy="369332"/>
+              <a:chOff x="1981199" y="2169459"/>
+              <a:chExt cx="2682053" cy="369332"/>
+            </a:xfrm>
+          </p:grpSpPr>
+          <p:sp>
+            <p:nvSpPr>
+              <p:cNvPr id="252" name="文字方塊 251"/>
+              <p:cNvSpPr txBox="1"/>
+              <p:nvPr/>
+            </p:nvSpPr>
+            <p:spPr>
+              <a:xfrm>
+                <a:off x="1981199" y="2169459"/>
+                <a:ext cx="301686" cy="369332"/>
+              </a:xfrm>
+              <a:prstGeom prst="rect">
+                <a:avLst/>
+              </a:prstGeom>
+              <a:noFill/>
+              <a:ln>
+                <a:solidFill>
+                  <a:srgbClr val="FF0000"/>
+                </a:solidFill>
+              </a:ln>
+            </p:spPr>
+            <p:txBody>
+              <a:bodyPr wrap="none" rtlCol="0">
+                <a:spAutoFit/>
+              </a:bodyPr>
+              <a:lstStyle/>
+              <a:p>
+                <a:r>
+                  <a:rPr lang="en-US" altLang="zh-TW" dirty="0"/>
+                  <a:t>2</a:t>
+                </a:r>
+                <a:endParaRPr lang="zh-TW" altLang="en-US" dirty="0"/>
+              </a:p>
+            </p:txBody>
+          </p:sp>
+          <p:sp>
+            <p:nvSpPr>
+              <p:cNvPr id="253" name="文字方塊 252"/>
+              <p:cNvSpPr txBox="1"/>
+              <p:nvPr/>
+            </p:nvSpPr>
+            <p:spPr>
+              <a:xfrm>
+                <a:off x="2634800" y="2169459"/>
+                <a:ext cx="301686" cy="369332"/>
+              </a:xfrm>
+              <a:prstGeom prst="rect">
+                <a:avLst/>
+              </a:prstGeom>
+              <a:noFill/>
+              <a:ln>
+                <a:noFill/>
+              </a:ln>
+            </p:spPr>
+            <p:txBody>
+              <a:bodyPr wrap="none" rtlCol="0">
+                <a:spAutoFit/>
+              </a:bodyPr>
+              <a:lstStyle/>
+              <a:p>
+                <a:r>
+                  <a:rPr lang="en-US" altLang="zh-TW" b="1" dirty="0" smtClean="0">
+                    <a:solidFill>
+                      <a:srgbClr val="FF0000"/>
+                    </a:solidFill>
+                  </a:rPr>
+                  <a:t>8</a:t>
+                </a:r>
+                <a:endParaRPr lang="zh-TW" altLang="en-US" b="1" dirty="0">
+                  <a:solidFill>
+                    <a:srgbClr val="FF0000"/>
+                  </a:solidFill>
+                </a:endParaRPr>
+              </a:p>
+            </p:txBody>
+          </p:sp>
+          <p:sp>
+            <p:nvSpPr>
+              <p:cNvPr id="254" name="文字方塊 253"/>
+              <p:cNvSpPr txBox="1"/>
+              <p:nvPr/>
+            </p:nvSpPr>
+            <p:spPr>
+              <a:xfrm>
+                <a:off x="3171383" y="2169459"/>
+                <a:ext cx="418704" cy="369332"/>
+              </a:xfrm>
+              <a:prstGeom prst="rect">
+                <a:avLst/>
+              </a:prstGeom>
+              <a:noFill/>
+              <a:ln>
+                <a:noFill/>
+              </a:ln>
+            </p:spPr>
+            <p:txBody>
+              <a:bodyPr wrap="none" rtlCol="0">
+                <a:spAutoFit/>
+              </a:bodyPr>
+              <a:lstStyle/>
+              <a:p>
+                <a:r>
+                  <a:rPr lang="en-US" altLang="zh-TW" b="1" dirty="0" smtClean="0">
+                    <a:solidFill>
+                      <a:srgbClr val="FF0000"/>
+                    </a:solidFill>
+                  </a:rPr>
+                  <a:t>10</a:t>
+                </a:r>
+                <a:endParaRPr lang="zh-TW" altLang="en-US" b="1" dirty="0">
+                  <a:solidFill>
+                    <a:srgbClr val="FF0000"/>
+                  </a:solidFill>
+                </a:endParaRPr>
+              </a:p>
+            </p:txBody>
+          </p:sp>
+          <p:sp>
+            <p:nvSpPr>
+              <p:cNvPr id="255" name="文字方塊 254"/>
+              <p:cNvSpPr txBox="1"/>
+              <p:nvPr/>
+            </p:nvSpPr>
+            <p:spPr>
+              <a:xfrm>
+                <a:off x="3707966" y="2169459"/>
+                <a:ext cx="418704" cy="369332"/>
+              </a:xfrm>
+              <a:prstGeom prst="rect">
+                <a:avLst/>
+              </a:prstGeom>
+              <a:noFill/>
+              <a:ln>
+                <a:noFill/>
+              </a:ln>
+            </p:spPr>
+            <p:txBody>
+              <a:bodyPr wrap="none" rtlCol="0">
+                <a:spAutoFit/>
+              </a:bodyPr>
+              <a:lstStyle/>
+              <a:p>
+                <a:r>
+                  <a:rPr lang="en-US" altLang="zh-TW" b="1" dirty="0" smtClean="0">
+                    <a:solidFill>
+                      <a:srgbClr val="FF0000"/>
+                    </a:solidFill>
+                  </a:rPr>
+                  <a:t>37</a:t>
+                </a:r>
+                <a:endParaRPr lang="zh-TW" altLang="en-US" b="1" dirty="0">
+                  <a:solidFill>
+                    <a:srgbClr val="FF0000"/>
+                  </a:solidFill>
+                </a:endParaRPr>
+              </a:p>
+            </p:txBody>
+          </p:sp>
+          <p:sp>
+            <p:nvSpPr>
+              <p:cNvPr id="256" name="文字方塊 255"/>
+              <p:cNvSpPr txBox="1"/>
+              <p:nvPr/>
+            </p:nvSpPr>
+            <p:spPr>
+              <a:xfrm>
+                <a:off x="4244548" y="2169459"/>
+                <a:ext cx="418704" cy="369332"/>
+              </a:xfrm>
+              <a:prstGeom prst="rect">
+                <a:avLst/>
+              </a:prstGeom>
+              <a:noFill/>
+              <a:ln>
+                <a:solidFill>
+                  <a:srgbClr val="FF0000"/>
+                </a:solidFill>
+              </a:ln>
+            </p:spPr>
+            <p:txBody>
+              <a:bodyPr wrap="none" rtlCol="0">
+                <a:spAutoFit/>
+              </a:bodyPr>
+              <a:lstStyle/>
+              <a:p>
+                <a:r>
+                  <a:rPr lang="en-US" altLang="zh-TW" dirty="0" smtClean="0"/>
+                  <a:t>85</a:t>
+                </a:r>
+                <a:endParaRPr lang="zh-TW" altLang="en-US" dirty="0"/>
+              </a:p>
+            </p:txBody>
+          </p:sp>
+        </p:grpSp>
+        <p:sp>
+          <p:nvSpPr>
+            <p:cNvPr id="308" name="文字方塊 307"/>
+            <p:cNvSpPr txBox="1"/>
+            <p:nvPr/>
+          </p:nvSpPr>
+          <p:spPr>
+            <a:xfrm>
+              <a:off x="7238893" y="270267"/>
+              <a:ext cx="418704" cy="369332"/>
+            </a:xfrm>
+            <a:prstGeom prst="rect">
+              <a:avLst/>
+            </a:prstGeom>
+            <a:solidFill>
+              <a:schemeClr val="tx1"/>
+            </a:solidFill>
+          </p:spPr>
+          <p:txBody>
+            <a:bodyPr wrap="none" rtlCol="0">
+              <a:spAutoFit/>
+            </a:bodyPr>
+            <a:lstStyle/>
+            <a:p>
+              <a:r>
+                <a:rPr lang="en-US" altLang="zh-TW" u="sng" dirty="0" smtClean="0">
+                  <a:solidFill>
+                    <a:schemeClr val="bg1"/>
+                  </a:solidFill>
+                </a:rPr>
+                <a:t>18</a:t>
+              </a:r>
+              <a:endParaRPr lang="zh-TW" altLang="en-US" u="sng" dirty="0">
+                <a:solidFill>
+                  <a:schemeClr val="bg1"/>
+                </a:solidFill>
+              </a:endParaRPr>
+            </a:p>
+          </p:txBody>
+        </p:sp>
+        <p:sp>
+          <p:nvSpPr>
+            <p:cNvPr id="309" name="文字方塊 308"/>
+            <p:cNvSpPr txBox="1"/>
+            <p:nvPr/>
+          </p:nvSpPr>
+          <p:spPr>
+            <a:xfrm>
+              <a:off x="7244315" y="1057855"/>
+              <a:ext cx="418704" cy="369332"/>
+            </a:xfrm>
+            <a:prstGeom prst="rect">
+              <a:avLst/>
+            </a:prstGeom>
+            <a:solidFill>
+              <a:schemeClr val="tx1"/>
+            </a:solidFill>
+          </p:spPr>
+          <p:txBody>
+            <a:bodyPr wrap="none" rtlCol="0">
+              <a:spAutoFit/>
+            </a:bodyPr>
+            <a:lstStyle/>
+            <a:p>
+              <a:r>
+                <a:rPr lang="en-US" altLang="zh-TW" u="sng" dirty="0" smtClean="0">
+                  <a:solidFill>
+                    <a:schemeClr val="bg1"/>
+                  </a:solidFill>
+                </a:rPr>
+                <a:t>19</a:t>
+              </a:r>
+              <a:endParaRPr lang="zh-TW" altLang="en-US" u="sng" dirty="0">
+                <a:solidFill>
+                  <a:schemeClr val="bg1"/>
+                </a:solidFill>
+              </a:endParaRPr>
+            </a:p>
+          </p:txBody>
+        </p:sp>
+        <p:sp>
+          <p:nvSpPr>
+            <p:cNvPr id="310" name="文字方塊 309"/>
+            <p:cNvSpPr txBox="1"/>
+            <p:nvPr/>
+          </p:nvSpPr>
+          <p:spPr>
+            <a:xfrm>
+              <a:off x="7233731" y="1859729"/>
+              <a:ext cx="418704" cy="369332"/>
+            </a:xfrm>
+            <a:prstGeom prst="rect">
+              <a:avLst/>
+            </a:prstGeom>
+            <a:solidFill>
+              <a:schemeClr val="tx1"/>
+            </a:solidFill>
+          </p:spPr>
+          <p:txBody>
+            <a:bodyPr wrap="none" rtlCol="0">
+              <a:spAutoFit/>
+            </a:bodyPr>
+            <a:lstStyle/>
+            <a:p>
+              <a:r>
+                <a:rPr lang="en-US" altLang="zh-TW" u="sng" dirty="0" smtClean="0">
+                  <a:solidFill>
+                    <a:schemeClr val="bg1"/>
+                  </a:solidFill>
+                </a:rPr>
+                <a:t>20</a:t>
+              </a:r>
+              <a:endParaRPr lang="zh-TW" altLang="en-US" u="sng" dirty="0">
+                <a:solidFill>
+                  <a:schemeClr val="bg1"/>
+                </a:solidFill>
+              </a:endParaRPr>
+            </a:p>
+          </p:txBody>
+        </p:sp>
+        <p:sp>
+          <p:nvSpPr>
+            <p:cNvPr id="311" name="文字方塊 310"/>
+            <p:cNvSpPr txBox="1"/>
+            <p:nvPr/>
+          </p:nvSpPr>
+          <p:spPr>
+            <a:xfrm>
+              <a:off x="7234329" y="2637595"/>
+              <a:ext cx="418704" cy="369332"/>
+            </a:xfrm>
+            <a:prstGeom prst="rect">
+              <a:avLst/>
+            </a:prstGeom>
+            <a:solidFill>
+              <a:schemeClr val="tx1"/>
+            </a:solidFill>
+          </p:spPr>
+          <p:txBody>
+            <a:bodyPr wrap="none" rtlCol="0">
+              <a:spAutoFit/>
+            </a:bodyPr>
+            <a:lstStyle/>
+            <a:p>
+              <a:r>
+                <a:rPr lang="en-US" altLang="zh-TW" u="sng" dirty="0" smtClean="0">
+                  <a:solidFill>
+                    <a:schemeClr val="bg1"/>
+                  </a:solidFill>
+                </a:rPr>
+                <a:t>21</a:t>
+              </a:r>
+              <a:endParaRPr lang="zh-TW" altLang="en-US" u="sng" dirty="0">
+                <a:solidFill>
+                  <a:schemeClr val="bg1"/>
+                </a:solidFill>
+              </a:endParaRPr>
+            </a:p>
+          </p:txBody>
+        </p:sp>
+        <p:sp>
+          <p:nvSpPr>
+            <p:cNvPr id="312" name="文字方塊 311"/>
+            <p:cNvSpPr txBox="1"/>
+            <p:nvPr/>
+          </p:nvSpPr>
+          <p:spPr>
+            <a:xfrm>
+              <a:off x="7233731" y="3449191"/>
+              <a:ext cx="418704" cy="369332"/>
+            </a:xfrm>
+            <a:prstGeom prst="rect">
+              <a:avLst/>
+            </a:prstGeom>
+            <a:solidFill>
+              <a:schemeClr val="tx1"/>
+            </a:solidFill>
+          </p:spPr>
+          <p:txBody>
+            <a:bodyPr wrap="none" rtlCol="0">
+              <a:spAutoFit/>
+            </a:bodyPr>
+            <a:lstStyle/>
+            <a:p>
+              <a:r>
+                <a:rPr lang="en-US" altLang="zh-TW" u="sng" dirty="0" smtClean="0">
+                  <a:solidFill>
+                    <a:schemeClr val="bg1"/>
+                  </a:solidFill>
+                </a:rPr>
+                <a:t>22</a:t>
+              </a:r>
+              <a:endParaRPr lang="zh-TW" altLang="en-US" u="sng" dirty="0">
+                <a:solidFill>
+                  <a:schemeClr val="bg1"/>
+                </a:solidFill>
+              </a:endParaRPr>
+            </a:p>
+          </p:txBody>
+        </p:sp>
+      </p:grpSp>
+      <p:grpSp>
+        <p:nvGrpSpPr>
+          <p:cNvPr id="319" name="群組 318"/>
+          <p:cNvGrpSpPr/>
+          <p:nvPr/>
+        </p:nvGrpSpPr>
+        <p:grpSpPr>
+          <a:xfrm>
+            <a:off x="10894585" y="270267"/>
+            <a:ext cx="3335654" cy="1186931"/>
+            <a:chOff x="10894585" y="270268"/>
+            <a:chExt cx="3335654" cy="1186931"/>
+          </a:xfrm>
+        </p:grpSpPr>
+        <p:grpSp>
+          <p:nvGrpSpPr>
+            <p:cNvPr id="258" name="群組 257"/>
+            <p:cNvGrpSpPr/>
+            <p:nvPr/>
+          </p:nvGrpSpPr>
+          <p:grpSpPr>
+            <a:xfrm>
+              <a:off x="11548186" y="270268"/>
+              <a:ext cx="2682053" cy="369332"/>
+              <a:chOff x="1981199" y="2169459"/>
+              <a:chExt cx="2682053" cy="369332"/>
+            </a:xfrm>
+          </p:grpSpPr>
+          <p:sp>
+            <p:nvSpPr>
+              <p:cNvPr id="259" name="文字方塊 258"/>
+              <p:cNvSpPr txBox="1"/>
+              <p:nvPr/>
+            </p:nvSpPr>
+            <p:spPr>
+              <a:xfrm>
+                <a:off x="1981199" y="2169459"/>
+                <a:ext cx="301686" cy="369332"/>
+              </a:xfrm>
+              <a:prstGeom prst="rect">
+                <a:avLst/>
+              </a:prstGeom>
+              <a:noFill/>
+              <a:ln>
+                <a:noFill/>
+              </a:ln>
+            </p:spPr>
+            <p:txBody>
+              <a:bodyPr wrap="none" rtlCol="0">
+                <a:spAutoFit/>
+              </a:bodyPr>
+              <a:lstStyle/>
+              <a:p>
+                <a:r>
+                  <a:rPr lang="en-US" altLang="zh-TW" b="1" dirty="0">
+                    <a:solidFill>
+                      <a:srgbClr val="FF0000"/>
+                    </a:solidFill>
+                  </a:rPr>
+                  <a:t>2</a:t>
+                </a:r>
+                <a:endParaRPr lang="zh-TW" altLang="en-US" b="1" dirty="0">
+                  <a:solidFill>
+                    <a:srgbClr val="FF0000"/>
+                  </a:solidFill>
+                </a:endParaRPr>
+              </a:p>
+            </p:txBody>
+          </p:sp>
+          <p:sp>
+            <p:nvSpPr>
+              <p:cNvPr id="260" name="文字方塊 259"/>
+              <p:cNvSpPr txBox="1"/>
+              <p:nvPr/>
+            </p:nvSpPr>
+            <p:spPr>
+              <a:xfrm>
+                <a:off x="2634800" y="2169459"/>
+                <a:ext cx="301686" cy="369332"/>
+              </a:xfrm>
+              <a:prstGeom prst="rect">
+                <a:avLst/>
+              </a:prstGeom>
+              <a:noFill/>
+              <a:ln>
+                <a:noFill/>
+              </a:ln>
+            </p:spPr>
+            <p:txBody>
+              <a:bodyPr wrap="none" rtlCol="0">
+                <a:spAutoFit/>
+              </a:bodyPr>
+              <a:lstStyle/>
+              <a:p>
+                <a:r>
+                  <a:rPr lang="en-US" altLang="zh-TW" b="1" dirty="0" smtClean="0">
+                    <a:solidFill>
+                      <a:srgbClr val="FF0000"/>
+                    </a:solidFill>
+                  </a:rPr>
+                  <a:t>8</a:t>
+                </a:r>
+                <a:endParaRPr lang="zh-TW" altLang="en-US" b="1" dirty="0">
+                  <a:solidFill>
+                    <a:srgbClr val="FF0000"/>
+                  </a:solidFill>
+                </a:endParaRPr>
+              </a:p>
+            </p:txBody>
+          </p:sp>
+          <p:sp>
+            <p:nvSpPr>
+              <p:cNvPr id="261" name="文字方塊 260"/>
+              <p:cNvSpPr txBox="1"/>
+              <p:nvPr/>
+            </p:nvSpPr>
+            <p:spPr>
+              <a:xfrm>
+                <a:off x="3171383" y="2169459"/>
+                <a:ext cx="418704" cy="369332"/>
+              </a:xfrm>
+              <a:prstGeom prst="rect">
+                <a:avLst/>
+              </a:prstGeom>
+              <a:noFill/>
+              <a:ln>
+                <a:noFill/>
+              </a:ln>
+            </p:spPr>
+            <p:txBody>
+              <a:bodyPr wrap="none" rtlCol="0">
+                <a:spAutoFit/>
+              </a:bodyPr>
+              <a:lstStyle/>
+              <a:p>
+                <a:r>
+                  <a:rPr lang="en-US" altLang="zh-TW" b="1" dirty="0" smtClean="0">
+                    <a:solidFill>
+                      <a:srgbClr val="FF0000"/>
+                    </a:solidFill>
+                  </a:rPr>
+                  <a:t>10</a:t>
+                </a:r>
+                <a:endParaRPr lang="zh-TW" altLang="en-US" b="1" dirty="0">
+                  <a:solidFill>
+                    <a:srgbClr val="FF0000"/>
+                  </a:solidFill>
+                </a:endParaRPr>
+              </a:p>
+            </p:txBody>
+          </p:sp>
+          <p:sp>
+            <p:nvSpPr>
+              <p:cNvPr id="262" name="文字方塊 261"/>
+              <p:cNvSpPr txBox="1"/>
+              <p:nvPr/>
+            </p:nvSpPr>
+            <p:spPr>
+              <a:xfrm>
+                <a:off x="3707966" y="2169459"/>
+                <a:ext cx="418704" cy="369332"/>
+              </a:xfrm>
+              <a:prstGeom prst="rect">
+                <a:avLst/>
+              </a:prstGeom>
+              <a:noFill/>
+              <a:ln>
+                <a:noFill/>
+              </a:ln>
+            </p:spPr>
+            <p:txBody>
+              <a:bodyPr wrap="none" rtlCol="0">
+                <a:spAutoFit/>
+              </a:bodyPr>
+              <a:lstStyle/>
+              <a:p>
+                <a:r>
+                  <a:rPr lang="en-US" altLang="zh-TW" b="1" dirty="0" smtClean="0">
+                    <a:solidFill>
+                      <a:srgbClr val="FF0000"/>
+                    </a:solidFill>
+                  </a:rPr>
+                  <a:t>37</a:t>
+                </a:r>
+                <a:endParaRPr lang="zh-TW" altLang="en-US" b="1" dirty="0">
+                  <a:solidFill>
+                    <a:srgbClr val="FF0000"/>
+                  </a:solidFill>
+                </a:endParaRPr>
+              </a:p>
+            </p:txBody>
+          </p:sp>
+          <p:sp>
+            <p:nvSpPr>
+              <p:cNvPr id="263" name="文字方塊 262"/>
+              <p:cNvSpPr txBox="1"/>
+              <p:nvPr/>
+            </p:nvSpPr>
+            <p:spPr>
+              <a:xfrm>
+                <a:off x="4244548" y="2169459"/>
+                <a:ext cx="418704" cy="369332"/>
+              </a:xfrm>
+              <a:prstGeom prst="rect">
+                <a:avLst/>
+              </a:prstGeom>
+              <a:noFill/>
+              <a:ln>
+                <a:solidFill>
+                  <a:srgbClr val="FF0000"/>
+                </a:solidFill>
+              </a:ln>
+            </p:spPr>
+            <p:txBody>
+              <a:bodyPr wrap="none" rtlCol="0">
+                <a:spAutoFit/>
+              </a:bodyPr>
+              <a:lstStyle/>
+              <a:p>
+                <a:r>
+                  <a:rPr lang="en-US" altLang="zh-TW" dirty="0" smtClean="0"/>
+                  <a:t>85</a:t>
+                </a:r>
+                <a:endParaRPr lang="zh-TW" altLang="en-US" dirty="0"/>
+              </a:p>
+            </p:txBody>
+          </p:sp>
+        </p:grpSp>
+        <p:grpSp>
+          <p:nvGrpSpPr>
+            <p:cNvPr id="264" name="群組 263"/>
+            <p:cNvGrpSpPr/>
+            <p:nvPr/>
+          </p:nvGrpSpPr>
+          <p:grpSpPr>
+            <a:xfrm>
+              <a:off x="11548186" y="1087867"/>
+              <a:ext cx="2682053" cy="369332"/>
+              <a:chOff x="1981199" y="2169459"/>
+              <a:chExt cx="2682053" cy="369332"/>
+            </a:xfrm>
+          </p:grpSpPr>
+          <p:sp>
+            <p:nvSpPr>
+              <p:cNvPr id="265" name="文字方塊 264"/>
+              <p:cNvSpPr txBox="1"/>
+              <p:nvPr/>
+            </p:nvSpPr>
+            <p:spPr>
+              <a:xfrm>
+                <a:off x="1981199" y="2169459"/>
+                <a:ext cx="301686" cy="369332"/>
+              </a:xfrm>
+              <a:prstGeom prst="rect">
+                <a:avLst/>
+              </a:prstGeom>
+              <a:noFill/>
+              <a:ln>
+                <a:noFill/>
+              </a:ln>
+            </p:spPr>
+            <p:txBody>
+              <a:bodyPr wrap="none" rtlCol="0">
+                <a:spAutoFit/>
+              </a:bodyPr>
+              <a:lstStyle/>
+              <a:p>
+                <a:r>
+                  <a:rPr lang="en-US" altLang="zh-TW" b="1" dirty="0">
+                    <a:solidFill>
+                      <a:srgbClr val="FF0000"/>
+                    </a:solidFill>
+                  </a:rPr>
+                  <a:t>2</a:t>
+                </a:r>
+                <a:endParaRPr lang="zh-TW" altLang="en-US" b="1" dirty="0">
+                  <a:solidFill>
+                    <a:srgbClr val="FF0000"/>
+                  </a:solidFill>
+                </a:endParaRPr>
+              </a:p>
+            </p:txBody>
+          </p:sp>
+          <p:sp>
+            <p:nvSpPr>
+              <p:cNvPr id="266" name="文字方塊 265"/>
+              <p:cNvSpPr txBox="1"/>
+              <p:nvPr/>
+            </p:nvSpPr>
+            <p:spPr>
+              <a:xfrm>
+                <a:off x="2634800" y="2169459"/>
+                <a:ext cx="301686" cy="369332"/>
+              </a:xfrm>
+              <a:prstGeom prst="rect">
+                <a:avLst/>
+              </a:prstGeom>
+              <a:noFill/>
+              <a:ln>
+                <a:noFill/>
+              </a:ln>
+            </p:spPr>
+            <p:txBody>
+              <a:bodyPr wrap="none" rtlCol="0">
+                <a:spAutoFit/>
+              </a:bodyPr>
+              <a:lstStyle/>
+              <a:p>
+                <a:r>
+                  <a:rPr lang="en-US" altLang="zh-TW" b="1" dirty="0" smtClean="0">
+                    <a:solidFill>
+                      <a:srgbClr val="FF0000"/>
+                    </a:solidFill>
+                  </a:rPr>
+                  <a:t>8</a:t>
+                </a:r>
+                <a:endParaRPr lang="zh-TW" altLang="en-US" b="1" dirty="0">
+                  <a:solidFill>
+                    <a:srgbClr val="FF0000"/>
+                  </a:solidFill>
+                </a:endParaRPr>
+              </a:p>
+            </p:txBody>
+          </p:sp>
+          <p:sp>
+            <p:nvSpPr>
+              <p:cNvPr id="267" name="文字方塊 266"/>
+              <p:cNvSpPr txBox="1"/>
+              <p:nvPr/>
+            </p:nvSpPr>
+            <p:spPr>
+              <a:xfrm>
+                <a:off x="3171383" y="2169459"/>
+                <a:ext cx="418704" cy="369332"/>
+              </a:xfrm>
+              <a:prstGeom prst="rect">
+                <a:avLst/>
+              </a:prstGeom>
+              <a:noFill/>
+              <a:ln>
+                <a:noFill/>
+              </a:ln>
+            </p:spPr>
+            <p:txBody>
+              <a:bodyPr wrap="none" rtlCol="0">
+                <a:spAutoFit/>
+              </a:bodyPr>
+              <a:lstStyle/>
+              <a:p>
+                <a:r>
+                  <a:rPr lang="en-US" altLang="zh-TW" b="1" dirty="0" smtClean="0">
+                    <a:solidFill>
+                      <a:srgbClr val="FF0000"/>
+                    </a:solidFill>
+                  </a:rPr>
+                  <a:t>10</a:t>
+                </a:r>
+                <a:endParaRPr lang="zh-TW" altLang="en-US" b="1" dirty="0">
+                  <a:solidFill>
+                    <a:srgbClr val="FF0000"/>
+                  </a:solidFill>
+                </a:endParaRPr>
+              </a:p>
+            </p:txBody>
+          </p:sp>
+          <p:sp>
+            <p:nvSpPr>
+              <p:cNvPr id="268" name="文字方塊 267"/>
+              <p:cNvSpPr txBox="1"/>
+              <p:nvPr/>
+            </p:nvSpPr>
+            <p:spPr>
+              <a:xfrm>
+                <a:off x="3707966" y="2169459"/>
+                <a:ext cx="418704" cy="369332"/>
+              </a:xfrm>
+              <a:prstGeom prst="rect">
+                <a:avLst/>
+              </a:prstGeom>
+              <a:noFill/>
+              <a:ln>
+                <a:noFill/>
+              </a:ln>
+            </p:spPr>
+            <p:txBody>
+              <a:bodyPr wrap="none" rtlCol="0">
+                <a:spAutoFit/>
+              </a:bodyPr>
+              <a:lstStyle/>
+              <a:p>
+                <a:r>
+                  <a:rPr lang="en-US" altLang="zh-TW" b="1" dirty="0" smtClean="0">
+                    <a:solidFill>
+                      <a:srgbClr val="FF0000"/>
+                    </a:solidFill>
+                  </a:rPr>
+                  <a:t>37</a:t>
+                </a:r>
+                <a:endParaRPr lang="zh-TW" altLang="en-US" b="1" dirty="0">
+                  <a:solidFill>
+                    <a:srgbClr val="FF0000"/>
+                  </a:solidFill>
+                </a:endParaRPr>
+              </a:p>
+            </p:txBody>
+          </p:sp>
+          <p:sp>
+            <p:nvSpPr>
+              <p:cNvPr id="269" name="文字方塊 268"/>
+              <p:cNvSpPr txBox="1"/>
+              <p:nvPr/>
+            </p:nvSpPr>
+            <p:spPr>
+              <a:xfrm>
+                <a:off x="4244548" y="2169459"/>
+                <a:ext cx="418704" cy="369332"/>
+              </a:xfrm>
+              <a:prstGeom prst="rect">
+                <a:avLst/>
+              </a:prstGeom>
+              <a:noFill/>
+              <a:ln>
+                <a:noFill/>
+              </a:ln>
+            </p:spPr>
+            <p:txBody>
+              <a:bodyPr wrap="none" rtlCol="0">
+                <a:spAutoFit/>
+              </a:bodyPr>
+              <a:lstStyle/>
+              <a:p>
+                <a:r>
+                  <a:rPr lang="en-US" altLang="zh-TW" b="1" dirty="0" smtClean="0">
+                    <a:solidFill>
+                      <a:srgbClr val="FF0000"/>
+                    </a:solidFill>
+                  </a:rPr>
+                  <a:t>85</a:t>
+                </a:r>
+                <a:endParaRPr lang="zh-TW" altLang="en-US" b="1" dirty="0">
+                  <a:solidFill>
+                    <a:srgbClr val="FF0000"/>
+                  </a:solidFill>
+                </a:endParaRPr>
+              </a:p>
+            </p:txBody>
+          </p:sp>
+        </p:grpSp>
+        <p:sp>
+          <p:nvSpPr>
+            <p:cNvPr id="313" name="文字方塊 312"/>
+            <p:cNvSpPr txBox="1"/>
+            <p:nvPr/>
+          </p:nvSpPr>
+          <p:spPr>
+            <a:xfrm>
+              <a:off x="10894585" y="276617"/>
+              <a:ext cx="418704" cy="369332"/>
+            </a:xfrm>
+            <a:prstGeom prst="rect">
+              <a:avLst/>
+            </a:prstGeom>
+            <a:solidFill>
+              <a:schemeClr val="tx1"/>
+            </a:solidFill>
+          </p:spPr>
+          <p:txBody>
+            <a:bodyPr wrap="none" rtlCol="0">
+              <a:spAutoFit/>
+            </a:bodyPr>
+            <a:lstStyle/>
+            <a:p>
+              <a:r>
+                <a:rPr lang="en-US" altLang="zh-TW" u="sng" dirty="0" smtClean="0">
+                  <a:solidFill>
+                    <a:schemeClr val="bg1"/>
+                  </a:solidFill>
+                </a:rPr>
+                <a:t>23</a:t>
+              </a:r>
+              <a:endParaRPr lang="zh-TW" altLang="en-US" u="sng" dirty="0">
+                <a:solidFill>
+                  <a:schemeClr val="bg1"/>
+                </a:solidFill>
+              </a:endParaRPr>
+            </a:p>
+          </p:txBody>
+        </p:sp>
+        <p:sp>
+          <p:nvSpPr>
+            <p:cNvPr id="314" name="文字方塊 313"/>
+            <p:cNvSpPr txBox="1"/>
+            <p:nvPr/>
+          </p:nvSpPr>
+          <p:spPr>
+            <a:xfrm>
+              <a:off x="10894585" y="1087867"/>
+              <a:ext cx="418704" cy="369332"/>
+            </a:xfrm>
+            <a:prstGeom prst="rect">
+              <a:avLst/>
+            </a:prstGeom>
+            <a:solidFill>
+              <a:schemeClr val="tx1"/>
+            </a:solidFill>
+          </p:spPr>
+          <p:txBody>
+            <a:bodyPr wrap="none" rtlCol="0">
+              <a:spAutoFit/>
+            </a:bodyPr>
+            <a:lstStyle/>
+            <a:p>
+              <a:r>
+                <a:rPr lang="en-US" altLang="zh-TW" u="sng" dirty="0" smtClean="0">
+                  <a:solidFill>
+                    <a:schemeClr val="bg1"/>
+                  </a:solidFill>
+                </a:rPr>
+                <a:t>24</a:t>
+              </a:r>
+              <a:endParaRPr lang="zh-TW" altLang="en-US" u="sng" dirty="0">
+                <a:solidFill>
+                  <a:schemeClr val="bg1"/>
+                </a:solidFill>
+              </a:endParaRPr>
+            </a:p>
+          </p:txBody>
+        </p:sp>
+      </p:grpSp>
+      <p:grpSp>
+        <p:nvGrpSpPr>
+          <p:cNvPr id="316" name="群組 315"/>
+          <p:cNvGrpSpPr/>
+          <p:nvPr/>
+        </p:nvGrpSpPr>
+        <p:grpSpPr>
+          <a:xfrm>
+            <a:off x="-246895" y="270267"/>
+            <a:ext cx="3232575" cy="8381933"/>
+            <a:chOff x="-246895" y="270268"/>
+            <a:chExt cx="3232575" cy="8381933"/>
+          </a:xfrm>
+        </p:grpSpPr>
+        <p:grpSp>
+          <p:nvGrpSpPr>
+            <p:cNvPr id="10" name="群組 9"/>
+            <p:cNvGrpSpPr/>
+            <p:nvPr/>
+          </p:nvGrpSpPr>
+          <p:grpSpPr>
+            <a:xfrm>
+              <a:off x="274612" y="270268"/>
+              <a:ext cx="2682053" cy="369332"/>
+              <a:chOff x="1981199" y="1543744"/>
+              <a:chExt cx="2682053" cy="369332"/>
+            </a:xfrm>
+          </p:grpSpPr>
+          <p:sp>
+            <p:nvSpPr>
+              <p:cNvPr id="11" name="文字方塊 10"/>
+              <p:cNvSpPr txBox="1"/>
+              <p:nvPr/>
+            </p:nvSpPr>
+            <p:spPr>
+              <a:xfrm>
+                <a:off x="1981199" y="1543744"/>
+                <a:ext cx="418704" cy="369332"/>
+              </a:xfrm>
+              <a:prstGeom prst="rect">
+                <a:avLst/>
+              </a:prstGeom>
+              <a:noFill/>
+            </p:spPr>
+            <p:txBody>
+              <a:bodyPr wrap="none" rtlCol="0">
+                <a:spAutoFit/>
+              </a:bodyPr>
+              <a:lstStyle/>
+              <a:p>
+                <a:r>
+                  <a:rPr lang="en-US" altLang="zh-TW" dirty="0" smtClean="0"/>
+                  <a:t>37</a:t>
+                </a:r>
+                <a:endParaRPr lang="zh-TW" altLang="en-US" dirty="0"/>
+              </a:p>
+            </p:txBody>
+          </p:sp>
+          <p:sp>
+            <p:nvSpPr>
+              <p:cNvPr id="12" name="文字方塊 11"/>
+              <p:cNvSpPr txBox="1"/>
+              <p:nvPr/>
+            </p:nvSpPr>
+            <p:spPr>
+              <a:xfrm>
+                <a:off x="2634800" y="1543744"/>
+                <a:ext cx="301686" cy="369332"/>
+              </a:xfrm>
+              <a:prstGeom prst="rect">
+                <a:avLst/>
+              </a:prstGeom>
+              <a:noFill/>
+            </p:spPr>
+            <p:txBody>
+              <a:bodyPr wrap="none" rtlCol="0">
+                <a:spAutoFit/>
+              </a:bodyPr>
+              <a:lstStyle/>
+              <a:p>
+                <a:r>
+                  <a:rPr lang="en-US" altLang="zh-TW" dirty="0"/>
+                  <a:t>2</a:t>
+                </a:r>
+                <a:endParaRPr lang="zh-TW" altLang="en-US" dirty="0"/>
+              </a:p>
+            </p:txBody>
+          </p:sp>
+          <p:sp>
+            <p:nvSpPr>
+              <p:cNvPr id="13" name="文字方塊 12"/>
+              <p:cNvSpPr txBox="1"/>
+              <p:nvPr/>
+            </p:nvSpPr>
+            <p:spPr>
+              <a:xfrm>
+                <a:off x="3171383" y="1543744"/>
+                <a:ext cx="418704" cy="369332"/>
+              </a:xfrm>
+              <a:prstGeom prst="rect">
+                <a:avLst/>
+              </a:prstGeom>
+              <a:noFill/>
+            </p:spPr>
+            <p:txBody>
+              <a:bodyPr wrap="none" rtlCol="0">
+                <a:spAutoFit/>
+              </a:bodyPr>
+              <a:lstStyle/>
+              <a:p>
+                <a:r>
+                  <a:rPr lang="en-US" altLang="zh-TW" dirty="0" smtClean="0"/>
+                  <a:t>85</a:t>
+                </a:r>
+                <a:endParaRPr lang="zh-TW" altLang="en-US" dirty="0"/>
+              </a:p>
+            </p:txBody>
+          </p:sp>
+          <p:sp>
+            <p:nvSpPr>
+              <p:cNvPr id="14" name="文字方塊 13"/>
+              <p:cNvSpPr txBox="1"/>
+              <p:nvPr/>
+            </p:nvSpPr>
+            <p:spPr>
+              <a:xfrm>
+                <a:off x="3707966" y="1543744"/>
+                <a:ext cx="301686" cy="369332"/>
+              </a:xfrm>
+              <a:prstGeom prst="rect">
+                <a:avLst/>
+              </a:prstGeom>
+              <a:noFill/>
+            </p:spPr>
+            <p:txBody>
+              <a:bodyPr wrap="none" rtlCol="0">
+                <a:spAutoFit/>
+              </a:bodyPr>
+              <a:lstStyle/>
+              <a:p>
+                <a:r>
+                  <a:rPr lang="en-US" altLang="zh-TW" dirty="0" smtClean="0"/>
+                  <a:t>8</a:t>
+                </a:r>
+                <a:endParaRPr lang="zh-TW" altLang="en-US" dirty="0"/>
+              </a:p>
+            </p:txBody>
+          </p:sp>
+          <p:sp>
+            <p:nvSpPr>
+              <p:cNvPr id="15" name="文字方塊 14"/>
+              <p:cNvSpPr txBox="1"/>
+              <p:nvPr/>
+            </p:nvSpPr>
+            <p:spPr>
+              <a:xfrm>
+                <a:off x="4244548" y="1543744"/>
+                <a:ext cx="418704" cy="369332"/>
+              </a:xfrm>
+              <a:prstGeom prst="rect">
+                <a:avLst/>
+              </a:prstGeom>
+              <a:noFill/>
+            </p:spPr>
+            <p:txBody>
+              <a:bodyPr wrap="none" rtlCol="0">
+                <a:spAutoFit/>
+              </a:bodyPr>
+              <a:lstStyle/>
+              <a:p>
+                <a:r>
+                  <a:rPr lang="en-US" altLang="zh-TW" dirty="0" smtClean="0"/>
+                  <a:t>10</a:t>
+                </a:r>
+                <a:endParaRPr lang="zh-TW" altLang="en-US" dirty="0"/>
+              </a:p>
+            </p:txBody>
+          </p:sp>
+        </p:grpSp>
+        <p:grpSp>
+          <p:nvGrpSpPr>
+            <p:cNvPr id="271" name="群組 270"/>
+            <p:cNvGrpSpPr/>
+            <p:nvPr/>
+          </p:nvGrpSpPr>
+          <p:grpSpPr>
+            <a:xfrm>
+              <a:off x="301227" y="1686136"/>
+              <a:ext cx="2682053" cy="588662"/>
+              <a:chOff x="301227" y="2348501"/>
+              <a:chExt cx="2682053" cy="588662"/>
+            </a:xfrm>
+          </p:grpSpPr>
+          <p:grpSp>
+            <p:nvGrpSpPr>
+              <p:cNvPr id="27" name="群組 26"/>
+              <p:cNvGrpSpPr/>
+              <p:nvPr/>
+            </p:nvGrpSpPr>
+            <p:grpSpPr>
+              <a:xfrm>
+                <a:off x="301227" y="2348501"/>
+                <a:ext cx="2682053" cy="369332"/>
+                <a:chOff x="1981199" y="2169459"/>
+                <a:chExt cx="2682053" cy="369332"/>
+              </a:xfrm>
+            </p:grpSpPr>
+            <p:sp>
+              <p:nvSpPr>
+                <p:cNvPr id="28" name="文字方塊 27"/>
+                <p:cNvSpPr txBox="1"/>
+                <p:nvPr/>
+              </p:nvSpPr>
+              <p:spPr>
+                <a:xfrm>
+                  <a:off x="1981199" y="2169459"/>
+                  <a:ext cx="418704" cy="369332"/>
+                </a:xfrm>
+                <a:prstGeom prst="rect">
+                  <a:avLst/>
+                </a:prstGeom>
+                <a:noFill/>
+                <a:ln>
+                  <a:solidFill>
+                    <a:srgbClr val="FF0000"/>
+                  </a:solidFill>
+                </a:ln>
+              </p:spPr>
+              <p:txBody>
+                <a:bodyPr wrap="none" rtlCol="0">
+                  <a:spAutoFit/>
+                </a:bodyPr>
+                <a:lstStyle/>
+                <a:p>
+                  <a:r>
+                    <a:rPr lang="en-US" altLang="zh-TW" dirty="0" smtClean="0"/>
+                    <a:t>37</a:t>
+                  </a:r>
+                  <a:endParaRPr lang="zh-TW" altLang="en-US" dirty="0"/>
+                </a:p>
+              </p:txBody>
+            </p:sp>
+            <p:sp>
+              <p:nvSpPr>
+                <p:cNvPr id="29" name="文字方塊 28"/>
+                <p:cNvSpPr txBox="1"/>
+                <p:nvPr/>
+              </p:nvSpPr>
+              <p:spPr>
+                <a:xfrm>
+                  <a:off x="2634800" y="2169459"/>
+                  <a:ext cx="301686" cy="369332"/>
+                </a:xfrm>
+                <a:prstGeom prst="rect">
+                  <a:avLst/>
+                </a:prstGeom>
+                <a:noFill/>
+              </p:spPr>
+              <p:txBody>
+                <a:bodyPr wrap="none" rtlCol="0">
+                  <a:spAutoFit/>
+                </a:bodyPr>
+                <a:lstStyle/>
+                <a:p>
+                  <a:r>
+                    <a:rPr lang="en-US" altLang="zh-TW" u="sng" dirty="0"/>
+                    <a:t>2</a:t>
+                  </a:r>
+                  <a:endParaRPr lang="zh-TW" altLang="en-US" u="sng" dirty="0"/>
+                </a:p>
+              </p:txBody>
+            </p:sp>
+            <p:sp>
+              <p:nvSpPr>
+                <p:cNvPr id="30" name="文字方塊 29"/>
+                <p:cNvSpPr txBox="1"/>
+                <p:nvPr/>
+              </p:nvSpPr>
+              <p:spPr>
+                <a:xfrm>
+                  <a:off x="3171383" y="2169459"/>
+                  <a:ext cx="418704" cy="369332"/>
+                </a:xfrm>
+                <a:prstGeom prst="rect">
+                  <a:avLst/>
+                </a:prstGeom>
+                <a:noFill/>
+              </p:spPr>
+              <p:txBody>
+                <a:bodyPr wrap="none" rtlCol="0">
+                  <a:spAutoFit/>
+                </a:bodyPr>
+                <a:lstStyle/>
+                <a:p>
+                  <a:r>
+                    <a:rPr lang="en-US" altLang="zh-TW" dirty="0" smtClean="0"/>
+                    <a:t>85</a:t>
+                  </a:r>
+                  <a:endParaRPr lang="zh-TW" altLang="en-US" dirty="0"/>
+                </a:p>
+              </p:txBody>
+            </p:sp>
+            <p:sp>
+              <p:nvSpPr>
+                <p:cNvPr id="31" name="文字方塊 30"/>
+                <p:cNvSpPr txBox="1"/>
+                <p:nvPr/>
+              </p:nvSpPr>
+              <p:spPr>
+                <a:xfrm>
+                  <a:off x="3707966" y="2169459"/>
+                  <a:ext cx="301686" cy="369332"/>
+                </a:xfrm>
+                <a:prstGeom prst="rect">
+                  <a:avLst/>
+                </a:prstGeom>
+                <a:noFill/>
+              </p:spPr>
+              <p:txBody>
+                <a:bodyPr wrap="none" rtlCol="0">
+                  <a:spAutoFit/>
+                </a:bodyPr>
+                <a:lstStyle/>
+                <a:p>
+                  <a:r>
+                    <a:rPr lang="en-US" altLang="zh-TW" dirty="0" smtClean="0"/>
+                    <a:t>8</a:t>
+                  </a:r>
+                  <a:endParaRPr lang="zh-TW" altLang="en-US" dirty="0"/>
+                </a:p>
+              </p:txBody>
+            </p:sp>
+            <p:sp>
+              <p:nvSpPr>
+                <p:cNvPr id="32" name="文字方塊 31"/>
+                <p:cNvSpPr txBox="1"/>
+                <p:nvPr/>
+              </p:nvSpPr>
+              <p:spPr>
+                <a:xfrm>
+                  <a:off x="4244548" y="2169459"/>
+                  <a:ext cx="418704" cy="369332"/>
+                </a:xfrm>
+                <a:prstGeom prst="rect">
+                  <a:avLst/>
+                </a:prstGeom>
+                <a:noFill/>
+              </p:spPr>
+              <p:txBody>
+                <a:bodyPr wrap="none" rtlCol="0">
+                  <a:spAutoFit/>
+                </a:bodyPr>
+                <a:lstStyle/>
+                <a:p>
+                  <a:r>
+                    <a:rPr lang="en-US" altLang="zh-TW" dirty="0" smtClean="0"/>
+                    <a:t>10</a:t>
+                  </a:r>
+                  <a:endParaRPr lang="zh-TW" altLang="en-US" dirty="0"/>
+                </a:p>
+              </p:txBody>
+            </p:sp>
+          </p:grpSp>
+          <p:cxnSp>
+            <p:nvCxnSpPr>
+              <p:cNvPr id="33" name="直線單箭頭接點 32"/>
+              <p:cNvCxnSpPr/>
+              <p:nvPr/>
+            </p:nvCxnSpPr>
+            <p:spPr>
+              <a:xfrm>
+                <a:off x="1108477" y="2717833"/>
+                <a:ext cx="0" cy="219330"/>
+              </a:xfrm>
+              <a:prstGeom prst="straightConnector1">
+                <a:avLst/>
+              </a:prstGeom>
+              <a:ln>
+                <a:solidFill>
+                  <a:schemeClr val="tx1"/>
+                </a:solidFill>
+                <a:headEnd type="triangle"/>
+                <a:tailEnd type="none"/>
+              </a:ln>
+            </p:spPr>
+            <p:style>
+              <a:lnRef idx="1">
+                <a:schemeClr val="accent1"/>
+              </a:lnRef>
+              <a:fillRef idx="0">
+                <a:schemeClr val="accent1"/>
+              </a:fillRef>
+              <a:effectRef idx="0">
+                <a:schemeClr val="accent1"/>
+              </a:effectRef>
+              <a:fontRef idx="minor">
+                <a:schemeClr val="tx1"/>
+              </a:fontRef>
+            </p:style>
+          </p:cxnSp>
+        </p:grpSp>
+        <p:grpSp>
+          <p:nvGrpSpPr>
+            <p:cNvPr id="272" name="群組 271"/>
+            <p:cNvGrpSpPr/>
+            <p:nvPr/>
+          </p:nvGrpSpPr>
+          <p:grpSpPr>
+            <a:xfrm>
+              <a:off x="301227" y="2503735"/>
+              <a:ext cx="2682053" cy="612857"/>
+              <a:chOff x="301227" y="3035473"/>
+              <a:chExt cx="2682053" cy="612857"/>
+            </a:xfrm>
+          </p:grpSpPr>
+          <p:grpSp>
+            <p:nvGrpSpPr>
+              <p:cNvPr id="34" name="群組 33"/>
+              <p:cNvGrpSpPr/>
+              <p:nvPr/>
+            </p:nvGrpSpPr>
+            <p:grpSpPr>
+              <a:xfrm>
+                <a:off x="301227" y="3035473"/>
+                <a:ext cx="2682053" cy="369332"/>
+                <a:chOff x="1981199" y="2169459"/>
+                <a:chExt cx="2682053" cy="369332"/>
+              </a:xfrm>
+            </p:grpSpPr>
+            <p:sp>
+              <p:nvSpPr>
+                <p:cNvPr id="35" name="文字方塊 34"/>
+                <p:cNvSpPr txBox="1"/>
+                <p:nvPr/>
+              </p:nvSpPr>
+              <p:spPr>
+                <a:xfrm>
+                  <a:off x="1981199" y="2169459"/>
+                  <a:ext cx="418704" cy="369332"/>
+                </a:xfrm>
+                <a:prstGeom prst="rect">
+                  <a:avLst/>
+                </a:prstGeom>
+                <a:noFill/>
+                <a:ln>
+                  <a:solidFill>
+                    <a:srgbClr val="FF0000"/>
+                  </a:solidFill>
+                </a:ln>
+              </p:spPr>
+              <p:txBody>
+                <a:bodyPr wrap="none" rtlCol="0">
+                  <a:spAutoFit/>
+                </a:bodyPr>
+                <a:lstStyle/>
+                <a:p>
+                  <a:r>
+                    <a:rPr lang="en-US" altLang="zh-TW" dirty="0" smtClean="0"/>
+                    <a:t>37</a:t>
+                  </a:r>
+                  <a:endParaRPr lang="zh-TW" altLang="en-US" dirty="0"/>
+                </a:p>
+              </p:txBody>
+            </p:sp>
+            <p:sp>
+              <p:nvSpPr>
+                <p:cNvPr id="36" name="文字方塊 35"/>
+                <p:cNvSpPr txBox="1"/>
+                <p:nvPr/>
+              </p:nvSpPr>
+              <p:spPr>
+                <a:xfrm>
+                  <a:off x="2634800" y="2169459"/>
+                  <a:ext cx="301686" cy="369332"/>
+                </a:xfrm>
+                <a:prstGeom prst="rect">
+                  <a:avLst/>
+                </a:prstGeom>
+                <a:noFill/>
+              </p:spPr>
+              <p:txBody>
+                <a:bodyPr wrap="none" rtlCol="0">
+                  <a:spAutoFit/>
+                </a:bodyPr>
+                <a:lstStyle/>
+                <a:p>
+                  <a:r>
+                    <a:rPr lang="en-US" altLang="zh-TW" dirty="0"/>
+                    <a:t>2</a:t>
+                  </a:r>
+                  <a:endParaRPr lang="zh-TW" altLang="en-US" dirty="0"/>
+                </a:p>
+              </p:txBody>
+            </p:sp>
+            <p:sp>
+              <p:nvSpPr>
+                <p:cNvPr id="37" name="文字方塊 36"/>
+                <p:cNvSpPr txBox="1"/>
+                <p:nvPr/>
+              </p:nvSpPr>
+              <p:spPr>
+                <a:xfrm>
+                  <a:off x="3171383" y="2169459"/>
+                  <a:ext cx="418704" cy="369332"/>
+                </a:xfrm>
+                <a:prstGeom prst="rect">
+                  <a:avLst/>
+                </a:prstGeom>
+                <a:noFill/>
+              </p:spPr>
+              <p:txBody>
+                <a:bodyPr wrap="none" rtlCol="0">
+                  <a:spAutoFit/>
+                </a:bodyPr>
+                <a:lstStyle/>
+                <a:p>
+                  <a:r>
+                    <a:rPr lang="en-US" altLang="zh-TW" u="sng" dirty="0" smtClean="0"/>
+                    <a:t>85</a:t>
+                  </a:r>
+                  <a:endParaRPr lang="zh-TW" altLang="en-US" u="sng" dirty="0"/>
+                </a:p>
+              </p:txBody>
+            </p:sp>
+            <p:sp>
+              <p:nvSpPr>
+                <p:cNvPr id="38" name="文字方塊 37"/>
+                <p:cNvSpPr txBox="1"/>
+                <p:nvPr/>
+              </p:nvSpPr>
+              <p:spPr>
+                <a:xfrm>
+                  <a:off x="3707966" y="2169459"/>
+                  <a:ext cx="301686" cy="369332"/>
+                </a:xfrm>
+                <a:prstGeom prst="rect">
+                  <a:avLst/>
+                </a:prstGeom>
+                <a:noFill/>
+              </p:spPr>
+              <p:txBody>
+                <a:bodyPr wrap="none" rtlCol="0">
+                  <a:spAutoFit/>
+                </a:bodyPr>
+                <a:lstStyle/>
+                <a:p>
+                  <a:r>
+                    <a:rPr lang="en-US" altLang="zh-TW" dirty="0" smtClean="0"/>
+                    <a:t>8</a:t>
+                  </a:r>
+                  <a:endParaRPr lang="zh-TW" altLang="en-US" dirty="0"/>
+                </a:p>
+              </p:txBody>
+            </p:sp>
+            <p:sp>
+              <p:nvSpPr>
+                <p:cNvPr id="39" name="文字方塊 38"/>
+                <p:cNvSpPr txBox="1"/>
+                <p:nvPr/>
+              </p:nvSpPr>
+              <p:spPr>
+                <a:xfrm>
+                  <a:off x="4244548" y="2169459"/>
+                  <a:ext cx="418704" cy="369332"/>
+                </a:xfrm>
+                <a:prstGeom prst="rect">
+                  <a:avLst/>
+                </a:prstGeom>
+                <a:noFill/>
+              </p:spPr>
+              <p:txBody>
+                <a:bodyPr wrap="none" rtlCol="0">
+                  <a:spAutoFit/>
+                </a:bodyPr>
+                <a:lstStyle/>
+                <a:p>
+                  <a:r>
+                    <a:rPr lang="en-US" altLang="zh-TW" dirty="0" smtClean="0"/>
+                    <a:t>10</a:t>
+                  </a:r>
+                  <a:endParaRPr lang="zh-TW" altLang="en-US" dirty="0"/>
+                </a:p>
+              </p:txBody>
+            </p:sp>
+          </p:grpSp>
+          <p:cxnSp>
+            <p:nvCxnSpPr>
+              <p:cNvPr id="40" name="直線單箭頭接點 39"/>
+              <p:cNvCxnSpPr/>
+              <p:nvPr/>
+            </p:nvCxnSpPr>
+            <p:spPr>
+              <a:xfrm>
+                <a:off x="1108477" y="3429000"/>
+                <a:ext cx="0" cy="219330"/>
+              </a:xfrm>
+              <a:prstGeom prst="straightConnector1">
+                <a:avLst/>
+              </a:prstGeom>
+              <a:ln>
+                <a:solidFill>
+                  <a:schemeClr val="tx1"/>
+                </a:solidFill>
+                <a:headEnd type="triangle"/>
+                <a:tailEnd type="none"/>
+              </a:ln>
+            </p:spPr>
+            <p:style>
+              <a:lnRef idx="1">
+                <a:schemeClr val="accent1"/>
+              </a:lnRef>
+              <a:fillRef idx="0">
+                <a:schemeClr val="accent1"/>
+              </a:fillRef>
+              <a:effectRef idx="0">
+                <a:schemeClr val="accent1"/>
+              </a:effectRef>
+              <a:fontRef idx="minor">
+                <a:schemeClr val="tx1"/>
+              </a:fontRef>
+            </p:style>
+          </p:cxnSp>
+        </p:grpSp>
+        <p:grpSp>
+          <p:nvGrpSpPr>
+            <p:cNvPr id="270" name="群組 269"/>
+            <p:cNvGrpSpPr/>
+            <p:nvPr/>
+          </p:nvGrpSpPr>
+          <p:grpSpPr>
+            <a:xfrm>
+              <a:off x="303627" y="868537"/>
+              <a:ext cx="2682053" cy="588662"/>
+              <a:chOff x="301227" y="1683483"/>
+              <a:chExt cx="2682053" cy="588662"/>
+            </a:xfrm>
+          </p:grpSpPr>
+          <p:grpSp>
+            <p:nvGrpSpPr>
+              <p:cNvPr id="17" name="群組 16"/>
+              <p:cNvGrpSpPr/>
+              <p:nvPr/>
+            </p:nvGrpSpPr>
+            <p:grpSpPr>
+              <a:xfrm>
+                <a:off x="301227" y="1683483"/>
+                <a:ext cx="2682053" cy="369332"/>
+                <a:chOff x="1981199" y="2169459"/>
+                <a:chExt cx="2682053" cy="369332"/>
+              </a:xfrm>
+            </p:grpSpPr>
+            <p:sp>
+              <p:nvSpPr>
+                <p:cNvPr id="19" name="文字方塊 18"/>
+                <p:cNvSpPr txBox="1"/>
+                <p:nvPr/>
+              </p:nvSpPr>
+              <p:spPr>
+                <a:xfrm>
+                  <a:off x="1981199" y="2169459"/>
+                  <a:ext cx="418704" cy="369332"/>
+                </a:xfrm>
+                <a:prstGeom prst="rect">
+                  <a:avLst/>
+                </a:prstGeom>
+                <a:noFill/>
+                <a:ln>
+                  <a:solidFill>
+                    <a:srgbClr val="FF0000"/>
+                  </a:solidFill>
+                </a:ln>
+              </p:spPr>
+              <p:txBody>
+                <a:bodyPr wrap="none" rtlCol="0">
+                  <a:spAutoFit/>
+                </a:bodyPr>
+                <a:lstStyle/>
+                <a:p>
+                  <a:r>
+                    <a:rPr lang="en-US" altLang="zh-TW" dirty="0" smtClean="0"/>
+                    <a:t>37</a:t>
+                  </a:r>
+                  <a:endParaRPr lang="zh-TW" altLang="en-US" dirty="0"/>
+                </a:p>
+              </p:txBody>
+            </p:sp>
+            <p:sp>
+              <p:nvSpPr>
+                <p:cNvPr id="20" name="文字方塊 19"/>
+                <p:cNvSpPr txBox="1"/>
+                <p:nvPr/>
+              </p:nvSpPr>
+              <p:spPr>
+                <a:xfrm>
+                  <a:off x="2634800" y="2169459"/>
+                  <a:ext cx="301686" cy="369332"/>
+                </a:xfrm>
+                <a:prstGeom prst="rect">
+                  <a:avLst/>
+                </a:prstGeom>
+                <a:noFill/>
+              </p:spPr>
+              <p:txBody>
+                <a:bodyPr wrap="none" rtlCol="0">
+                  <a:spAutoFit/>
+                </a:bodyPr>
+                <a:lstStyle/>
+                <a:p>
+                  <a:r>
+                    <a:rPr lang="en-US" altLang="zh-TW" u="sng" dirty="0"/>
+                    <a:t>2</a:t>
+                  </a:r>
+                  <a:endParaRPr lang="zh-TW" altLang="en-US" u="sng" dirty="0"/>
+                </a:p>
+              </p:txBody>
+            </p:sp>
+            <p:sp>
+              <p:nvSpPr>
+                <p:cNvPr id="21" name="文字方塊 20"/>
+                <p:cNvSpPr txBox="1"/>
+                <p:nvPr/>
+              </p:nvSpPr>
+              <p:spPr>
+                <a:xfrm>
+                  <a:off x="3171383" y="2169459"/>
+                  <a:ext cx="418704" cy="369332"/>
+                </a:xfrm>
+                <a:prstGeom prst="rect">
+                  <a:avLst/>
+                </a:prstGeom>
+                <a:noFill/>
+              </p:spPr>
+              <p:txBody>
+                <a:bodyPr wrap="none" rtlCol="0">
+                  <a:spAutoFit/>
+                </a:bodyPr>
+                <a:lstStyle/>
+                <a:p>
+                  <a:r>
+                    <a:rPr lang="en-US" altLang="zh-TW" dirty="0" smtClean="0"/>
+                    <a:t>85</a:t>
+                  </a:r>
+                  <a:endParaRPr lang="zh-TW" altLang="en-US" dirty="0"/>
+                </a:p>
+              </p:txBody>
+            </p:sp>
+            <p:sp>
+              <p:nvSpPr>
+                <p:cNvPr id="22" name="文字方塊 21"/>
+                <p:cNvSpPr txBox="1"/>
+                <p:nvPr/>
+              </p:nvSpPr>
+              <p:spPr>
+                <a:xfrm>
+                  <a:off x="3707966" y="2169459"/>
+                  <a:ext cx="301686" cy="369332"/>
+                </a:xfrm>
+                <a:prstGeom prst="rect">
+                  <a:avLst/>
+                </a:prstGeom>
+                <a:noFill/>
+              </p:spPr>
+              <p:txBody>
+                <a:bodyPr wrap="none" rtlCol="0">
+                  <a:spAutoFit/>
+                </a:bodyPr>
+                <a:lstStyle/>
+                <a:p>
+                  <a:r>
+                    <a:rPr lang="en-US" altLang="zh-TW" dirty="0" smtClean="0"/>
+                    <a:t>8</a:t>
+                  </a:r>
+                  <a:endParaRPr lang="zh-TW" altLang="en-US" dirty="0"/>
+                </a:p>
+              </p:txBody>
+            </p:sp>
+            <p:sp>
+              <p:nvSpPr>
+                <p:cNvPr id="23" name="文字方塊 22"/>
+                <p:cNvSpPr txBox="1"/>
+                <p:nvPr/>
+              </p:nvSpPr>
+              <p:spPr>
+                <a:xfrm>
+                  <a:off x="4244548" y="2169459"/>
+                  <a:ext cx="418704" cy="369332"/>
+                </a:xfrm>
+                <a:prstGeom prst="rect">
+                  <a:avLst/>
+                </a:prstGeom>
+                <a:noFill/>
+              </p:spPr>
+              <p:txBody>
+                <a:bodyPr wrap="none" rtlCol="0">
+                  <a:spAutoFit/>
+                </a:bodyPr>
+                <a:lstStyle/>
+                <a:p>
+                  <a:r>
+                    <a:rPr lang="en-US" altLang="zh-TW" dirty="0" smtClean="0"/>
+                    <a:t>10</a:t>
+                  </a:r>
+                  <a:endParaRPr lang="zh-TW" altLang="en-US" dirty="0"/>
+                </a:p>
+              </p:txBody>
+            </p:sp>
+          </p:grpSp>
+          <p:cxnSp>
+            <p:nvCxnSpPr>
+              <p:cNvPr id="24" name="直線單箭頭接點 23"/>
+              <p:cNvCxnSpPr/>
+              <p:nvPr/>
+            </p:nvCxnSpPr>
+            <p:spPr>
+              <a:xfrm>
+                <a:off x="508114" y="2052815"/>
+                <a:ext cx="0" cy="219330"/>
+              </a:xfrm>
+              <a:prstGeom prst="straightConnector1">
+                <a:avLst/>
+              </a:prstGeom>
+              <a:ln>
+                <a:solidFill>
+                  <a:schemeClr val="tx1"/>
+                </a:solidFill>
+                <a:headEnd type="triangle"/>
+                <a:tailEnd type="none"/>
+              </a:ln>
+            </p:spPr>
+            <p:style>
+              <a:lnRef idx="1">
+                <a:schemeClr val="accent1"/>
+              </a:lnRef>
+              <a:fillRef idx="0">
+                <a:schemeClr val="accent1"/>
+              </a:fillRef>
+              <a:effectRef idx="0">
+                <a:schemeClr val="accent1"/>
+              </a:effectRef>
+              <a:fontRef idx="minor">
+                <a:schemeClr val="tx1"/>
+              </a:fontRef>
+            </p:style>
+          </p:cxnSp>
+          <p:cxnSp>
+            <p:nvCxnSpPr>
+              <p:cNvPr id="57" name="直線單箭頭接點 56"/>
+              <p:cNvCxnSpPr/>
+              <p:nvPr/>
+            </p:nvCxnSpPr>
+            <p:spPr>
+              <a:xfrm>
+                <a:off x="719931" y="2161309"/>
+                <a:ext cx="234897" cy="0"/>
+              </a:xfrm>
+              <a:prstGeom prst="straightConnector1">
+                <a:avLst/>
+              </a:prstGeom>
+              <a:ln>
+                <a:solidFill>
+                  <a:srgbClr val="00B050"/>
+                </a:solidFill>
+                <a:prstDash val="dash"/>
+                <a:tailEnd type="triangle"/>
+              </a:ln>
+            </p:spPr>
+            <p:style>
+              <a:lnRef idx="1">
+                <a:schemeClr val="accent1"/>
+              </a:lnRef>
+              <a:fillRef idx="0">
+                <a:schemeClr val="accent1"/>
+              </a:fillRef>
+              <a:effectRef idx="0">
+                <a:schemeClr val="accent1"/>
+              </a:effectRef>
+              <a:fontRef idx="minor">
+                <a:schemeClr val="tx1"/>
+              </a:fontRef>
+            </p:style>
+          </p:cxnSp>
+          <p:cxnSp>
+            <p:nvCxnSpPr>
+              <p:cNvPr id="67" name="弧形接點 66"/>
+              <p:cNvCxnSpPr>
+                <a:stCxn id="20" idx="1"/>
+                <a:endCxn id="20" idx="3"/>
+              </p:cNvCxnSpPr>
+              <p:nvPr/>
+            </p:nvCxnSpPr>
+            <p:spPr>
+              <a:xfrm rot="10800000" flipH="1">
+                <a:off x="954828" y="1868149"/>
+                <a:ext cx="301686" cy="12700"/>
+              </a:xfrm>
+              <a:prstGeom prst="curvedConnector5">
+                <a:avLst>
+                  <a:gd name="adj1" fmla="val -75774"/>
+                  <a:gd name="adj2" fmla="val 3254063"/>
+                  <a:gd name="adj3" fmla="val 175774"/>
+                </a:avLst>
+              </a:prstGeom>
+              <a:ln>
+                <a:tailEnd type="triangle"/>
+              </a:ln>
+            </p:spPr>
+            <p:style>
+              <a:lnRef idx="1">
+                <a:schemeClr val="accent1"/>
+              </a:lnRef>
+              <a:fillRef idx="0">
+                <a:schemeClr val="accent1"/>
+              </a:fillRef>
+              <a:effectRef idx="0">
+                <a:schemeClr val="accent1"/>
+              </a:effectRef>
+              <a:fontRef idx="minor">
+                <a:schemeClr val="tx1"/>
+              </a:fontRef>
+            </p:style>
+          </p:cxnSp>
+        </p:grpSp>
+        <p:grpSp>
+          <p:nvGrpSpPr>
+            <p:cNvPr id="273" name="群組 272"/>
+            <p:cNvGrpSpPr/>
+            <p:nvPr/>
+          </p:nvGrpSpPr>
+          <p:grpSpPr>
+            <a:xfrm>
+              <a:off x="301227" y="3345529"/>
+              <a:ext cx="2682053" cy="595012"/>
+              <a:chOff x="301227" y="3970627"/>
+              <a:chExt cx="2682053" cy="595012"/>
+            </a:xfrm>
+          </p:grpSpPr>
+          <p:grpSp>
+            <p:nvGrpSpPr>
+              <p:cNvPr id="76" name="群組 75"/>
+              <p:cNvGrpSpPr/>
+              <p:nvPr/>
+            </p:nvGrpSpPr>
+            <p:grpSpPr>
+              <a:xfrm>
+                <a:off x="301227" y="3976977"/>
+                <a:ext cx="2682053" cy="369332"/>
+                <a:chOff x="1981199" y="2169459"/>
+                <a:chExt cx="2682053" cy="369332"/>
+              </a:xfrm>
+            </p:grpSpPr>
+            <p:sp>
+              <p:nvSpPr>
+                <p:cNvPr id="77" name="文字方塊 76"/>
+                <p:cNvSpPr txBox="1"/>
+                <p:nvPr/>
+              </p:nvSpPr>
+              <p:spPr>
+                <a:xfrm>
+                  <a:off x="1981199" y="2169459"/>
+                  <a:ext cx="418704" cy="369332"/>
+                </a:xfrm>
+                <a:prstGeom prst="rect">
+                  <a:avLst/>
+                </a:prstGeom>
+                <a:noFill/>
+                <a:ln>
+                  <a:solidFill>
+                    <a:srgbClr val="FF0000"/>
+                  </a:solidFill>
+                </a:ln>
+              </p:spPr>
+              <p:txBody>
+                <a:bodyPr wrap="none" rtlCol="0">
+                  <a:spAutoFit/>
+                </a:bodyPr>
+                <a:lstStyle/>
+                <a:p>
+                  <a:r>
+                    <a:rPr lang="en-US" altLang="zh-TW" dirty="0" smtClean="0"/>
+                    <a:t>37</a:t>
+                  </a:r>
+                  <a:endParaRPr lang="zh-TW" altLang="en-US" dirty="0"/>
+                </a:p>
+              </p:txBody>
+            </p:sp>
+            <p:sp>
+              <p:nvSpPr>
+                <p:cNvPr id="78" name="文字方塊 77"/>
+                <p:cNvSpPr txBox="1"/>
+                <p:nvPr/>
+              </p:nvSpPr>
+              <p:spPr>
+                <a:xfrm>
+                  <a:off x="2634800" y="2169459"/>
+                  <a:ext cx="301686" cy="369332"/>
+                </a:xfrm>
+                <a:prstGeom prst="rect">
+                  <a:avLst/>
+                </a:prstGeom>
+                <a:noFill/>
+              </p:spPr>
+              <p:txBody>
+                <a:bodyPr wrap="none" rtlCol="0">
+                  <a:spAutoFit/>
+                </a:bodyPr>
+                <a:lstStyle/>
+                <a:p>
+                  <a:r>
+                    <a:rPr lang="en-US" altLang="zh-TW" dirty="0"/>
+                    <a:t>2</a:t>
+                  </a:r>
+                  <a:endParaRPr lang="zh-TW" altLang="en-US" dirty="0"/>
+                </a:p>
+              </p:txBody>
+            </p:sp>
+            <p:sp>
+              <p:nvSpPr>
+                <p:cNvPr id="79" name="文字方塊 78"/>
+                <p:cNvSpPr txBox="1"/>
+                <p:nvPr/>
+              </p:nvSpPr>
+              <p:spPr>
+                <a:xfrm>
+                  <a:off x="3171383" y="2169459"/>
+                  <a:ext cx="418704" cy="369332"/>
+                </a:xfrm>
+                <a:prstGeom prst="rect">
+                  <a:avLst/>
+                </a:prstGeom>
+                <a:noFill/>
+              </p:spPr>
+              <p:txBody>
+                <a:bodyPr wrap="none" rtlCol="0">
+                  <a:spAutoFit/>
+                </a:bodyPr>
+                <a:lstStyle/>
+                <a:p>
+                  <a:r>
+                    <a:rPr lang="en-US" altLang="zh-TW" dirty="0" smtClean="0"/>
+                    <a:t>85</a:t>
+                  </a:r>
+                  <a:endParaRPr lang="zh-TW" altLang="en-US" dirty="0"/>
+                </a:p>
+              </p:txBody>
+            </p:sp>
+            <p:sp>
+              <p:nvSpPr>
+                <p:cNvPr id="80" name="文字方塊 79"/>
+                <p:cNvSpPr txBox="1"/>
+                <p:nvPr/>
+              </p:nvSpPr>
+              <p:spPr>
+                <a:xfrm>
+                  <a:off x="3707966" y="2169459"/>
+                  <a:ext cx="301686" cy="369332"/>
+                </a:xfrm>
+                <a:prstGeom prst="rect">
+                  <a:avLst/>
+                </a:prstGeom>
+                <a:noFill/>
+              </p:spPr>
+              <p:txBody>
+                <a:bodyPr wrap="none" rtlCol="0">
+                  <a:spAutoFit/>
+                </a:bodyPr>
+                <a:lstStyle/>
+                <a:p>
+                  <a:r>
+                    <a:rPr lang="en-US" altLang="zh-TW" u="sng" dirty="0" smtClean="0"/>
+                    <a:t>8</a:t>
+                  </a:r>
+                  <a:endParaRPr lang="zh-TW" altLang="en-US" u="sng" dirty="0"/>
+                </a:p>
+              </p:txBody>
+            </p:sp>
+            <p:sp>
+              <p:nvSpPr>
+                <p:cNvPr id="81" name="文字方塊 80"/>
+                <p:cNvSpPr txBox="1"/>
+                <p:nvPr/>
+              </p:nvSpPr>
+              <p:spPr>
+                <a:xfrm>
+                  <a:off x="4244548" y="2169459"/>
+                  <a:ext cx="418704" cy="369332"/>
+                </a:xfrm>
+                <a:prstGeom prst="rect">
+                  <a:avLst/>
+                </a:prstGeom>
+                <a:noFill/>
+              </p:spPr>
+              <p:txBody>
+                <a:bodyPr wrap="none" rtlCol="0">
+                  <a:spAutoFit/>
+                </a:bodyPr>
+                <a:lstStyle/>
+                <a:p>
+                  <a:r>
+                    <a:rPr lang="en-US" altLang="zh-TW" dirty="0" smtClean="0"/>
+                    <a:t>10</a:t>
+                  </a:r>
+                  <a:endParaRPr lang="zh-TW" altLang="en-US" dirty="0"/>
+                </a:p>
+              </p:txBody>
+            </p:sp>
+          </p:grpSp>
+          <p:cxnSp>
+            <p:nvCxnSpPr>
+              <p:cNvPr id="82" name="直線單箭頭接點 81"/>
+              <p:cNvCxnSpPr/>
+              <p:nvPr/>
+            </p:nvCxnSpPr>
+            <p:spPr>
+              <a:xfrm>
+                <a:off x="1111928" y="4346309"/>
+                <a:ext cx="0" cy="219330"/>
+              </a:xfrm>
+              <a:prstGeom prst="straightConnector1">
+                <a:avLst/>
+              </a:prstGeom>
+              <a:ln>
+                <a:solidFill>
+                  <a:schemeClr val="tx1"/>
+                </a:solidFill>
+                <a:headEnd type="triangle"/>
+                <a:tailEnd type="none"/>
+              </a:ln>
+            </p:spPr>
+            <p:style>
+              <a:lnRef idx="1">
+                <a:schemeClr val="accent1"/>
+              </a:lnRef>
+              <a:fillRef idx="0">
+                <a:schemeClr val="accent1"/>
+              </a:fillRef>
+              <a:effectRef idx="0">
+                <a:schemeClr val="accent1"/>
+              </a:effectRef>
+              <a:fontRef idx="minor">
+                <a:schemeClr val="tx1"/>
+              </a:fontRef>
+            </p:style>
+          </p:cxnSp>
+          <p:cxnSp>
+            <p:nvCxnSpPr>
+              <p:cNvPr id="85" name="弧形接點 84"/>
+              <p:cNvCxnSpPr>
+                <a:stCxn id="79" idx="0"/>
+                <a:endCxn id="80" idx="0"/>
+              </p:cNvCxnSpPr>
+              <p:nvPr/>
+            </p:nvCxnSpPr>
+            <p:spPr>
+              <a:xfrm rot="5400000" flipH="1" flipV="1">
+                <a:off x="1939800" y="3737940"/>
+                <a:ext cx="12700" cy="478074"/>
+              </a:xfrm>
+              <a:prstGeom prst="curvedConnector3">
+                <a:avLst>
+                  <a:gd name="adj1" fmla="val 1800000"/>
+                </a:avLst>
+              </a:prstGeom>
+              <a:ln>
+                <a:headEnd type="triangle"/>
+                <a:tailEnd type="triangle"/>
+              </a:ln>
+            </p:spPr>
+            <p:style>
+              <a:lnRef idx="1">
+                <a:schemeClr val="accent1"/>
+              </a:lnRef>
+              <a:fillRef idx="0">
+                <a:schemeClr val="accent1"/>
+              </a:fillRef>
+              <a:effectRef idx="0">
+                <a:schemeClr val="accent1"/>
+              </a:effectRef>
+              <a:fontRef idx="minor">
+                <a:schemeClr val="tx1"/>
+              </a:fontRef>
+            </p:style>
+          </p:cxnSp>
+          <p:cxnSp>
+            <p:nvCxnSpPr>
+              <p:cNvPr id="88" name="直線單箭頭接點 87"/>
+              <p:cNvCxnSpPr/>
+              <p:nvPr/>
+            </p:nvCxnSpPr>
+            <p:spPr>
+              <a:xfrm>
+                <a:off x="1284222" y="4476902"/>
+                <a:ext cx="234897" cy="0"/>
+              </a:xfrm>
+              <a:prstGeom prst="straightConnector1">
+                <a:avLst/>
+              </a:prstGeom>
+              <a:ln>
+                <a:solidFill>
+                  <a:srgbClr val="00B050"/>
+                </a:solidFill>
+                <a:prstDash val="dash"/>
+                <a:tailEnd type="triangle"/>
+              </a:ln>
+            </p:spPr>
+            <p:style>
+              <a:lnRef idx="1">
+                <a:schemeClr val="accent1"/>
+              </a:lnRef>
+              <a:fillRef idx="0">
+                <a:schemeClr val="accent1"/>
+              </a:fillRef>
+              <a:effectRef idx="0">
+                <a:schemeClr val="accent1"/>
+              </a:effectRef>
+              <a:fontRef idx="minor">
+                <a:schemeClr val="tx1"/>
+              </a:fontRef>
+            </p:style>
+          </p:cxnSp>
+        </p:grpSp>
+        <p:grpSp>
+          <p:nvGrpSpPr>
+            <p:cNvPr id="274" name="群組 273"/>
+            <p:cNvGrpSpPr/>
+            <p:nvPr/>
+          </p:nvGrpSpPr>
+          <p:grpSpPr>
+            <a:xfrm>
+              <a:off x="301227" y="4169478"/>
+              <a:ext cx="2682053" cy="588662"/>
+              <a:chOff x="301227" y="4854975"/>
+              <a:chExt cx="2682053" cy="588662"/>
+            </a:xfrm>
+          </p:grpSpPr>
+          <p:grpSp>
+            <p:nvGrpSpPr>
+              <p:cNvPr id="89" name="群組 88"/>
+              <p:cNvGrpSpPr/>
+              <p:nvPr/>
+            </p:nvGrpSpPr>
+            <p:grpSpPr>
+              <a:xfrm>
+                <a:off x="301227" y="4854975"/>
+                <a:ext cx="2682053" cy="369332"/>
+                <a:chOff x="1981199" y="2169459"/>
+                <a:chExt cx="2682053" cy="369332"/>
+              </a:xfrm>
+            </p:grpSpPr>
+            <p:sp>
+              <p:nvSpPr>
+                <p:cNvPr id="90" name="文字方塊 89"/>
+                <p:cNvSpPr txBox="1"/>
+                <p:nvPr/>
+              </p:nvSpPr>
+              <p:spPr>
+                <a:xfrm>
+                  <a:off x="1981199" y="2169459"/>
+                  <a:ext cx="418704" cy="369332"/>
+                </a:xfrm>
+                <a:prstGeom prst="rect">
+                  <a:avLst/>
+                </a:prstGeom>
+                <a:noFill/>
+                <a:ln>
+                  <a:solidFill>
+                    <a:srgbClr val="FF0000"/>
+                  </a:solidFill>
+                </a:ln>
+              </p:spPr>
+              <p:txBody>
+                <a:bodyPr wrap="none" rtlCol="0">
+                  <a:spAutoFit/>
+                </a:bodyPr>
+                <a:lstStyle/>
+                <a:p>
+                  <a:r>
+                    <a:rPr lang="en-US" altLang="zh-TW" dirty="0" smtClean="0"/>
+                    <a:t>37</a:t>
+                  </a:r>
+                  <a:endParaRPr lang="zh-TW" altLang="en-US" dirty="0"/>
+                </a:p>
+              </p:txBody>
+            </p:sp>
+            <p:sp>
+              <p:nvSpPr>
+                <p:cNvPr id="91" name="文字方塊 90"/>
+                <p:cNvSpPr txBox="1"/>
+                <p:nvPr/>
+              </p:nvSpPr>
+              <p:spPr>
+                <a:xfrm>
+                  <a:off x="2634800" y="2169459"/>
+                  <a:ext cx="301686" cy="369332"/>
+                </a:xfrm>
+                <a:prstGeom prst="rect">
+                  <a:avLst/>
+                </a:prstGeom>
+                <a:noFill/>
+              </p:spPr>
+              <p:txBody>
+                <a:bodyPr wrap="none" rtlCol="0">
+                  <a:spAutoFit/>
+                </a:bodyPr>
+                <a:lstStyle/>
+                <a:p>
+                  <a:r>
+                    <a:rPr lang="en-US" altLang="zh-TW" dirty="0"/>
+                    <a:t>2</a:t>
+                  </a:r>
+                  <a:endParaRPr lang="zh-TW" altLang="en-US" dirty="0"/>
+                </a:p>
+              </p:txBody>
+            </p:sp>
+            <p:sp>
+              <p:nvSpPr>
+                <p:cNvPr id="92" name="文字方塊 91"/>
+                <p:cNvSpPr txBox="1"/>
+                <p:nvPr/>
+              </p:nvSpPr>
+              <p:spPr>
+                <a:xfrm>
+                  <a:off x="3171383" y="2169459"/>
+                  <a:ext cx="301686" cy="369332"/>
+                </a:xfrm>
+                <a:prstGeom prst="rect">
+                  <a:avLst/>
+                </a:prstGeom>
+                <a:noFill/>
+              </p:spPr>
+              <p:txBody>
+                <a:bodyPr wrap="none" rtlCol="0">
+                  <a:spAutoFit/>
+                </a:bodyPr>
+                <a:lstStyle/>
+                <a:p>
+                  <a:r>
+                    <a:rPr lang="en-US" altLang="zh-TW" dirty="0" smtClean="0"/>
+                    <a:t>8</a:t>
+                  </a:r>
+                  <a:endParaRPr lang="zh-TW" altLang="en-US" dirty="0"/>
+                </a:p>
+              </p:txBody>
+            </p:sp>
+            <p:sp>
+              <p:nvSpPr>
+                <p:cNvPr id="93" name="文字方塊 92"/>
+                <p:cNvSpPr txBox="1"/>
+                <p:nvPr/>
+              </p:nvSpPr>
+              <p:spPr>
+                <a:xfrm>
+                  <a:off x="3707966" y="2169459"/>
+                  <a:ext cx="418704" cy="369332"/>
+                </a:xfrm>
+                <a:prstGeom prst="rect">
+                  <a:avLst/>
+                </a:prstGeom>
+                <a:noFill/>
+              </p:spPr>
+              <p:txBody>
+                <a:bodyPr wrap="none" rtlCol="0">
+                  <a:spAutoFit/>
+                </a:bodyPr>
+                <a:lstStyle/>
+                <a:p>
+                  <a:r>
+                    <a:rPr lang="en-US" altLang="zh-TW" u="sng" dirty="0" smtClean="0"/>
+                    <a:t>85</a:t>
+                  </a:r>
+                  <a:endParaRPr lang="zh-TW" altLang="en-US" u="sng" dirty="0"/>
+                </a:p>
+              </p:txBody>
+            </p:sp>
+            <p:sp>
+              <p:nvSpPr>
+                <p:cNvPr id="94" name="文字方塊 93"/>
+                <p:cNvSpPr txBox="1"/>
+                <p:nvPr/>
+              </p:nvSpPr>
+              <p:spPr>
+                <a:xfrm>
+                  <a:off x="4244548" y="2169459"/>
+                  <a:ext cx="418704" cy="369332"/>
+                </a:xfrm>
+                <a:prstGeom prst="rect">
+                  <a:avLst/>
+                </a:prstGeom>
+                <a:noFill/>
+              </p:spPr>
+              <p:txBody>
+                <a:bodyPr wrap="none" rtlCol="0">
+                  <a:spAutoFit/>
+                </a:bodyPr>
+                <a:lstStyle/>
+                <a:p>
+                  <a:r>
+                    <a:rPr lang="en-US" altLang="zh-TW" dirty="0" smtClean="0"/>
+                    <a:t>10</a:t>
+                  </a:r>
+                  <a:endParaRPr lang="zh-TW" altLang="en-US" dirty="0"/>
+                </a:p>
+              </p:txBody>
+            </p:sp>
+          </p:grpSp>
+          <p:cxnSp>
+            <p:nvCxnSpPr>
+              <p:cNvPr id="95" name="直線單箭頭接點 94"/>
+              <p:cNvCxnSpPr/>
+              <p:nvPr/>
+            </p:nvCxnSpPr>
+            <p:spPr>
+              <a:xfrm>
+                <a:off x="1642254" y="5224307"/>
+                <a:ext cx="0" cy="219330"/>
+              </a:xfrm>
+              <a:prstGeom prst="straightConnector1">
+                <a:avLst/>
+              </a:prstGeom>
+              <a:ln>
+                <a:solidFill>
+                  <a:schemeClr val="tx1"/>
+                </a:solidFill>
+                <a:headEnd type="triangle"/>
+                <a:tailEnd type="none"/>
+              </a:ln>
+            </p:spPr>
+            <p:style>
+              <a:lnRef idx="1">
+                <a:schemeClr val="accent1"/>
+              </a:lnRef>
+              <a:fillRef idx="0">
+                <a:schemeClr val="accent1"/>
+              </a:fillRef>
+              <a:effectRef idx="0">
+                <a:schemeClr val="accent1"/>
+              </a:effectRef>
+              <a:fontRef idx="minor">
+                <a:schemeClr val="tx1"/>
+              </a:fontRef>
+            </p:style>
+          </p:cxnSp>
+        </p:grpSp>
+        <p:grpSp>
+          <p:nvGrpSpPr>
+            <p:cNvPr id="275" name="群組 274"/>
+            <p:cNvGrpSpPr/>
+            <p:nvPr/>
+          </p:nvGrpSpPr>
+          <p:grpSpPr>
+            <a:xfrm>
+              <a:off x="301227" y="4987077"/>
+              <a:ext cx="2682053" cy="595012"/>
+              <a:chOff x="301227" y="5568508"/>
+              <a:chExt cx="2682053" cy="595012"/>
+            </a:xfrm>
+          </p:grpSpPr>
+          <p:grpSp>
+            <p:nvGrpSpPr>
+              <p:cNvPr id="101" name="群組 100"/>
+              <p:cNvGrpSpPr/>
+              <p:nvPr/>
+            </p:nvGrpSpPr>
+            <p:grpSpPr>
+              <a:xfrm>
+                <a:off x="301227" y="5574858"/>
+                <a:ext cx="2682053" cy="369332"/>
+                <a:chOff x="1981199" y="2169459"/>
+                <a:chExt cx="2682053" cy="369332"/>
+              </a:xfrm>
+            </p:grpSpPr>
+            <p:sp>
+              <p:nvSpPr>
+                <p:cNvPr id="102" name="文字方塊 101"/>
+                <p:cNvSpPr txBox="1"/>
+                <p:nvPr/>
+              </p:nvSpPr>
+              <p:spPr>
+                <a:xfrm>
+                  <a:off x="1981199" y="2169459"/>
+                  <a:ext cx="418704" cy="369332"/>
+                </a:xfrm>
+                <a:prstGeom prst="rect">
+                  <a:avLst/>
+                </a:prstGeom>
+                <a:noFill/>
+                <a:ln>
+                  <a:solidFill>
+                    <a:srgbClr val="FF0000"/>
+                  </a:solidFill>
+                </a:ln>
+              </p:spPr>
+              <p:txBody>
+                <a:bodyPr wrap="none" rtlCol="0">
+                  <a:spAutoFit/>
+                </a:bodyPr>
+                <a:lstStyle/>
+                <a:p>
+                  <a:r>
+                    <a:rPr lang="en-US" altLang="zh-TW" dirty="0" smtClean="0"/>
+                    <a:t>37</a:t>
+                  </a:r>
+                  <a:endParaRPr lang="zh-TW" altLang="en-US" dirty="0"/>
+                </a:p>
+              </p:txBody>
+            </p:sp>
+            <p:sp>
+              <p:nvSpPr>
+                <p:cNvPr id="103" name="文字方塊 102"/>
+                <p:cNvSpPr txBox="1"/>
+                <p:nvPr/>
+              </p:nvSpPr>
+              <p:spPr>
+                <a:xfrm>
+                  <a:off x="2634800" y="2169459"/>
+                  <a:ext cx="301686" cy="369332"/>
+                </a:xfrm>
+                <a:prstGeom prst="rect">
+                  <a:avLst/>
+                </a:prstGeom>
+                <a:noFill/>
+              </p:spPr>
+              <p:txBody>
+                <a:bodyPr wrap="none" rtlCol="0">
+                  <a:spAutoFit/>
+                </a:bodyPr>
+                <a:lstStyle/>
+                <a:p>
+                  <a:r>
+                    <a:rPr lang="en-US" altLang="zh-TW" dirty="0"/>
+                    <a:t>2</a:t>
+                  </a:r>
+                  <a:endParaRPr lang="zh-TW" altLang="en-US" dirty="0"/>
+                </a:p>
+              </p:txBody>
+            </p:sp>
+            <p:sp>
+              <p:nvSpPr>
+                <p:cNvPr id="104" name="文字方塊 103"/>
+                <p:cNvSpPr txBox="1"/>
+                <p:nvPr/>
+              </p:nvSpPr>
+              <p:spPr>
+                <a:xfrm>
+                  <a:off x="3171383" y="2169459"/>
+                  <a:ext cx="301686" cy="369332"/>
+                </a:xfrm>
+                <a:prstGeom prst="rect">
+                  <a:avLst/>
+                </a:prstGeom>
+                <a:noFill/>
+              </p:spPr>
+              <p:txBody>
+                <a:bodyPr wrap="none" rtlCol="0">
+                  <a:spAutoFit/>
+                </a:bodyPr>
+                <a:lstStyle/>
+                <a:p>
+                  <a:r>
+                    <a:rPr lang="en-US" altLang="zh-TW" dirty="0" smtClean="0"/>
+                    <a:t>8</a:t>
+                  </a:r>
+                  <a:endParaRPr lang="zh-TW" altLang="en-US" dirty="0"/>
+                </a:p>
+              </p:txBody>
+            </p:sp>
+            <p:sp>
+              <p:nvSpPr>
+                <p:cNvPr id="105" name="文字方塊 104"/>
+                <p:cNvSpPr txBox="1"/>
+                <p:nvPr/>
+              </p:nvSpPr>
+              <p:spPr>
+                <a:xfrm>
+                  <a:off x="3707966" y="2169459"/>
+                  <a:ext cx="418704" cy="369332"/>
+                </a:xfrm>
+                <a:prstGeom prst="rect">
+                  <a:avLst/>
+                </a:prstGeom>
+                <a:noFill/>
+              </p:spPr>
+              <p:txBody>
+                <a:bodyPr wrap="none" rtlCol="0">
+                  <a:spAutoFit/>
+                </a:bodyPr>
+                <a:lstStyle/>
+                <a:p>
+                  <a:r>
+                    <a:rPr lang="en-US" altLang="zh-TW" dirty="0" smtClean="0"/>
+                    <a:t>85</a:t>
+                  </a:r>
+                  <a:endParaRPr lang="zh-TW" altLang="en-US" dirty="0"/>
+                </a:p>
+              </p:txBody>
+            </p:sp>
+            <p:sp>
+              <p:nvSpPr>
+                <p:cNvPr id="106" name="文字方塊 105"/>
+                <p:cNvSpPr txBox="1"/>
+                <p:nvPr/>
+              </p:nvSpPr>
+              <p:spPr>
+                <a:xfrm>
+                  <a:off x="4244548" y="2169459"/>
+                  <a:ext cx="418704" cy="369332"/>
+                </a:xfrm>
+                <a:prstGeom prst="rect">
+                  <a:avLst/>
+                </a:prstGeom>
+                <a:noFill/>
+              </p:spPr>
+              <p:txBody>
+                <a:bodyPr wrap="none" rtlCol="0">
+                  <a:spAutoFit/>
+                </a:bodyPr>
+                <a:lstStyle/>
+                <a:p>
+                  <a:r>
+                    <a:rPr lang="en-US" altLang="zh-TW" u="sng" dirty="0" smtClean="0"/>
+                    <a:t>10</a:t>
+                  </a:r>
+                  <a:endParaRPr lang="zh-TW" altLang="en-US" u="sng" dirty="0"/>
+                </a:p>
+              </p:txBody>
+            </p:sp>
+          </p:grpSp>
+          <p:cxnSp>
+            <p:nvCxnSpPr>
+              <p:cNvPr id="107" name="直線單箭頭接點 106"/>
+              <p:cNvCxnSpPr/>
+              <p:nvPr/>
+            </p:nvCxnSpPr>
+            <p:spPr>
+              <a:xfrm>
+                <a:off x="1642254" y="5944190"/>
+                <a:ext cx="0" cy="219330"/>
+              </a:xfrm>
+              <a:prstGeom prst="straightConnector1">
+                <a:avLst/>
+              </a:prstGeom>
+              <a:ln>
+                <a:solidFill>
+                  <a:schemeClr val="tx1"/>
+                </a:solidFill>
+                <a:headEnd type="triangle"/>
+                <a:tailEnd type="none"/>
+              </a:ln>
+            </p:spPr>
+            <p:style>
+              <a:lnRef idx="1">
+                <a:schemeClr val="accent1"/>
+              </a:lnRef>
+              <a:fillRef idx="0">
+                <a:schemeClr val="accent1"/>
+              </a:fillRef>
+              <a:effectRef idx="0">
+                <a:schemeClr val="accent1"/>
+              </a:effectRef>
+              <a:fontRef idx="minor">
+                <a:schemeClr val="tx1"/>
+              </a:fontRef>
+            </p:style>
+          </p:cxnSp>
+          <p:cxnSp>
+            <p:nvCxnSpPr>
+              <p:cNvPr id="108" name="直線單箭頭接點 107"/>
+              <p:cNvCxnSpPr/>
+              <p:nvPr/>
+            </p:nvCxnSpPr>
+            <p:spPr>
+              <a:xfrm>
+                <a:off x="1799646" y="6065556"/>
+                <a:ext cx="234897" cy="0"/>
+              </a:xfrm>
+              <a:prstGeom prst="straightConnector1">
+                <a:avLst/>
+              </a:prstGeom>
+              <a:ln>
+                <a:solidFill>
+                  <a:srgbClr val="00B050"/>
+                </a:solidFill>
+                <a:prstDash val="dash"/>
+                <a:tailEnd type="triangle"/>
+              </a:ln>
+            </p:spPr>
+            <p:style>
+              <a:lnRef idx="1">
+                <a:schemeClr val="accent1"/>
+              </a:lnRef>
+              <a:fillRef idx="0">
+                <a:schemeClr val="accent1"/>
+              </a:fillRef>
+              <a:effectRef idx="0">
+                <a:schemeClr val="accent1"/>
+              </a:effectRef>
+              <a:fontRef idx="minor">
+                <a:schemeClr val="tx1"/>
+              </a:fontRef>
+            </p:style>
+          </p:cxnSp>
+          <p:cxnSp>
+            <p:nvCxnSpPr>
+              <p:cNvPr id="109" name="弧形接點 108"/>
+              <p:cNvCxnSpPr>
+                <a:stCxn id="105" idx="0"/>
+                <a:endCxn id="106" idx="0"/>
+              </p:cNvCxnSpPr>
+              <p:nvPr/>
+            </p:nvCxnSpPr>
+            <p:spPr>
+              <a:xfrm rot="5400000" flipH="1" flipV="1">
+                <a:off x="2505637" y="5306567"/>
+                <a:ext cx="12700" cy="536582"/>
+              </a:xfrm>
+              <a:prstGeom prst="curvedConnector3">
+                <a:avLst>
+                  <a:gd name="adj1" fmla="val 1800000"/>
+                </a:avLst>
+              </a:prstGeom>
+              <a:ln>
+                <a:headEnd type="triangle"/>
+                <a:tailEnd type="triangle"/>
+              </a:ln>
+            </p:spPr>
+            <p:style>
+              <a:lnRef idx="1">
+                <a:schemeClr val="accent1"/>
+              </a:lnRef>
+              <a:fillRef idx="0">
+                <a:schemeClr val="accent1"/>
+              </a:fillRef>
+              <a:effectRef idx="0">
+                <a:schemeClr val="accent1"/>
+              </a:effectRef>
+              <a:fontRef idx="minor">
+                <a:schemeClr val="tx1"/>
+              </a:fontRef>
+            </p:style>
+          </p:cxnSp>
+        </p:grpSp>
+        <p:grpSp>
+          <p:nvGrpSpPr>
+            <p:cNvPr id="276" name="群組 275"/>
+            <p:cNvGrpSpPr/>
+            <p:nvPr/>
+          </p:nvGrpSpPr>
+          <p:grpSpPr>
+            <a:xfrm>
+              <a:off x="283085" y="5811026"/>
+              <a:ext cx="2682053" cy="588662"/>
+              <a:chOff x="3413947" y="1683483"/>
+              <a:chExt cx="2682053" cy="588662"/>
+            </a:xfrm>
+          </p:grpSpPr>
+          <p:grpSp>
+            <p:nvGrpSpPr>
+              <p:cNvPr id="112" name="群組 111"/>
+              <p:cNvGrpSpPr/>
+              <p:nvPr/>
+            </p:nvGrpSpPr>
+            <p:grpSpPr>
+              <a:xfrm>
+                <a:off x="3413947" y="1683483"/>
+                <a:ext cx="2682053" cy="369332"/>
+                <a:chOff x="1981199" y="2169459"/>
+                <a:chExt cx="2682053" cy="369332"/>
+              </a:xfrm>
+            </p:grpSpPr>
+            <p:sp>
+              <p:nvSpPr>
+                <p:cNvPr id="113" name="文字方塊 112"/>
+                <p:cNvSpPr txBox="1"/>
+                <p:nvPr/>
+              </p:nvSpPr>
+              <p:spPr>
+                <a:xfrm>
+                  <a:off x="1981199" y="2169459"/>
+                  <a:ext cx="418704" cy="369332"/>
+                </a:xfrm>
+                <a:prstGeom prst="rect">
+                  <a:avLst/>
+                </a:prstGeom>
+                <a:noFill/>
+                <a:ln>
+                  <a:solidFill>
+                    <a:srgbClr val="FF0000"/>
+                  </a:solidFill>
+                </a:ln>
+              </p:spPr>
+              <p:txBody>
+                <a:bodyPr wrap="none" rtlCol="0">
+                  <a:spAutoFit/>
+                </a:bodyPr>
+                <a:lstStyle/>
+                <a:p>
+                  <a:r>
+                    <a:rPr lang="en-US" altLang="zh-TW" dirty="0" smtClean="0"/>
+                    <a:t>37</a:t>
+                  </a:r>
+                  <a:endParaRPr lang="zh-TW" altLang="en-US" dirty="0"/>
+                </a:p>
+              </p:txBody>
+            </p:sp>
+            <p:sp>
+              <p:nvSpPr>
+                <p:cNvPr id="114" name="文字方塊 113"/>
+                <p:cNvSpPr txBox="1"/>
+                <p:nvPr/>
+              </p:nvSpPr>
+              <p:spPr>
+                <a:xfrm>
+                  <a:off x="2634800" y="2169459"/>
+                  <a:ext cx="301686" cy="369332"/>
+                </a:xfrm>
+                <a:prstGeom prst="rect">
+                  <a:avLst/>
+                </a:prstGeom>
+                <a:noFill/>
+              </p:spPr>
+              <p:txBody>
+                <a:bodyPr wrap="none" rtlCol="0">
+                  <a:spAutoFit/>
+                </a:bodyPr>
+                <a:lstStyle/>
+                <a:p>
+                  <a:r>
+                    <a:rPr lang="en-US" altLang="zh-TW" dirty="0"/>
+                    <a:t>2</a:t>
+                  </a:r>
+                  <a:endParaRPr lang="zh-TW" altLang="en-US" dirty="0"/>
+                </a:p>
+              </p:txBody>
+            </p:sp>
+            <p:sp>
+              <p:nvSpPr>
+                <p:cNvPr id="115" name="文字方塊 114"/>
+                <p:cNvSpPr txBox="1"/>
+                <p:nvPr/>
+              </p:nvSpPr>
+              <p:spPr>
+                <a:xfrm>
+                  <a:off x="3171383" y="2169459"/>
+                  <a:ext cx="301686" cy="369332"/>
+                </a:xfrm>
+                <a:prstGeom prst="rect">
+                  <a:avLst/>
+                </a:prstGeom>
+                <a:noFill/>
+              </p:spPr>
+              <p:txBody>
+                <a:bodyPr wrap="none" rtlCol="0">
+                  <a:spAutoFit/>
+                </a:bodyPr>
+                <a:lstStyle/>
+                <a:p>
+                  <a:r>
+                    <a:rPr lang="en-US" altLang="zh-TW" dirty="0" smtClean="0"/>
+                    <a:t>8</a:t>
+                  </a:r>
+                  <a:endParaRPr lang="zh-TW" altLang="en-US" dirty="0"/>
+                </a:p>
+              </p:txBody>
+            </p:sp>
+            <p:sp>
+              <p:nvSpPr>
+                <p:cNvPr id="116" name="文字方塊 115"/>
+                <p:cNvSpPr txBox="1"/>
+                <p:nvPr/>
+              </p:nvSpPr>
+              <p:spPr>
+                <a:xfrm>
+                  <a:off x="3707966" y="2169459"/>
+                  <a:ext cx="418704" cy="369332"/>
+                </a:xfrm>
+                <a:prstGeom prst="rect">
+                  <a:avLst/>
+                </a:prstGeom>
+                <a:noFill/>
+              </p:spPr>
+              <p:txBody>
+                <a:bodyPr wrap="none" rtlCol="0">
+                  <a:spAutoFit/>
+                </a:bodyPr>
+                <a:lstStyle/>
+                <a:p>
+                  <a:r>
+                    <a:rPr lang="en-US" altLang="zh-TW" dirty="0" smtClean="0"/>
+                    <a:t>10</a:t>
+                  </a:r>
+                  <a:endParaRPr lang="zh-TW" altLang="en-US" dirty="0"/>
+                </a:p>
+              </p:txBody>
+            </p:sp>
+            <p:sp>
+              <p:nvSpPr>
+                <p:cNvPr id="117" name="文字方塊 116"/>
+                <p:cNvSpPr txBox="1"/>
+                <p:nvPr/>
+              </p:nvSpPr>
+              <p:spPr>
+                <a:xfrm>
+                  <a:off x="4244548" y="2169459"/>
+                  <a:ext cx="418704" cy="369332"/>
+                </a:xfrm>
+                <a:prstGeom prst="rect">
+                  <a:avLst/>
+                </a:prstGeom>
+                <a:noFill/>
+              </p:spPr>
+              <p:txBody>
+                <a:bodyPr wrap="none" rtlCol="0">
+                  <a:spAutoFit/>
+                </a:bodyPr>
+                <a:lstStyle/>
+                <a:p>
+                  <a:r>
+                    <a:rPr lang="en-US" altLang="zh-TW" u="sng" dirty="0" smtClean="0"/>
+                    <a:t>85</a:t>
+                  </a:r>
+                  <a:endParaRPr lang="zh-TW" altLang="en-US" u="sng" dirty="0"/>
+                </a:p>
+              </p:txBody>
+            </p:sp>
+          </p:grpSp>
+          <p:cxnSp>
+            <p:nvCxnSpPr>
+              <p:cNvPr id="118" name="直線單箭頭接點 117"/>
+              <p:cNvCxnSpPr/>
+              <p:nvPr/>
+            </p:nvCxnSpPr>
+            <p:spPr>
+              <a:xfrm>
+                <a:off x="5356416" y="2052815"/>
+                <a:ext cx="0" cy="219330"/>
+              </a:xfrm>
+              <a:prstGeom prst="straightConnector1">
+                <a:avLst/>
+              </a:prstGeom>
+              <a:ln>
+                <a:solidFill>
+                  <a:schemeClr val="tx1"/>
+                </a:solidFill>
+                <a:headEnd type="triangle"/>
+                <a:tailEnd type="none"/>
+              </a:ln>
+            </p:spPr>
+            <p:style>
+              <a:lnRef idx="1">
+                <a:schemeClr val="accent1"/>
+              </a:lnRef>
+              <a:fillRef idx="0">
+                <a:schemeClr val="accent1"/>
+              </a:fillRef>
+              <a:effectRef idx="0">
+                <a:schemeClr val="accent1"/>
+              </a:effectRef>
+              <a:fontRef idx="minor">
+                <a:schemeClr val="tx1"/>
+              </a:fontRef>
+            </p:style>
+          </p:cxnSp>
+        </p:grpSp>
+        <p:grpSp>
+          <p:nvGrpSpPr>
+            <p:cNvPr id="277" name="群組 276"/>
+            <p:cNvGrpSpPr/>
+            <p:nvPr/>
+          </p:nvGrpSpPr>
+          <p:grpSpPr>
+            <a:xfrm>
+              <a:off x="283085" y="6628625"/>
+              <a:ext cx="2682053" cy="595011"/>
+              <a:chOff x="3413947" y="2659792"/>
+              <a:chExt cx="2682053" cy="595011"/>
+            </a:xfrm>
+          </p:grpSpPr>
+          <p:grpSp>
+            <p:nvGrpSpPr>
+              <p:cNvPr id="121" name="群組 120"/>
+              <p:cNvGrpSpPr/>
+              <p:nvPr/>
+            </p:nvGrpSpPr>
+            <p:grpSpPr>
+              <a:xfrm>
+                <a:off x="3413947" y="2666141"/>
+                <a:ext cx="2682053" cy="369332"/>
+                <a:chOff x="1981199" y="2169459"/>
+                <a:chExt cx="2682053" cy="369332"/>
+              </a:xfrm>
+            </p:grpSpPr>
+            <p:sp>
+              <p:nvSpPr>
+                <p:cNvPr id="122" name="文字方塊 121"/>
+                <p:cNvSpPr txBox="1"/>
+                <p:nvPr/>
+              </p:nvSpPr>
+              <p:spPr>
+                <a:xfrm>
+                  <a:off x="1981199" y="2169459"/>
+                  <a:ext cx="418704" cy="369332"/>
+                </a:xfrm>
+                <a:prstGeom prst="rect">
+                  <a:avLst/>
+                </a:prstGeom>
+                <a:noFill/>
+                <a:ln>
+                  <a:solidFill>
+                    <a:srgbClr val="FF0000"/>
+                  </a:solidFill>
+                </a:ln>
+              </p:spPr>
+              <p:txBody>
+                <a:bodyPr wrap="none" rtlCol="0">
+                  <a:spAutoFit/>
+                </a:bodyPr>
+                <a:lstStyle/>
+                <a:p>
+                  <a:r>
+                    <a:rPr lang="en-US" altLang="zh-TW" dirty="0" smtClean="0"/>
+                    <a:t>37</a:t>
+                  </a:r>
+                  <a:endParaRPr lang="zh-TW" altLang="en-US" dirty="0"/>
+                </a:p>
+              </p:txBody>
+            </p:sp>
+            <p:sp>
+              <p:nvSpPr>
+                <p:cNvPr id="123" name="文字方塊 122"/>
+                <p:cNvSpPr txBox="1"/>
+                <p:nvPr/>
+              </p:nvSpPr>
+              <p:spPr>
+                <a:xfrm>
+                  <a:off x="2634800" y="2169459"/>
+                  <a:ext cx="301686" cy="369332"/>
+                </a:xfrm>
+                <a:prstGeom prst="rect">
+                  <a:avLst/>
+                </a:prstGeom>
+                <a:noFill/>
+              </p:spPr>
+              <p:txBody>
+                <a:bodyPr wrap="none" rtlCol="0">
+                  <a:spAutoFit/>
+                </a:bodyPr>
+                <a:lstStyle/>
+                <a:p>
+                  <a:r>
+                    <a:rPr lang="en-US" altLang="zh-TW" dirty="0"/>
+                    <a:t>2</a:t>
+                  </a:r>
+                  <a:endParaRPr lang="zh-TW" altLang="en-US" dirty="0"/>
+                </a:p>
+              </p:txBody>
+            </p:sp>
+            <p:sp>
+              <p:nvSpPr>
+                <p:cNvPr id="124" name="文字方塊 123"/>
+                <p:cNvSpPr txBox="1"/>
+                <p:nvPr/>
+              </p:nvSpPr>
+              <p:spPr>
+                <a:xfrm>
+                  <a:off x="3171383" y="2169459"/>
+                  <a:ext cx="301686" cy="369332"/>
+                </a:xfrm>
+                <a:prstGeom prst="rect">
+                  <a:avLst/>
+                </a:prstGeom>
+                <a:noFill/>
+              </p:spPr>
+              <p:txBody>
+                <a:bodyPr wrap="none" rtlCol="0">
+                  <a:spAutoFit/>
+                </a:bodyPr>
+                <a:lstStyle/>
+                <a:p>
+                  <a:r>
+                    <a:rPr lang="en-US" altLang="zh-TW" dirty="0" smtClean="0"/>
+                    <a:t>8</a:t>
+                  </a:r>
+                  <a:endParaRPr lang="zh-TW" altLang="en-US" dirty="0"/>
+                </a:p>
+              </p:txBody>
+            </p:sp>
+            <p:sp>
+              <p:nvSpPr>
+                <p:cNvPr id="125" name="文字方塊 124"/>
+                <p:cNvSpPr txBox="1"/>
+                <p:nvPr/>
+              </p:nvSpPr>
+              <p:spPr>
+                <a:xfrm>
+                  <a:off x="3707966" y="2169459"/>
+                  <a:ext cx="418704" cy="369332"/>
+                </a:xfrm>
+                <a:prstGeom prst="rect">
+                  <a:avLst/>
+                </a:prstGeom>
+                <a:noFill/>
+              </p:spPr>
+              <p:txBody>
+                <a:bodyPr wrap="none" rtlCol="0">
+                  <a:spAutoFit/>
+                </a:bodyPr>
+                <a:lstStyle/>
+                <a:p>
+                  <a:r>
+                    <a:rPr lang="en-US" altLang="zh-TW" dirty="0" smtClean="0"/>
+                    <a:t>10</a:t>
+                  </a:r>
+                  <a:endParaRPr lang="zh-TW" altLang="en-US" dirty="0"/>
+                </a:p>
+              </p:txBody>
+            </p:sp>
+            <p:sp>
+              <p:nvSpPr>
+                <p:cNvPr id="126" name="文字方塊 125"/>
+                <p:cNvSpPr txBox="1"/>
+                <p:nvPr/>
+              </p:nvSpPr>
+              <p:spPr>
+                <a:xfrm>
+                  <a:off x="4244548" y="2169459"/>
+                  <a:ext cx="418704" cy="369332"/>
+                </a:xfrm>
+                <a:prstGeom prst="rect">
+                  <a:avLst/>
+                </a:prstGeom>
+                <a:noFill/>
+              </p:spPr>
+              <p:txBody>
+                <a:bodyPr wrap="none" rtlCol="0">
+                  <a:spAutoFit/>
+                </a:bodyPr>
+                <a:lstStyle/>
+                <a:p>
+                  <a:r>
+                    <a:rPr lang="en-US" altLang="zh-TW" dirty="0" smtClean="0"/>
+                    <a:t>85</a:t>
+                  </a:r>
+                  <a:endParaRPr lang="zh-TW" altLang="en-US" dirty="0"/>
+                </a:p>
+              </p:txBody>
+            </p:sp>
+          </p:grpSp>
+          <p:cxnSp>
+            <p:nvCxnSpPr>
+              <p:cNvPr id="127" name="直線單箭頭接點 126"/>
+              <p:cNvCxnSpPr/>
+              <p:nvPr/>
+            </p:nvCxnSpPr>
+            <p:spPr>
+              <a:xfrm>
+                <a:off x="5356416" y="3035473"/>
+                <a:ext cx="0" cy="219330"/>
+              </a:xfrm>
+              <a:prstGeom prst="straightConnector1">
+                <a:avLst/>
+              </a:prstGeom>
+              <a:ln>
+                <a:solidFill>
+                  <a:schemeClr val="tx1"/>
+                </a:solidFill>
+                <a:headEnd type="triangle"/>
+                <a:tailEnd type="none"/>
+              </a:ln>
+            </p:spPr>
+            <p:style>
+              <a:lnRef idx="1">
+                <a:schemeClr val="accent1"/>
+              </a:lnRef>
+              <a:fillRef idx="0">
+                <a:schemeClr val="accent1"/>
+              </a:fillRef>
+              <a:effectRef idx="0">
+                <a:schemeClr val="accent1"/>
+              </a:effectRef>
+              <a:fontRef idx="minor">
+                <a:schemeClr val="tx1"/>
+              </a:fontRef>
+            </p:style>
+          </p:cxnSp>
+          <p:cxnSp>
+            <p:nvCxnSpPr>
+              <p:cNvPr id="128" name="弧形接點 127"/>
+              <p:cNvCxnSpPr>
+                <a:stCxn id="122" idx="0"/>
+                <a:endCxn id="125" idx="0"/>
+              </p:cNvCxnSpPr>
+              <p:nvPr/>
+            </p:nvCxnSpPr>
+            <p:spPr>
+              <a:xfrm rot="5400000" flipH="1" flipV="1">
+                <a:off x="4486682" y="1802758"/>
+                <a:ext cx="12700" cy="1726767"/>
+              </a:xfrm>
+              <a:prstGeom prst="curvedConnector3">
+                <a:avLst>
+                  <a:gd name="adj1" fmla="val 1800000"/>
+                </a:avLst>
+              </a:prstGeom>
+              <a:ln>
+                <a:headEnd type="triangle"/>
+                <a:tailEnd type="triangle"/>
+              </a:ln>
+            </p:spPr>
+            <p:style>
+              <a:lnRef idx="1">
+                <a:schemeClr val="accent1"/>
+              </a:lnRef>
+              <a:fillRef idx="0">
+                <a:schemeClr val="accent1"/>
+              </a:fillRef>
+              <a:effectRef idx="0">
+                <a:schemeClr val="accent1"/>
+              </a:effectRef>
+              <a:fontRef idx="minor">
+                <a:schemeClr val="tx1"/>
+              </a:fontRef>
+            </p:style>
+          </p:cxnSp>
+        </p:grpSp>
+        <p:grpSp>
+          <p:nvGrpSpPr>
+            <p:cNvPr id="278" name="群組 277"/>
+            <p:cNvGrpSpPr/>
+            <p:nvPr/>
+          </p:nvGrpSpPr>
+          <p:grpSpPr>
+            <a:xfrm>
+              <a:off x="283085" y="7452573"/>
+              <a:ext cx="2682053" cy="588662"/>
+              <a:chOff x="3413947" y="3463664"/>
+              <a:chExt cx="2682053" cy="588662"/>
+            </a:xfrm>
+          </p:grpSpPr>
+          <p:grpSp>
+            <p:nvGrpSpPr>
+              <p:cNvPr id="131" name="群組 130"/>
+              <p:cNvGrpSpPr/>
+              <p:nvPr/>
+            </p:nvGrpSpPr>
+            <p:grpSpPr>
+              <a:xfrm>
+                <a:off x="3413947" y="3463664"/>
+                <a:ext cx="2682053" cy="369332"/>
+                <a:chOff x="1981199" y="2169459"/>
+                <a:chExt cx="2682053" cy="369332"/>
+              </a:xfrm>
+            </p:grpSpPr>
+            <p:sp>
+              <p:nvSpPr>
+                <p:cNvPr id="132" name="文字方塊 131"/>
+                <p:cNvSpPr txBox="1"/>
+                <p:nvPr/>
+              </p:nvSpPr>
+              <p:spPr>
+                <a:xfrm>
+                  <a:off x="1981199" y="2169459"/>
+                  <a:ext cx="418704" cy="369332"/>
+                </a:xfrm>
+                <a:prstGeom prst="rect">
+                  <a:avLst/>
+                </a:prstGeom>
+                <a:noFill/>
+                <a:ln>
+                  <a:noFill/>
+                </a:ln>
+              </p:spPr>
+              <p:txBody>
+                <a:bodyPr wrap="none" rtlCol="0">
+                  <a:spAutoFit/>
+                </a:bodyPr>
+                <a:lstStyle/>
+                <a:p>
+                  <a:r>
+                    <a:rPr lang="en-US" altLang="zh-TW" dirty="0" smtClean="0"/>
+                    <a:t>10</a:t>
+                  </a:r>
+                  <a:endParaRPr lang="zh-TW" altLang="en-US" dirty="0"/>
+                </a:p>
+              </p:txBody>
+            </p:sp>
+            <p:sp>
+              <p:nvSpPr>
+                <p:cNvPr id="133" name="文字方塊 132"/>
+                <p:cNvSpPr txBox="1"/>
+                <p:nvPr/>
+              </p:nvSpPr>
+              <p:spPr>
+                <a:xfrm>
+                  <a:off x="2634800" y="2169459"/>
+                  <a:ext cx="301686" cy="369332"/>
+                </a:xfrm>
+                <a:prstGeom prst="rect">
+                  <a:avLst/>
+                </a:prstGeom>
+                <a:noFill/>
+              </p:spPr>
+              <p:txBody>
+                <a:bodyPr wrap="none" rtlCol="0">
+                  <a:spAutoFit/>
+                </a:bodyPr>
+                <a:lstStyle/>
+                <a:p>
+                  <a:r>
+                    <a:rPr lang="en-US" altLang="zh-TW" dirty="0"/>
+                    <a:t>2</a:t>
+                  </a:r>
+                  <a:endParaRPr lang="zh-TW" altLang="en-US" dirty="0"/>
+                </a:p>
+              </p:txBody>
+            </p:sp>
+            <p:sp>
+              <p:nvSpPr>
+                <p:cNvPr id="134" name="文字方塊 133"/>
+                <p:cNvSpPr txBox="1"/>
+                <p:nvPr/>
+              </p:nvSpPr>
+              <p:spPr>
+                <a:xfrm>
+                  <a:off x="3171383" y="2169459"/>
+                  <a:ext cx="301686" cy="369332"/>
+                </a:xfrm>
+                <a:prstGeom prst="rect">
+                  <a:avLst/>
+                </a:prstGeom>
+                <a:noFill/>
+              </p:spPr>
+              <p:txBody>
+                <a:bodyPr wrap="none" rtlCol="0">
+                  <a:spAutoFit/>
+                </a:bodyPr>
+                <a:lstStyle/>
+                <a:p>
+                  <a:r>
+                    <a:rPr lang="en-US" altLang="zh-TW" dirty="0" smtClean="0"/>
+                    <a:t>8</a:t>
+                  </a:r>
+                  <a:endParaRPr lang="zh-TW" altLang="en-US" dirty="0"/>
+                </a:p>
+              </p:txBody>
+            </p:sp>
+            <p:sp>
+              <p:nvSpPr>
+                <p:cNvPr id="135" name="文字方塊 134"/>
+                <p:cNvSpPr txBox="1"/>
+                <p:nvPr/>
+              </p:nvSpPr>
+              <p:spPr>
+                <a:xfrm>
+                  <a:off x="3707966" y="2169459"/>
+                  <a:ext cx="418704" cy="369332"/>
+                </a:xfrm>
+                <a:prstGeom prst="rect">
+                  <a:avLst/>
+                </a:prstGeom>
+                <a:noFill/>
+                <a:ln>
+                  <a:solidFill>
+                    <a:srgbClr val="FF0000"/>
+                  </a:solidFill>
+                </a:ln>
+              </p:spPr>
+              <p:txBody>
+                <a:bodyPr wrap="none" rtlCol="0">
+                  <a:spAutoFit/>
+                </a:bodyPr>
+                <a:lstStyle/>
+                <a:p>
+                  <a:r>
+                    <a:rPr lang="en-US" altLang="zh-TW" dirty="0" smtClean="0"/>
+                    <a:t>37</a:t>
+                  </a:r>
+                  <a:endParaRPr lang="zh-TW" altLang="en-US" dirty="0"/>
+                </a:p>
+              </p:txBody>
+            </p:sp>
+            <p:sp>
+              <p:nvSpPr>
+                <p:cNvPr id="136" name="文字方塊 135"/>
+                <p:cNvSpPr txBox="1"/>
+                <p:nvPr/>
+              </p:nvSpPr>
+              <p:spPr>
+                <a:xfrm>
+                  <a:off x="4244548" y="2169459"/>
+                  <a:ext cx="418704" cy="369332"/>
+                </a:xfrm>
+                <a:prstGeom prst="rect">
+                  <a:avLst/>
+                </a:prstGeom>
+                <a:noFill/>
+              </p:spPr>
+              <p:txBody>
+                <a:bodyPr wrap="none" rtlCol="0">
+                  <a:spAutoFit/>
+                </a:bodyPr>
+                <a:lstStyle/>
+                <a:p>
+                  <a:r>
+                    <a:rPr lang="en-US" altLang="zh-TW" dirty="0" smtClean="0"/>
+                    <a:t>85</a:t>
+                  </a:r>
+                  <a:endParaRPr lang="zh-TW" altLang="en-US" dirty="0"/>
+                </a:p>
+              </p:txBody>
+            </p:sp>
+          </p:grpSp>
+          <p:cxnSp>
+            <p:nvCxnSpPr>
+              <p:cNvPr id="137" name="直線單箭頭接點 136"/>
+              <p:cNvCxnSpPr/>
+              <p:nvPr/>
+            </p:nvCxnSpPr>
+            <p:spPr>
+              <a:xfrm>
+                <a:off x="5356416" y="3832996"/>
+                <a:ext cx="0" cy="219330"/>
+              </a:xfrm>
+              <a:prstGeom prst="straightConnector1">
+                <a:avLst/>
+              </a:prstGeom>
+              <a:ln>
+                <a:solidFill>
+                  <a:schemeClr val="tx1"/>
+                </a:solidFill>
+                <a:headEnd type="triangle"/>
+                <a:tailEnd type="none"/>
+              </a:ln>
+            </p:spPr>
+            <p:style>
+              <a:lnRef idx="1">
+                <a:schemeClr val="accent1"/>
+              </a:lnRef>
+              <a:fillRef idx="0">
+                <a:schemeClr val="accent1"/>
+              </a:fillRef>
+              <a:effectRef idx="0">
+                <a:schemeClr val="accent1"/>
+              </a:effectRef>
+              <a:fontRef idx="minor">
+                <a:schemeClr val="tx1"/>
+              </a:fontRef>
+            </p:style>
+          </p:cxnSp>
+        </p:grpSp>
+        <p:grpSp>
+          <p:nvGrpSpPr>
+            <p:cNvPr id="141" name="群組 140"/>
+            <p:cNvGrpSpPr/>
+            <p:nvPr/>
+          </p:nvGrpSpPr>
+          <p:grpSpPr>
+            <a:xfrm>
+              <a:off x="272445" y="8270169"/>
+              <a:ext cx="2682053" cy="369332"/>
+              <a:chOff x="1981199" y="2169459"/>
+              <a:chExt cx="2682053" cy="369332"/>
+            </a:xfrm>
+          </p:grpSpPr>
+          <p:sp>
+            <p:nvSpPr>
+              <p:cNvPr id="142" name="文字方塊 141"/>
+              <p:cNvSpPr txBox="1"/>
+              <p:nvPr/>
+            </p:nvSpPr>
+            <p:spPr>
+              <a:xfrm>
+                <a:off x="1981199" y="2169459"/>
+                <a:ext cx="418704" cy="369332"/>
+              </a:xfrm>
+              <a:prstGeom prst="rect">
+                <a:avLst/>
+              </a:prstGeom>
+              <a:noFill/>
+              <a:ln>
+                <a:solidFill>
+                  <a:srgbClr val="FF0000"/>
+                </a:solidFill>
+              </a:ln>
+            </p:spPr>
+            <p:txBody>
+              <a:bodyPr wrap="none" rtlCol="0">
+                <a:spAutoFit/>
+              </a:bodyPr>
+              <a:lstStyle/>
+              <a:p>
+                <a:r>
+                  <a:rPr lang="en-US" altLang="zh-TW" dirty="0" smtClean="0"/>
+                  <a:t>10</a:t>
+                </a:r>
+                <a:endParaRPr lang="zh-TW" altLang="en-US" dirty="0"/>
+              </a:p>
+            </p:txBody>
+          </p:sp>
+          <p:sp>
+            <p:nvSpPr>
+              <p:cNvPr id="143" name="文字方塊 142"/>
+              <p:cNvSpPr txBox="1"/>
+              <p:nvPr/>
+            </p:nvSpPr>
+            <p:spPr>
+              <a:xfrm>
+                <a:off x="2634800" y="2169459"/>
+                <a:ext cx="301686" cy="369332"/>
+              </a:xfrm>
+              <a:prstGeom prst="rect">
+                <a:avLst/>
+              </a:prstGeom>
+              <a:noFill/>
+            </p:spPr>
+            <p:txBody>
+              <a:bodyPr wrap="none" rtlCol="0">
+                <a:spAutoFit/>
+              </a:bodyPr>
+              <a:lstStyle/>
+              <a:p>
+                <a:r>
+                  <a:rPr lang="en-US" altLang="zh-TW" dirty="0"/>
+                  <a:t>2</a:t>
+                </a:r>
+                <a:endParaRPr lang="zh-TW" altLang="en-US" dirty="0"/>
+              </a:p>
+            </p:txBody>
+          </p:sp>
+          <p:sp>
+            <p:nvSpPr>
+              <p:cNvPr id="144" name="文字方塊 143"/>
+              <p:cNvSpPr txBox="1"/>
+              <p:nvPr/>
+            </p:nvSpPr>
+            <p:spPr>
+              <a:xfrm>
+                <a:off x="3171383" y="2169459"/>
+                <a:ext cx="301686" cy="369332"/>
+              </a:xfrm>
+              <a:prstGeom prst="rect">
+                <a:avLst/>
+              </a:prstGeom>
+              <a:noFill/>
+            </p:spPr>
+            <p:txBody>
+              <a:bodyPr wrap="none" rtlCol="0">
+                <a:spAutoFit/>
+              </a:bodyPr>
+              <a:lstStyle/>
+              <a:p>
+                <a:r>
+                  <a:rPr lang="en-US" altLang="zh-TW" dirty="0" smtClean="0"/>
+                  <a:t>8</a:t>
+                </a:r>
+                <a:endParaRPr lang="zh-TW" altLang="en-US" dirty="0"/>
+              </a:p>
+            </p:txBody>
+          </p:sp>
+          <p:sp>
+            <p:nvSpPr>
+              <p:cNvPr id="145" name="文字方塊 144"/>
+              <p:cNvSpPr txBox="1"/>
+              <p:nvPr/>
+            </p:nvSpPr>
+            <p:spPr>
+              <a:xfrm>
+                <a:off x="3707966" y="2169459"/>
+                <a:ext cx="418704" cy="369332"/>
+              </a:xfrm>
+              <a:prstGeom prst="rect">
+                <a:avLst/>
+              </a:prstGeom>
+              <a:noFill/>
+              <a:ln>
+                <a:noFill/>
+              </a:ln>
+            </p:spPr>
+            <p:txBody>
+              <a:bodyPr wrap="none" rtlCol="0">
+                <a:spAutoFit/>
+              </a:bodyPr>
+              <a:lstStyle/>
+              <a:p>
+                <a:r>
+                  <a:rPr lang="en-US" altLang="zh-TW" b="1" dirty="0" smtClean="0">
+                    <a:solidFill>
+                      <a:srgbClr val="FF0000"/>
+                    </a:solidFill>
+                  </a:rPr>
+                  <a:t>37</a:t>
+                </a:r>
+                <a:endParaRPr lang="zh-TW" altLang="en-US" b="1" dirty="0">
+                  <a:solidFill>
+                    <a:srgbClr val="FF0000"/>
+                  </a:solidFill>
+                </a:endParaRPr>
+              </a:p>
+            </p:txBody>
+          </p:sp>
+          <p:sp>
+            <p:nvSpPr>
+              <p:cNvPr id="146" name="文字方塊 145"/>
+              <p:cNvSpPr txBox="1"/>
+              <p:nvPr/>
+            </p:nvSpPr>
+            <p:spPr>
+              <a:xfrm>
+                <a:off x="4244548" y="2169459"/>
+                <a:ext cx="418704" cy="369332"/>
+              </a:xfrm>
+              <a:prstGeom prst="rect">
+                <a:avLst/>
+              </a:prstGeom>
+              <a:noFill/>
+              <a:ln>
+                <a:solidFill>
+                  <a:srgbClr val="FF0000"/>
+                </a:solidFill>
+              </a:ln>
+            </p:spPr>
+            <p:txBody>
+              <a:bodyPr wrap="none" rtlCol="0">
+                <a:spAutoFit/>
+              </a:bodyPr>
+              <a:lstStyle/>
+              <a:p>
+                <a:r>
+                  <a:rPr lang="en-US" altLang="zh-TW" dirty="0" smtClean="0"/>
+                  <a:t>85</a:t>
+                </a:r>
+                <a:endParaRPr lang="zh-TW" altLang="en-US" dirty="0"/>
+              </a:p>
+            </p:txBody>
+          </p:sp>
+        </p:grpSp>
+        <p:sp>
+          <p:nvSpPr>
+            <p:cNvPr id="291" name="文字方塊 290"/>
+            <p:cNvSpPr txBox="1"/>
+            <p:nvPr/>
+          </p:nvSpPr>
+          <p:spPr>
+            <a:xfrm>
+              <a:off x="-138410" y="862728"/>
+              <a:ext cx="301686" cy="369332"/>
+            </a:xfrm>
+            <a:prstGeom prst="rect">
+              <a:avLst/>
+            </a:prstGeom>
+            <a:solidFill>
+              <a:schemeClr val="tx1"/>
+            </a:solidFill>
+          </p:spPr>
+          <p:txBody>
+            <a:bodyPr wrap="none" rtlCol="0">
+              <a:spAutoFit/>
+            </a:bodyPr>
+            <a:lstStyle/>
+            <a:p>
+              <a:r>
+                <a:rPr lang="en-US" altLang="zh-TW" u="sng" dirty="0">
+                  <a:solidFill>
+                    <a:schemeClr val="bg1"/>
+                  </a:solidFill>
+                </a:rPr>
+                <a:t>1</a:t>
+              </a:r>
+              <a:endParaRPr lang="zh-TW" altLang="en-US" u="sng" dirty="0">
+                <a:solidFill>
+                  <a:schemeClr val="bg1"/>
+                </a:solidFill>
+              </a:endParaRPr>
+            </a:p>
+          </p:txBody>
+        </p:sp>
+        <p:sp>
+          <p:nvSpPr>
+            <p:cNvPr id="292" name="文字方塊 291"/>
+            <p:cNvSpPr txBox="1"/>
+            <p:nvPr/>
+          </p:nvSpPr>
+          <p:spPr>
+            <a:xfrm>
+              <a:off x="-138410" y="1686136"/>
+              <a:ext cx="301686" cy="369332"/>
+            </a:xfrm>
+            <a:prstGeom prst="rect">
+              <a:avLst/>
+            </a:prstGeom>
+            <a:solidFill>
+              <a:schemeClr val="tx1"/>
+            </a:solidFill>
+          </p:spPr>
+          <p:txBody>
+            <a:bodyPr wrap="none" rtlCol="0">
+              <a:spAutoFit/>
+            </a:bodyPr>
+            <a:lstStyle/>
+            <a:p>
+              <a:r>
+                <a:rPr lang="en-US" altLang="zh-TW" u="sng" dirty="0">
+                  <a:solidFill>
+                    <a:schemeClr val="bg1"/>
+                  </a:solidFill>
+                </a:rPr>
+                <a:t>2</a:t>
+              </a:r>
+              <a:endParaRPr lang="zh-TW" altLang="en-US" u="sng" dirty="0">
+                <a:solidFill>
+                  <a:schemeClr val="bg1"/>
+                </a:solidFill>
+              </a:endParaRPr>
+            </a:p>
+          </p:txBody>
+        </p:sp>
+        <p:sp>
+          <p:nvSpPr>
+            <p:cNvPr id="293" name="文字方塊 292"/>
+            <p:cNvSpPr txBox="1"/>
+            <p:nvPr/>
+          </p:nvSpPr>
+          <p:spPr>
+            <a:xfrm>
+              <a:off x="-138410" y="2502309"/>
+              <a:ext cx="301686" cy="369332"/>
+            </a:xfrm>
+            <a:prstGeom prst="rect">
+              <a:avLst/>
+            </a:prstGeom>
+            <a:solidFill>
+              <a:schemeClr val="tx1"/>
+            </a:solidFill>
+          </p:spPr>
+          <p:txBody>
+            <a:bodyPr wrap="none" rtlCol="0">
+              <a:spAutoFit/>
+            </a:bodyPr>
+            <a:lstStyle/>
+            <a:p>
+              <a:r>
+                <a:rPr lang="en-US" altLang="zh-TW" u="sng" dirty="0">
+                  <a:solidFill>
+                    <a:schemeClr val="bg1"/>
+                  </a:solidFill>
+                </a:rPr>
+                <a:t>3</a:t>
+              </a:r>
+              <a:endParaRPr lang="zh-TW" altLang="en-US" u="sng" dirty="0">
+                <a:solidFill>
+                  <a:schemeClr val="bg1"/>
+                </a:solidFill>
+              </a:endParaRPr>
+            </a:p>
+          </p:txBody>
+        </p:sp>
+        <p:sp>
+          <p:nvSpPr>
+            <p:cNvPr id="294" name="文字方塊 293"/>
+            <p:cNvSpPr txBox="1"/>
+            <p:nvPr/>
+          </p:nvSpPr>
+          <p:spPr>
+            <a:xfrm>
+              <a:off x="-138410" y="3346888"/>
+              <a:ext cx="301686" cy="369332"/>
+            </a:xfrm>
+            <a:prstGeom prst="rect">
+              <a:avLst/>
+            </a:prstGeom>
+            <a:solidFill>
+              <a:schemeClr val="tx1"/>
+            </a:solidFill>
+          </p:spPr>
+          <p:txBody>
+            <a:bodyPr wrap="none" rtlCol="0">
+              <a:spAutoFit/>
+            </a:bodyPr>
+            <a:lstStyle/>
+            <a:p>
+              <a:r>
+                <a:rPr lang="en-US" altLang="zh-TW" u="sng" dirty="0">
+                  <a:solidFill>
+                    <a:schemeClr val="bg1"/>
+                  </a:solidFill>
+                </a:rPr>
+                <a:t>4</a:t>
+              </a:r>
+              <a:endParaRPr lang="zh-TW" altLang="en-US" u="sng" dirty="0">
+                <a:solidFill>
+                  <a:schemeClr val="bg1"/>
+                </a:solidFill>
+              </a:endParaRPr>
+            </a:p>
+          </p:txBody>
+        </p:sp>
+        <p:sp>
+          <p:nvSpPr>
+            <p:cNvPr id="295" name="文字方塊 294"/>
+            <p:cNvSpPr txBox="1"/>
+            <p:nvPr/>
+          </p:nvSpPr>
+          <p:spPr>
+            <a:xfrm>
+              <a:off x="-138410" y="4169478"/>
+              <a:ext cx="301686" cy="369332"/>
+            </a:xfrm>
+            <a:prstGeom prst="rect">
+              <a:avLst/>
+            </a:prstGeom>
+            <a:solidFill>
+              <a:schemeClr val="tx1"/>
+            </a:solidFill>
+          </p:spPr>
+          <p:txBody>
+            <a:bodyPr wrap="none" rtlCol="0">
+              <a:spAutoFit/>
+            </a:bodyPr>
+            <a:lstStyle/>
+            <a:p>
+              <a:r>
+                <a:rPr lang="en-US" altLang="zh-TW" u="sng" dirty="0">
+                  <a:solidFill>
+                    <a:schemeClr val="bg1"/>
+                  </a:solidFill>
+                </a:rPr>
+                <a:t>5</a:t>
+              </a:r>
+              <a:endParaRPr lang="zh-TW" altLang="en-US" u="sng" dirty="0">
+                <a:solidFill>
+                  <a:schemeClr val="bg1"/>
+                </a:solidFill>
+              </a:endParaRPr>
+            </a:p>
+          </p:txBody>
+        </p:sp>
+        <p:sp>
+          <p:nvSpPr>
+            <p:cNvPr id="296" name="文字方塊 295"/>
+            <p:cNvSpPr txBox="1"/>
+            <p:nvPr/>
+          </p:nvSpPr>
+          <p:spPr>
+            <a:xfrm>
+              <a:off x="-138410" y="4996985"/>
+              <a:ext cx="301686" cy="369332"/>
+            </a:xfrm>
+            <a:prstGeom prst="rect">
+              <a:avLst/>
+            </a:prstGeom>
+            <a:solidFill>
+              <a:schemeClr val="tx1"/>
+            </a:solidFill>
+          </p:spPr>
+          <p:txBody>
+            <a:bodyPr wrap="none" rtlCol="0">
+              <a:spAutoFit/>
+            </a:bodyPr>
+            <a:lstStyle/>
+            <a:p>
+              <a:r>
+                <a:rPr lang="en-US" altLang="zh-TW" u="sng" dirty="0" smtClean="0">
+                  <a:solidFill>
+                    <a:schemeClr val="bg1"/>
+                  </a:solidFill>
+                </a:rPr>
+                <a:t>6</a:t>
+              </a:r>
+              <a:endParaRPr lang="zh-TW" altLang="en-US" u="sng" dirty="0">
+                <a:solidFill>
+                  <a:schemeClr val="bg1"/>
+                </a:solidFill>
+              </a:endParaRPr>
+            </a:p>
+          </p:txBody>
+        </p:sp>
+        <p:sp>
+          <p:nvSpPr>
+            <p:cNvPr id="297" name="文字方塊 296"/>
+            <p:cNvSpPr txBox="1"/>
+            <p:nvPr/>
+          </p:nvSpPr>
+          <p:spPr>
+            <a:xfrm>
+              <a:off x="-132277" y="5812244"/>
+              <a:ext cx="301686" cy="369332"/>
+            </a:xfrm>
+            <a:prstGeom prst="rect">
+              <a:avLst/>
+            </a:prstGeom>
+            <a:solidFill>
+              <a:schemeClr val="tx1"/>
+            </a:solidFill>
+          </p:spPr>
+          <p:txBody>
+            <a:bodyPr wrap="none" rtlCol="0">
+              <a:spAutoFit/>
+            </a:bodyPr>
+            <a:lstStyle/>
+            <a:p>
+              <a:r>
+                <a:rPr lang="en-US" altLang="zh-TW" u="sng" dirty="0" smtClean="0">
+                  <a:solidFill>
+                    <a:schemeClr val="bg1"/>
+                  </a:solidFill>
+                </a:rPr>
+                <a:t>7</a:t>
+              </a:r>
+              <a:endParaRPr lang="zh-TW" altLang="en-US" u="sng" dirty="0">
+                <a:solidFill>
+                  <a:schemeClr val="bg1"/>
+                </a:solidFill>
+              </a:endParaRPr>
+            </a:p>
+          </p:txBody>
+        </p:sp>
+        <p:sp>
+          <p:nvSpPr>
+            <p:cNvPr id="298" name="文字方塊 297"/>
+            <p:cNvSpPr txBox="1"/>
+            <p:nvPr/>
+          </p:nvSpPr>
+          <p:spPr>
+            <a:xfrm>
+              <a:off x="-129877" y="6641325"/>
+              <a:ext cx="301686" cy="369332"/>
+            </a:xfrm>
+            <a:prstGeom prst="rect">
+              <a:avLst/>
+            </a:prstGeom>
+            <a:solidFill>
+              <a:schemeClr val="tx1"/>
+            </a:solidFill>
+          </p:spPr>
+          <p:txBody>
+            <a:bodyPr wrap="none" rtlCol="0">
+              <a:spAutoFit/>
+            </a:bodyPr>
+            <a:lstStyle/>
+            <a:p>
+              <a:r>
+                <a:rPr lang="en-US" altLang="zh-TW" u="sng" dirty="0" smtClean="0">
+                  <a:solidFill>
+                    <a:schemeClr val="bg1"/>
+                  </a:solidFill>
+                </a:rPr>
+                <a:t>8</a:t>
+              </a:r>
+              <a:endParaRPr lang="zh-TW" altLang="en-US" u="sng" dirty="0">
+                <a:solidFill>
+                  <a:schemeClr val="bg1"/>
+                </a:solidFill>
+              </a:endParaRPr>
+            </a:p>
+          </p:txBody>
+        </p:sp>
+        <p:sp>
+          <p:nvSpPr>
+            <p:cNvPr id="299" name="文字方塊 298"/>
+            <p:cNvSpPr txBox="1"/>
+            <p:nvPr/>
+          </p:nvSpPr>
+          <p:spPr>
+            <a:xfrm>
+              <a:off x="-129877" y="7447766"/>
+              <a:ext cx="301686" cy="369332"/>
+            </a:xfrm>
+            <a:prstGeom prst="rect">
+              <a:avLst/>
+            </a:prstGeom>
+            <a:solidFill>
+              <a:schemeClr val="tx1"/>
+            </a:solidFill>
+          </p:spPr>
+          <p:txBody>
+            <a:bodyPr wrap="none" rtlCol="0">
+              <a:spAutoFit/>
+            </a:bodyPr>
+            <a:lstStyle/>
+            <a:p>
+              <a:r>
+                <a:rPr lang="en-US" altLang="zh-TW" u="sng" dirty="0" smtClean="0">
+                  <a:solidFill>
+                    <a:schemeClr val="bg1"/>
+                  </a:solidFill>
+                </a:rPr>
+                <a:t>9</a:t>
+              </a:r>
+              <a:endParaRPr lang="zh-TW" altLang="en-US" u="sng" dirty="0">
+                <a:solidFill>
+                  <a:schemeClr val="bg1"/>
+                </a:solidFill>
+              </a:endParaRPr>
+            </a:p>
+          </p:txBody>
+        </p:sp>
+        <p:sp>
+          <p:nvSpPr>
+            <p:cNvPr id="300" name="文字方塊 299"/>
+            <p:cNvSpPr txBox="1"/>
+            <p:nvPr/>
+          </p:nvSpPr>
+          <p:spPr>
+            <a:xfrm>
+              <a:off x="-246895" y="8282869"/>
+              <a:ext cx="418704" cy="369332"/>
+            </a:xfrm>
+            <a:prstGeom prst="rect">
+              <a:avLst/>
+            </a:prstGeom>
+            <a:solidFill>
+              <a:schemeClr val="tx1"/>
+            </a:solidFill>
+          </p:spPr>
+          <p:txBody>
+            <a:bodyPr wrap="none" rtlCol="0">
+              <a:spAutoFit/>
+            </a:bodyPr>
+            <a:lstStyle/>
+            <a:p>
+              <a:r>
+                <a:rPr lang="en-US" altLang="zh-TW" u="sng" dirty="0" smtClean="0">
+                  <a:solidFill>
+                    <a:schemeClr val="bg1"/>
+                  </a:solidFill>
+                </a:rPr>
+                <a:t>10</a:t>
+              </a:r>
+              <a:endParaRPr lang="zh-TW" altLang="en-US" u="sng" dirty="0">
+                <a:solidFill>
+                  <a:schemeClr val="bg1"/>
+                </a:solidFill>
+              </a:endParaRPr>
+            </a:p>
+          </p:txBody>
+        </p:sp>
+        <p:sp>
+          <p:nvSpPr>
+            <p:cNvPr id="315" name="文字方塊 314"/>
+            <p:cNvSpPr txBox="1"/>
+            <p:nvPr/>
+          </p:nvSpPr>
+          <p:spPr>
+            <a:xfrm>
+              <a:off x="-138410" y="288328"/>
+              <a:ext cx="301686" cy="369332"/>
+            </a:xfrm>
+            <a:prstGeom prst="rect">
+              <a:avLst/>
+            </a:prstGeom>
+            <a:solidFill>
+              <a:schemeClr val="tx1"/>
+            </a:solidFill>
+          </p:spPr>
+          <p:txBody>
+            <a:bodyPr wrap="none" rtlCol="0">
+              <a:spAutoFit/>
+            </a:bodyPr>
+            <a:lstStyle/>
+            <a:p>
+              <a:r>
+                <a:rPr lang="en-US" altLang="zh-TW" u="sng" dirty="0" smtClean="0">
+                  <a:solidFill>
+                    <a:schemeClr val="bg1"/>
+                  </a:solidFill>
+                </a:rPr>
+                <a:t>0</a:t>
+              </a:r>
+              <a:endParaRPr lang="zh-TW" altLang="en-US" u="sng" dirty="0">
+                <a:solidFill>
+                  <a:schemeClr val="bg1"/>
+                </a:solidFill>
+              </a:endParaRPr>
+            </a:p>
+          </p:txBody>
+        </p:sp>
+      </p:grpSp>
+    </p:spTree>
+    <p:extLst>
+      <p:ext uri="{BB962C8B-B14F-4D97-AF65-F5344CB8AC3E}">
+        <p14:creationId xmlns:p14="http://schemas.microsoft.com/office/powerpoint/2010/main" val="3642134625"/>
+      </p:ext>
+    </p:extLst>
+  </p:cSld>
+  <p:clrMapOvr>
+    <a:masterClrMapping/>
+  </p:clrMapOvr>
+</p:sld>
+</file>
+
 <file path=ppt/theme/theme1.xml><?xml version="1.0" encoding="utf-8"?>
 <a:theme xmlns:a="http://schemas.openxmlformats.org/drawingml/2006/main" name="Office 佈景主題">
   <a:themeElements>
